--- a/CLS_Project_Presentation_.pptx
+++ b/CLS_Project_Presentation_.pptx
@@ -25,14 +25,14 @@
     <p:sldId id="349" r:id="rId16"/>
     <p:sldId id="350" r:id="rId17"/>
     <p:sldId id="351" r:id="rId18"/>
-    <p:sldId id="356" r:id="rId19"/>
-    <p:sldId id="358" r:id="rId20"/>
-    <p:sldId id="359" r:id="rId21"/>
-    <p:sldId id="360" r:id="rId22"/>
-    <p:sldId id="366" r:id="rId23"/>
-    <p:sldId id="362" r:id="rId24"/>
-    <p:sldId id="364" r:id="rId25"/>
-    <p:sldId id="363" r:id="rId26"/>
+    <p:sldId id="358" r:id="rId19"/>
+    <p:sldId id="356" r:id="rId20"/>
+    <p:sldId id="360" r:id="rId21"/>
+    <p:sldId id="359" r:id="rId22"/>
+    <p:sldId id="362" r:id="rId23"/>
+    <p:sldId id="366" r:id="rId24"/>
+    <p:sldId id="363" r:id="rId25"/>
+    <p:sldId id="364" r:id="rId26"/>
     <p:sldId id="365" r:id="rId27"/>
     <p:sldId id="336" r:id="rId28"/>
   </p:sldIdLst>
@@ -272,7 +272,7 @@
       <p15:sldGuideLst xmlns:p15="http://schemas.microsoft.com/office/powerpoint/2012/main"/>
     </p:ext>
     <p:ext uri="http://customooxmlschemas.google.com/">
-      <go:slidesCustomData xmlns:go="http://customooxmlschemas.google.com/" xmlns:ahyp="http://schemas.microsoft.com/office/drawing/2018/hyperlinkcolor" xmlns:p15="http://schemas.microsoft.com/office/powerpoint/2012/main" xmlns:p14="http://schemas.microsoft.com/office/powerpoint/2010/main" xmlns:com="http://schemas.openxmlformats.org/drawingml/2006/compatibility" xmlns:pvml="urn:schemas-microsoft-com:office:powerpoint" xmlns:v="urn:schemas-microsoft-com:vml" xmlns:o="urn:schemas-microsoft-com:office:office" xmlns:dgm="http://schemas.openxmlformats.org/drawingml/2006/diagram" xmlns:c="http://schemas.openxmlformats.org/drawingml/2006/chart" xmlns:mv="urn:schemas-microsoft-com:mac:vml" xmlns:mc="http://schemas.openxmlformats.org/markup-compatibility/2006" xmlns="" r:id="rId48" roundtripDataSignature="AMtx7mgZpN2K8dd2ZmXMEsv4IbKko0SR3g=="/>
+      <go:slidesCustomData xmlns="" xmlns:mc="http://schemas.openxmlformats.org/markup-compatibility/2006" xmlns:mv="urn:schemas-microsoft-com:mac:vml" xmlns:c="http://schemas.openxmlformats.org/drawingml/2006/chart" xmlns:dgm="http://schemas.openxmlformats.org/drawingml/2006/diagram" xmlns:o="urn:schemas-microsoft-com:office:office" xmlns:v="urn:schemas-microsoft-com:vml" xmlns:pvml="urn:schemas-microsoft-com:office:powerpoint" xmlns:com="http://schemas.openxmlformats.org/drawingml/2006/compatibility" xmlns:p14="http://schemas.microsoft.com/office/powerpoint/2010/main" xmlns:p15="http://schemas.microsoft.com/office/powerpoint/2012/main" xmlns:ahyp="http://schemas.microsoft.com/office/drawing/2018/hyperlinkcolor" xmlns:go="http://customooxmlschemas.google.com/" r:id="rId48" roundtripDataSignature="AMtx7mgZpN2K8dd2ZmXMEsv4IbKko0SR3g=="/>
     </p:ext>
   </p:extLst>
 </p:presentation>
@@ -2982,204 +2982,9 @@
             </a:pPr>
             <a:r>
               <a:rPr lang="en-GB" dirty="0"/>
-              <a:t>Topic 7(</a:t>
-            </a:r>
-            <a:r>
-              <a:rPr lang="en-GB" dirty="0" err="1"/>
-              <a:t>sudou</a:t>
-            </a:r>
-            <a:r>
-              <a:rPr lang="en-GB" dirty="0"/>
-              <a:t>, </a:t>
-            </a:r>
-            <a:r>
-              <a:rPr lang="en-GB" dirty="0" err="1"/>
-              <a:t>ike</a:t>
-            </a:r>
-            <a:r>
-              <a:rPr lang="en-GB" dirty="0"/>
-              <a:t>, </a:t>
-            </a:r>
-            <a:r>
-              <a:rPr lang="en-GB" dirty="0" err="1"/>
-              <a:t>yamauchi</a:t>
-            </a:r>
-            <a:r>
-              <a:rPr lang="en-GB" dirty="0"/>
-              <a:t>, council, birthday, …): </a:t>
-            </a:r>
-            <a:r>
-              <a:rPr lang="en-GB" dirty="0" err="1"/>
-              <a:t>Sudou</a:t>
-            </a:r>
-            <a:r>
-              <a:rPr lang="en-GB" dirty="0"/>
-              <a:t>, Ike and Yamauchi are three guys from the protagonist’s class that quickly grew into a close friend group. On the first day of classes they form a group of boys to discuss different matters. Amongst other matters, they discuss how stern the student council president looked at the welcoming ceremony for the first years. The word birthday does not occur in the volumes covering the 1st trimester.</a:t>
-            </a:r>
-          </a:p>
-          <a:p>
-            <a:pPr marL="0" lvl="0" indent="0" algn="l" rtl="0">
-              <a:spcBef>
-                <a:spcPts val="0"/>
-              </a:spcBef>
-              <a:spcAft>
-                <a:spcPts val="0"/>
-              </a:spcAft>
-              <a:buNone/>
-            </a:pPr>
-            <a:r>
-              <a:rPr lang="en-GB" dirty="0"/>
-              <a:t>Topic 9(</a:t>
-            </a:r>
-            <a:r>
-              <a:rPr lang="en-GB" dirty="0" err="1"/>
-              <a:t>karuizawa</a:t>
-            </a:r>
-            <a:r>
-              <a:rPr lang="en-GB" dirty="0"/>
-              <a:t>, </a:t>
-            </a:r>
-            <a:r>
-              <a:rPr lang="en-GB" dirty="0" err="1"/>
-              <a:t>nagumo</a:t>
-            </a:r>
-            <a:r>
-              <a:rPr lang="en-GB" dirty="0"/>
-              <a:t>, </a:t>
-            </a:r>
-            <a:r>
-              <a:rPr lang="en-GB" dirty="0" err="1"/>
-              <a:t>hirata</a:t>
-            </a:r>
-            <a:r>
-              <a:rPr lang="en-GB" dirty="0"/>
-              <a:t>, date, love, …): At the start of the schoolyear, it quickly becomes clear that Karuizawa and Hirata start dating. They are two of the three most popular people in class D and end up taking a leading role during class activities and discussions. The name </a:t>
-            </a:r>
-            <a:r>
-              <a:rPr lang="en-GB" dirty="0" err="1"/>
-              <a:t>nagumo</a:t>
-            </a:r>
-            <a:r>
-              <a:rPr lang="en-GB" dirty="0"/>
-              <a:t> does not show up in any of the volumes included in the 1st trimester. This name refers to the second year who later becomes the new student council president. His name seems to be included in this topic based on the content of one of the sub volumes. In this particular sub volume (volume 7.5), Nagumo briefly interrupts a double date Karuizawa and Hirata are on. However, in the story Nagumo is unrelated to Karuizawa and Hirata’s relationship.</a:t>
-            </a:r>
-          </a:p>
-          <a:p>
-            <a:pPr marL="0" lvl="0" indent="0" algn="l" rtl="0">
-              <a:spcBef>
-                <a:spcPts val="0"/>
-              </a:spcBef>
-              <a:spcAft>
-                <a:spcPts val="0"/>
-              </a:spcAft>
-              <a:buNone/>
-            </a:pPr>
-            <a:r>
-              <a:rPr lang="en-GB" dirty="0"/>
-              <a:t>Topic 72(sensei, reception, </a:t>
-            </a:r>
-            <a:r>
-              <a:rPr lang="en-GB" dirty="0" err="1"/>
-              <a:t>ayanokouji</a:t>
-            </a:r>
-            <a:r>
-              <a:rPr lang="en-GB" dirty="0"/>
-              <a:t>, </a:t>
-            </a:r>
-            <a:r>
-              <a:rPr lang="en-GB" dirty="0" err="1"/>
-              <a:t>sakayanagi</a:t>
-            </a:r>
-            <a:r>
-              <a:rPr lang="en-GB" dirty="0"/>
-              <a:t>, permission, …): This topic is hard to make sense of since the words included do not seem related to one another in a clear way. The Japanese word ‘sensei’ refers to a teacher. However, teachers were not involved in the club receptions at the start of the year. Of course, sometimes students such as the protagonist Ayanokouji or </a:t>
-            </a:r>
-            <a:r>
-              <a:rPr lang="en-GB" dirty="0" err="1"/>
-              <a:t>Sakayanagi</a:t>
-            </a:r>
-            <a:r>
-              <a:rPr lang="en-GB" dirty="0"/>
-              <a:t>(the leader of class A) ask teachers for permission in order to do something but there is no such specific moment to refer to within the contents of the 1st trimester.</a:t>
-            </a:r>
-          </a:p>
-          <a:p>
-            <a:pPr marL="0" lvl="0" indent="0" algn="l" rtl="0">
-              <a:spcBef>
-                <a:spcPts val="0"/>
-              </a:spcBef>
-              <a:spcAft>
-                <a:spcPts val="0"/>
-              </a:spcAft>
-              <a:buNone/>
-            </a:pPr>
-            <a:r>
-              <a:rPr lang="en-GB" dirty="0"/>
-              <a:t>Topic 64(changing, </a:t>
-            </a:r>
-            <a:r>
-              <a:rPr lang="en-GB" dirty="0" err="1"/>
-              <a:t>ike</a:t>
-            </a:r>
-            <a:r>
-              <a:rPr lang="en-GB" dirty="0"/>
-              <a:t>, car, peeping, pool, …): The boys in class D, led by Ike, show interest in what the girls will look like after changing into their bathing suits for a swimming class. Ike even contemplates going into their changing room.</a:t>
-            </a:r>
-          </a:p>
-          <a:p>
-            <a:pPr marL="0" lvl="0" indent="0" algn="l" rtl="0">
-              <a:spcBef>
-                <a:spcPts val="0"/>
-              </a:spcBef>
-              <a:spcAft>
-                <a:spcPts val="0"/>
-              </a:spcAft>
-              <a:buNone/>
-            </a:pPr>
-            <a:r>
-              <a:rPr lang="en-GB" dirty="0"/>
-              <a:t>Topic 18(hair, image, </a:t>
-            </a:r>
-            <a:r>
-              <a:rPr lang="en-GB" dirty="0" err="1"/>
-              <a:t>kushida</a:t>
-            </a:r>
-            <a:r>
-              <a:rPr lang="en-GB" dirty="0"/>
-              <a:t>, </a:t>
-            </a:r>
-            <a:r>
-              <a:rPr lang="en-GB" dirty="0" err="1"/>
-              <a:t>sudou</a:t>
-            </a:r>
-            <a:r>
-              <a:rPr lang="en-GB" dirty="0"/>
-              <a:t>, love, …):  This topic could refer to </a:t>
-            </a:r>
-            <a:r>
-              <a:rPr lang="en-GB" dirty="0" err="1"/>
-              <a:t>Kushida</a:t>
-            </a:r>
-            <a:r>
-              <a:rPr lang="en-GB" dirty="0"/>
-              <a:t>, the most popular girl in class D and her secret personality. While she has the image of a goody-two-shoes who tries to get along with everyone, secretly she curses and complains about how much everyone bothers her. She often tends to twirl her hair when exposing this secret side of hers to others. However, the words </a:t>
-            </a:r>
-            <a:r>
-              <a:rPr lang="en-GB" dirty="0" err="1"/>
-              <a:t>Sudou</a:t>
-            </a:r>
-            <a:r>
-              <a:rPr lang="en-GB" dirty="0"/>
-              <a:t> and love do not seem to have a connection with </a:t>
-            </a:r>
-            <a:r>
-              <a:rPr lang="en-GB" dirty="0" err="1"/>
-              <a:t>Kushida’s</a:t>
-            </a:r>
-            <a:r>
-              <a:rPr lang="en-GB" dirty="0"/>
-              <a:t> secret personality.</a:t>
-            </a:r>
+              <a:t>Overall, the topics discussed here seem to correlate to the content present in the volumes covering the 1st trimester. As predicted in the hypothesis section, the first trimester mostly covered topics depicting the internal relations within class D (the protagonist’s class). The protagonist, Ayanokouji has more of an observing function in this trimester. As a consequence, the most present topics revolve more around his classmates’ actions rather than his own.</a:t>
+            </a:r>
+            <a:endParaRPr dirty="0"/>
           </a:p>
         </p:txBody>
       </p:sp>
@@ -3232,7 +3037,7 @@
     </p:spTree>
     <p:extLst>
       <p:ext uri="{BB962C8B-B14F-4D97-AF65-F5344CB8AC3E}">
-        <p14:creationId xmlns:p14="http://schemas.microsoft.com/office/powerpoint/2010/main" val="2043483026"/>
+        <p14:creationId xmlns:p14="http://schemas.microsoft.com/office/powerpoint/2010/main" val="1199601868"/>
       </p:ext>
     </p:extLst>
   </p:cSld>
@@ -3350,9 +3155,204 @@
             </a:pPr>
             <a:r>
               <a:rPr lang="en-GB" dirty="0"/>
-              <a:t>Overall, the topics discussed here seem to correlate to the content present in the volumes covering the 1st trimester. As predicted in the hypothesis section, the first trimester mostly covered topics depicting the internal relations within class D (the protagonist’s class). The protagonist, Ayanokouji has more of an observing function in this trimester. As a consequence, the most present topics revolve more around his classmates’ actions rather than his own.</a:t>
-            </a:r>
-            <a:endParaRPr dirty="0"/>
+              <a:t>Topic 7(</a:t>
+            </a:r>
+            <a:r>
+              <a:rPr lang="en-GB" dirty="0" err="1"/>
+              <a:t>sudou</a:t>
+            </a:r>
+            <a:r>
+              <a:rPr lang="en-GB" dirty="0"/>
+              <a:t>, </a:t>
+            </a:r>
+            <a:r>
+              <a:rPr lang="en-GB" dirty="0" err="1"/>
+              <a:t>ike</a:t>
+            </a:r>
+            <a:r>
+              <a:rPr lang="en-GB" dirty="0"/>
+              <a:t>, </a:t>
+            </a:r>
+            <a:r>
+              <a:rPr lang="en-GB" dirty="0" err="1"/>
+              <a:t>yamauchi</a:t>
+            </a:r>
+            <a:r>
+              <a:rPr lang="en-GB" dirty="0"/>
+              <a:t>, council, birthday, …): </a:t>
+            </a:r>
+            <a:r>
+              <a:rPr lang="en-GB" dirty="0" err="1"/>
+              <a:t>Sudou</a:t>
+            </a:r>
+            <a:r>
+              <a:rPr lang="en-GB" dirty="0"/>
+              <a:t>, Ike and Yamauchi are three guys from the protagonist’s class that quickly grew into a close friend group. On the first day of classes they form a group of boys to discuss different matters. Amongst other matters, they discuss how stern the student council president looked at the welcoming ceremony for the first years. The word birthday does not occur in the volumes covering the 1st trimester.</a:t>
+            </a:r>
+          </a:p>
+          <a:p>
+            <a:pPr marL="0" lvl="0" indent="0" algn="l" rtl="0">
+              <a:spcBef>
+                <a:spcPts val="0"/>
+              </a:spcBef>
+              <a:spcAft>
+                <a:spcPts val="0"/>
+              </a:spcAft>
+              <a:buNone/>
+            </a:pPr>
+            <a:r>
+              <a:rPr lang="en-GB" dirty="0"/>
+              <a:t>Topic 9(</a:t>
+            </a:r>
+            <a:r>
+              <a:rPr lang="en-GB" dirty="0" err="1"/>
+              <a:t>karuizawa</a:t>
+            </a:r>
+            <a:r>
+              <a:rPr lang="en-GB" dirty="0"/>
+              <a:t>, </a:t>
+            </a:r>
+            <a:r>
+              <a:rPr lang="en-GB" dirty="0" err="1"/>
+              <a:t>nagumo</a:t>
+            </a:r>
+            <a:r>
+              <a:rPr lang="en-GB" dirty="0"/>
+              <a:t>, </a:t>
+            </a:r>
+            <a:r>
+              <a:rPr lang="en-GB" dirty="0" err="1"/>
+              <a:t>hirata</a:t>
+            </a:r>
+            <a:r>
+              <a:rPr lang="en-GB" dirty="0"/>
+              <a:t>, date, love, …): At the start of the schoolyear, it quickly becomes clear that Karuizawa and Hirata start dating. They are two of the three most popular people in class D and end up taking a leading role during class activities and discussions. The name </a:t>
+            </a:r>
+            <a:r>
+              <a:rPr lang="en-GB" dirty="0" err="1"/>
+              <a:t>nagumo</a:t>
+            </a:r>
+            <a:r>
+              <a:rPr lang="en-GB" dirty="0"/>
+              <a:t> does not show up in any of the volumes included in the 1st trimester. This name refers to the second year who later becomes the new student council president. His name seems to be included in this topic based on the content of one of the sub volumes. In this particular sub volume (volume 7.5), Nagumo briefly interrupts a double date Karuizawa and Hirata are on. However, in the story Nagumo is unrelated to Karuizawa and Hirata’s relationship.</a:t>
+            </a:r>
+          </a:p>
+          <a:p>
+            <a:pPr marL="0" lvl="0" indent="0" algn="l" rtl="0">
+              <a:spcBef>
+                <a:spcPts val="0"/>
+              </a:spcBef>
+              <a:spcAft>
+                <a:spcPts val="0"/>
+              </a:spcAft>
+              <a:buNone/>
+            </a:pPr>
+            <a:r>
+              <a:rPr lang="en-GB" dirty="0"/>
+              <a:t>Topic 72(sensei, reception, </a:t>
+            </a:r>
+            <a:r>
+              <a:rPr lang="en-GB" dirty="0" err="1"/>
+              <a:t>ayanokouji</a:t>
+            </a:r>
+            <a:r>
+              <a:rPr lang="en-GB" dirty="0"/>
+              <a:t>, </a:t>
+            </a:r>
+            <a:r>
+              <a:rPr lang="en-GB" dirty="0" err="1"/>
+              <a:t>sakayanagi</a:t>
+            </a:r>
+            <a:r>
+              <a:rPr lang="en-GB" dirty="0"/>
+              <a:t>, permission, …): This topic is hard to make sense of since the words included do not seem related to one another in a clear way. The Japanese word ‘sensei’ refers to a teacher. However, teachers were not involved in the club receptions at the start of the year. Of course, sometimes students such as the protagonist Ayanokouji or </a:t>
+            </a:r>
+            <a:r>
+              <a:rPr lang="en-GB" dirty="0" err="1"/>
+              <a:t>Sakayanagi</a:t>
+            </a:r>
+            <a:r>
+              <a:rPr lang="en-GB" dirty="0"/>
+              <a:t>(the leader of class A) ask teachers for permission in order to do something but there is no such specific moment to refer to within the contents of the 1st trimester.</a:t>
+            </a:r>
+          </a:p>
+          <a:p>
+            <a:pPr marL="0" lvl="0" indent="0" algn="l" rtl="0">
+              <a:spcBef>
+                <a:spcPts val="0"/>
+              </a:spcBef>
+              <a:spcAft>
+                <a:spcPts val="0"/>
+              </a:spcAft>
+              <a:buNone/>
+            </a:pPr>
+            <a:r>
+              <a:rPr lang="en-GB" dirty="0"/>
+              <a:t>Topic 64(changing, </a:t>
+            </a:r>
+            <a:r>
+              <a:rPr lang="en-GB" dirty="0" err="1"/>
+              <a:t>ike</a:t>
+            </a:r>
+            <a:r>
+              <a:rPr lang="en-GB" dirty="0"/>
+              <a:t>, car, peeping, pool, …): The boys in class D, led by Ike, show interest in what the girls will look like after changing into their bathing suits for a swimming class. Ike even contemplates going into their changing room.</a:t>
+            </a:r>
+          </a:p>
+          <a:p>
+            <a:pPr marL="0" lvl="0" indent="0" algn="l" rtl="0">
+              <a:spcBef>
+                <a:spcPts val="0"/>
+              </a:spcBef>
+              <a:spcAft>
+                <a:spcPts val="0"/>
+              </a:spcAft>
+              <a:buNone/>
+            </a:pPr>
+            <a:r>
+              <a:rPr lang="en-GB" dirty="0"/>
+              <a:t>Topic 18(hair, image, </a:t>
+            </a:r>
+            <a:r>
+              <a:rPr lang="en-GB" dirty="0" err="1"/>
+              <a:t>kushida</a:t>
+            </a:r>
+            <a:r>
+              <a:rPr lang="en-GB" dirty="0"/>
+              <a:t>, </a:t>
+            </a:r>
+            <a:r>
+              <a:rPr lang="en-GB" dirty="0" err="1"/>
+              <a:t>sudou</a:t>
+            </a:r>
+            <a:r>
+              <a:rPr lang="en-GB" dirty="0"/>
+              <a:t>, love, …):  This topic could refer to </a:t>
+            </a:r>
+            <a:r>
+              <a:rPr lang="en-GB" dirty="0" err="1"/>
+              <a:t>Kushida</a:t>
+            </a:r>
+            <a:r>
+              <a:rPr lang="en-GB" dirty="0"/>
+              <a:t>, the most popular girl in class D and her secret personality. While she has the image of a goody-two-shoes who tries to get along with everyone, secretly she curses and complains about how much everyone bothers her. She often tends to twirl her hair when exposing this secret side of hers to others. However, the words </a:t>
+            </a:r>
+            <a:r>
+              <a:rPr lang="en-GB" dirty="0" err="1"/>
+              <a:t>Sudou</a:t>
+            </a:r>
+            <a:r>
+              <a:rPr lang="en-GB" dirty="0"/>
+              <a:t> and love do not seem to have a connection with </a:t>
+            </a:r>
+            <a:r>
+              <a:rPr lang="en-GB" dirty="0" err="1"/>
+              <a:t>Kushida’s</a:t>
+            </a:r>
+            <a:r>
+              <a:rPr lang="en-GB" dirty="0"/>
+              <a:t> secret personality.</a:t>
+            </a:r>
           </a:p>
         </p:txBody>
       </p:sp>
@@ -3405,7 +3405,7 @@
     </p:spTree>
     <p:extLst>
       <p:ext uri="{BB962C8B-B14F-4D97-AF65-F5344CB8AC3E}">
-        <p14:creationId xmlns:p14="http://schemas.microsoft.com/office/powerpoint/2010/main" val="1199601868"/>
+        <p14:creationId xmlns:p14="http://schemas.microsoft.com/office/powerpoint/2010/main" val="2043483026"/>
       </p:ext>
     </p:extLst>
   </p:cSld>
@@ -3621,13 +3621,24 @@
           </a:bodyPr>
           <a:lstStyle/>
           <a:p>
-            <a:pPr algn="just">
+            <a:pPr marL="0" marR="0" lvl="0" indent="0" algn="l" defTabSz="914400" rtl="0" eaLnBrk="1" fontAlgn="auto" latinLnBrk="0" hangingPunct="1">
               <a:lnSpc>
-                <a:spcPct val="150000"/>
+                <a:spcPct val="100000"/>
               </a:lnSpc>
-              <a:spcAft>
-                <a:spcPts val="600"/>
-              </a:spcAft>
+              <a:spcBef>
+                <a:spcPts val="0"/>
+              </a:spcBef>
+              <a:spcAft>
+                <a:spcPts val="0"/>
+              </a:spcAft>
+              <a:buClr>
+                <a:srgbClr val="000000"/>
+              </a:buClr>
+              <a:buSzPts val="1400"/>
+              <a:buFont typeface="Arial"/>
+              <a:buNone/>
+              <a:tabLst/>
+              <a:defRPr/>
             </a:pPr>
             <a:r>
               <a:rPr lang="en-US" sz="1800" dirty="0">
@@ -3639,359 +3650,7 @@
                 <a:ea typeface="Calibri" panose="020F0502020204030204" pitchFamily="34" charset="0"/>
                 <a:cs typeface="Calibri" panose="020F0502020204030204" pitchFamily="34" charset="0"/>
               </a:rPr>
-              <a:t>Topic 68(</a:t>
-            </a:r>
-            <a:r>
-              <a:rPr lang="en-US" sz="1800" dirty="0" err="1">
-                <a:solidFill>
-                  <a:srgbClr val="000000"/>
-                </a:solidFill>
-                <a:effectLst/>
-                <a:latin typeface="Calibri" panose="020F0502020204030204" pitchFamily="34" charset="0"/>
-                <a:ea typeface="Calibri" panose="020F0502020204030204" pitchFamily="34" charset="0"/>
-                <a:cs typeface="Calibri" panose="020F0502020204030204" pitchFamily="34" charset="0"/>
-              </a:rPr>
-              <a:t>ryuuen</a:t>
-            </a:r>
-            <a:r>
-              <a:rPr lang="en-US" sz="1800" dirty="0">
-                <a:solidFill>
-                  <a:srgbClr val="000000"/>
-                </a:solidFill>
-                <a:effectLst/>
-                <a:latin typeface="Calibri" panose="020F0502020204030204" pitchFamily="34" charset="0"/>
-                <a:ea typeface="Calibri" panose="020F0502020204030204" pitchFamily="34" charset="0"/>
-                <a:cs typeface="Calibri" panose="020F0502020204030204" pitchFamily="34" charset="0"/>
-              </a:rPr>
-              <a:t>, </a:t>
-            </a:r>
-            <a:r>
-              <a:rPr lang="en-US" sz="1800" dirty="0" err="1">
-                <a:solidFill>
-                  <a:srgbClr val="000000"/>
-                </a:solidFill>
-                <a:effectLst/>
-                <a:latin typeface="Calibri" panose="020F0502020204030204" pitchFamily="34" charset="0"/>
-                <a:ea typeface="Calibri" panose="020F0502020204030204" pitchFamily="34" charset="0"/>
-                <a:cs typeface="Calibri" panose="020F0502020204030204" pitchFamily="34" charset="0"/>
-              </a:rPr>
-              <a:t>nagumo</a:t>
-            </a:r>
-            <a:r>
-              <a:rPr lang="en-US" sz="1800" dirty="0">
-                <a:solidFill>
-                  <a:srgbClr val="000000"/>
-                </a:solidFill>
-                <a:effectLst/>
-                <a:latin typeface="Calibri" panose="020F0502020204030204" pitchFamily="34" charset="0"/>
-                <a:ea typeface="Calibri" panose="020F0502020204030204" pitchFamily="34" charset="0"/>
-                <a:cs typeface="Calibri" panose="020F0502020204030204" pitchFamily="34" charset="0"/>
-              </a:rPr>
-              <a:t>, council, older, points, …): Ryuuen, class C’s leader takes a leading role in the second semester as he tries to identify the mastermind behind class D; Ayanokouji. </a:t>
-            </a:r>
-            <a:r>
-              <a:rPr lang="en-US" sz="1800" dirty="0" err="1">
-                <a:solidFill>
-                  <a:srgbClr val="000000"/>
-                </a:solidFill>
-                <a:effectLst/>
-                <a:latin typeface="Calibri" panose="020F0502020204030204" pitchFamily="34" charset="0"/>
-                <a:ea typeface="Calibri" panose="020F0502020204030204" pitchFamily="34" charset="0"/>
-                <a:cs typeface="Calibri" panose="020F0502020204030204" pitchFamily="34" charset="0"/>
-              </a:rPr>
-              <a:t>Ryuuen’s</a:t>
-            </a:r>
-            <a:r>
-              <a:rPr lang="en-US" sz="1800" dirty="0">
-                <a:solidFill>
-                  <a:srgbClr val="000000"/>
-                </a:solidFill>
-                <a:effectLst/>
-                <a:latin typeface="Calibri" panose="020F0502020204030204" pitchFamily="34" charset="0"/>
-                <a:ea typeface="Calibri" panose="020F0502020204030204" pitchFamily="34" charset="0"/>
-                <a:cs typeface="Calibri" panose="020F0502020204030204" pitchFamily="34" charset="0"/>
-              </a:rPr>
-              <a:t> style of leadership was compared with those of the former and current student council presidents’. At the end of the second trimester, Ayanokouji comes into contact with the now ‘former’ student council president Horikita Manabu. The former president is concerned about the new president; Nagumo. He fears Nagumo intends to change the school too extremely. He hopes to entrust Ayanokouji with the task of revoking Nagumo from his position. While Ayanokouji is not particularly interested  he owes Horikita Manabu a favor since he ensured Ayanokouji’s victory against Ryuuen.</a:t>
-            </a:r>
-          </a:p>
-          <a:p>
-            <a:pPr algn="just">
-              <a:lnSpc>
-                <a:spcPct val="150000"/>
-              </a:lnSpc>
-              <a:spcAft>
-                <a:spcPts val="600"/>
-              </a:spcAft>
-            </a:pPr>
-            <a:r>
-              <a:rPr lang="en-US" sz="1800" dirty="0">
-                <a:solidFill>
-                  <a:srgbClr val="000000"/>
-                </a:solidFill>
-                <a:effectLst/>
-                <a:latin typeface="Calibri" panose="020F0502020204030204" pitchFamily="34" charset="0"/>
-                <a:ea typeface="Calibri" panose="020F0502020204030204" pitchFamily="34" charset="0"/>
-                <a:cs typeface="Calibri" panose="020F0502020204030204" pitchFamily="34" charset="0"/>
-              </a:rPr>
-              <a:t>Topic 9(karuizawa, </a:t>
-            </a:r>
-            <a:r>
-              <a:rPr lang="en-US" sz="1800" dirty="0" err="1">
-                <a:solidFill>
-                  <a:srgbClr val="000000"/>
-                </a:solidFill>
-                <a:effectLst/>
-                <a:latin typeface="Calibri" panose="020F0502020204030204" pitchFamily="34" charset="0"/>
-                <a:ea typeface="Calibri" panose="020F0502020204030204" pitchFamily="34" charset="0"/>
-                <a:cs typeface="Calibri" panose="020F0502020204030204" pitchFamily="34" charset="0"/>
-              </a:rPr>
-              <a:t>nagumo</a:t>
-            </a:r>
-            <a:r>
-              <a:rPr lang="en-US" sz="1800" dirty="0">
-                <a:solidFill>
-                  <a:srgbClr val="000000"/>
-                </a:solidFill>
-                <a:effectLst/>
-                <a:latin typeface="Calibri" panose="020F0502020204030204" pitchFamily="34" charset="0"/>
-                <a:ea typeface="Calibri" panose="020F0502020204030204" pitchFamily="34" charset="0"/>
-                <a:cs typeface="Calibri" panose="020F0502020204030204" pitchFamily="34" charset="0"/>
-              </a:rPr>
-              <a:t>, </a:t>
-            </a:r>
-            <a:r>
-              <a:rPr lang="en-US" sz="1800" dirty="0" err="1">
-                <a:solidFill>
-                  <a:srgbClr val="000000"/>
-                </a:solidFill>
-                <a:effectLst/>
-                <a:latin typeface="Calibri" panose="020F0502020204030204" pitchFamily="34" charset="0"/>
-                <a:ea typeface="Calibri" panose="020F0502020204030204" pitchFamily="34" charset="0"/>
-                <a:cs typeface="Calibri" panose="020F0502020204030204" pitchFamily="34" charset="0"/>
-              </a:rPr>
-              <a:t>hirata</a:t>
-            </a:r>
-            <a:r>
-              <a:rPr lang="en-US" sz="1800" dirty="0">
-                <a:solidFill>
-                  <a:srgbClr val="000000"/>
-                </a:solidFill>
-                <a:effectLst/>
-                <a:latin typeface="Calibri" panose="020F0502020204030204" pitchFamily="34" charset="0"/>
-                <a:ea typeface="Calibri" panose="020F0502020204030204" pitchFamily="34" charset="0"/>
-                <a:cs typeface="Calibri" panose="020F0502020204030204" pitchFamily="34" charset="0"/>
-              </a:rPr>
-              <a:t>, date, love, …): At the end of the first trimester, it is revealed to the protagonist that Karuizawa and Hirata are in a fake relationship. Karuizawa was bullied in middle school and wanted to protect herself from being looked down on by dating the most popular guy in class; Hirata. Hirata was kind enough to help her out even though he was not interested in a relationship. Throughout the second trimester, Ayanokouji points out how proficient the two are at pretending to be a couple multiple times. Though again, it is hard to link Nagumo to this topic cluster.</a:t>
-            </a:r>
-          </a:p>
-          <a:p>
-            <a:pPr algn="just">
-              <a:lnSpc>
-                <a:spcPct val="150000"/>
-              </a:lnSpc>
-              <a:spcAft>
-                <a:spcPts val="600"/>
-              </a:spcAft>
-            </a:pPr>
-            <a:r>
-              <a:rPr lang="en-US" sz="1800" dirty="0">
-                <a:solidFill>
-                  <a:srgbClr val="000000"/>
-                </a:solidFill>
-                <a:effectLst/>
-                <a:latin typeface="Calibri" panose="020F0502020204030204" pitchFamily="34" charset="0"/>
-                <a:ea typeface="Calibri" panose="020F0502020204030204" pitchFamily="34" charset="0"/>
-                <a:cs typeface="Calibri" panose="020F0502020204030204" pitchFamily="34" charset="0"/>
-              </a:rPr>
-              <a:t>Topic 72(sensei, reception, ayanokouji, </a:t>
-            </a:r>
-            <a:r>
-              <a:rPr lang="en-US" sz="1800" dirty="0" err="1">
-                <a:solidFill>
-                  <a:srgbClr val="000000"/>
-                </a:solidFill>
-                <a:effectLst/>
-                <a:latin typeface="Calibri" panose="020F0502020204030204" pitchFamily="34" charset="0"/>
-                <a:ea typeface="Calibri" panose="020F0502020204030204" pitchFamily="34" charset="0"/>
-                <a:cs typeface="Calibri" panose="020F0502020204030204" pitchFamily="34" charset="0"/>
-              </a:rPr>
-              <a:t>sakayanagi</a:t>
-            </a:r>
-            <a:r>
-              <a:rPr lang="en-US" sz="1800" dirty="0">
-                <a:solidFill>
-                  <a:srgbClr val="000000"/>
-                </a:solidFill>
-                <a:effectLst/>
-                <a:latin typeface="Calibri" panose="020F0502020204030204" pitchFamily="34" charset="0"/>
-                <a:ea typeface="Calibri" panose="020F0502020204030204" pitchFamily="34" charset="0"/>
-                <a:cs typeface="Calibri" panose="020F0502020204030204" pitchFamily="34" charset="0"/>
-              </a:rPr>
-              <a:t>, permission, …): As mentioned earlier the words in this topic do not have a clear connection to one another, thus this cluster is hard to contextualize. </a:t>
-            </a:r>
-          </a:p>
-          <a:p>
-            <a:pPr algn="just">
-              <a:lnSpc>
-                <a:spcPct val="150000"/>
-              </a:lnSpc>
-              <a:spcAft>
-                <a:spcPts val="600"/>
-              </a:spcAft>
-            </a:pPr>
-            <a:r>
-              <a:rPr lang="en-US" sz="1800" dirty="0">
-                <a:solidFill>
-                  <a:srgbClr val="000000"/>
-                </a:solidFill>
-                <a:effectLst/>
-                <a:latin typeface="Calibri" panose="020F0502020204030204" pitchFamily="34" charset="0"/>
-                <a:ea typeface="Calibri" panose="020F0502020204030204" pitchFamily="34" charset="0"/>
-                <a:cs typeface="Calibri" panose="020F0502020204030204" pitchFamily="34" charset="0"/>
-              </a:rPr>
-              <a:t>Topic 7(sudou, </a:t>
-            </a:r>
-            <a:r>
-              <a:rPr lang="en-US" sz="1800" dirty="0" err="1">
-                <a:solidFill>
-                  <a:srgbClr val="000000"/>
-                </a:solidFill>
-                <a:effectLst/>
-                <a:latin typeface="Calibri" panose="020F0502020204030204" pitchFamily="34" charset="0"/>
-                <a:ea typeface="Calibri" panose="020F0502020204030204" pitchFamily="34" charset="0"/>
-                <a:cs typeface="Calibri" panose="020F0502020204030204" pitchFamily="34" charset="0"/>
-              </a:rPr>
-              <a:t>ike</a:t>
-            </a:r>
-            <a:r>
-              <a:rPr lang="en-US" sz="1800" dirty="0">
-                <a:solidFill>
-                  <a:srgbClr val="000000"/>
-                </a:solidFill>
-                <a:effectLst/>
-                <a:latin typeface="Calibri" panose="020F0502020204030204" pitchFamily="34" charset="0"/>
-                <a:ea typeface="Calibri" panose="020F0502020204030204" pitchFamily="34" charset="0"/>
-                <a:cs typeface="Calibri" panose="020F0502020204030204" pitchFamily="34" charset="0"/>
-              </a:rPr>
-              <a:t>, </a:t>
-            </a:r>
-            <a:r>
-              <a:rPr lang="en-US" sz="1800" dirty="0" err="1">
-                <a:solidFill>
-                  <a:srgbClr val="000000"/>
-                </a:solidFill>
-                <a:effectLst/>
-                <a:latin typeface="Calibri" panose="020F0502020204030204" pitchFamily="34" charset="0"/>
-                <a:ea typeface="Calibri" panose="020F0502020204030204" pitchFamily="34" charset="0"/>
-                <a:cs typeface="Calibri" panose="020F0502020204030204" pitchFamily="34" charset="0"/>
-              </a:rPr>
-              <a:t>yamauchi</a:t>
-            </a:r>
-            <a:r>
-              <a:rPr lang="en-US" sz="1800" dirty="0">
-                <a:solidFill>
-                  <a:srgbClr val="000000"/>
-                </a:solidFill>
-                <a:effectLst/>
-                <a:latin typeface="Calibri" panose="020F0502020204030204" pitchFamily="34" charset="0"/>
-                <a:ea typeface="Calibri" panose="020F0502020204030204" pitchFamily="34" charset="0"/>
-                <a:cs typeface="Calibri" panose="020F0502020204030204" pitchFamily="34" charset="0"/>
-              </a:rPr>
-              <a:t>, council, birthday, …): Sudou, Ike and Yamauchi remain a close group of friends throughout the second trimester. They often appear as a trio. This trimester, however, they did not discuss anything related to the student council. The word birthday, again does not occur in the volumes covering the second trimester either.</a:t>
-            </a:r>
-          </a:p>
-          <a:p>
-            <a:pPr algn="just">
-              <a:lnSpc>
-                <a:spcPct val="150000"/>
-              </a:lnSpc>
-              <a:spcAft>
-                <a:spcPts val="600"/>
-              </a:spcAft>
-            </a:pPr>
-            <a:r>
-              <a:rPr lang="en-US" sz="1800" dirty="0">
-                <a:solidFill>
-                  <a:srgbClr val="000000"/>
-                </a:solidFill>
-                <a:effectLst/>
-                <a:latin typeface="Calibri" panose="020F0502020204030204" pitchFamily="34" charset="0"/>
-                <a:ea typeface="Calibri" panose="020F0502020204030204" pitchFamily="34" charset="0"/>
-                <a:cs typeface="Calibri" panose="020F0502020204030204" pitchFamily="34" charset="0"/>
-              </a:rPr>
-              <a:t>Topic 38(months, importantly, reliable, </a:t>
-            </a:r>
-            <a:r>
-              <a:rPr lang="en-US" sz="1800" dirty="0" err="1">
-                <a:solidFill>
-                  <a:srgbClr val="000000"/>
-                </a:solidFill>
-                <a:effectLst/>
-                <a:latin typeface="Calibri" panose="020F0502020204030204" pitchFamily="34" charset="0"/>
-                <a:ea typeface="Calibri" panose="020F0502020204030204" pitchFamily="34" charset="0"/>
-                <a:cs typeface="Calibri" panose="020F0502020204030204" pitchFamily="34" charset="0"/>
-              </a:rPr>
-              <a:t>kinugasa</a:t>
-            </a:r>
-            <a:r>
-              <a:rPr lang="en-US" sz="1800" dirty="0">
-                <a:solidFill>
-                  <a:srgbClr val="000000"/>
-                </a:solidFill>
-                <a:effectLst/>
-                <a:latin typeface="Calibri" panose="020F0502020204030204" pitchFamily="34" charset="0"/>
-                <a:ea typeface="Calibri" panose="020F0502020204030204" pitchFamily="34" charset="0"/>
-                <a:cs typeface="Calibri" panose="020F0502020204030204" pitchFamily="34" charset="0"/>
-              </a:rPr>
-              <a:t>, refrain, …): This topic was likely generated from the epilogues written by the author of classroom of the elite, </a:t>
-            </a:r>
-            <a:r>
-              <a:rPr lang="en-US" sz="1800" dirty="0" err="1">
-                <a:solidFill>
-                  <a:srgbClr val="000000"/>
-                </a:solidFill>
-                <a:effectLst/>
-                <a:latin typeface="Calibri" panose="020F0502020204030204" pitchFamily="34" charset="0"/>
-                <a:ea typeface="Calibri" panose="020F0502020204030204" pitchFamily="34" charset="0"/>
-                <a:cs typeface="Calibri" panose="020F0502020204030204" pitchFamily="34" charset="0"/>
-              </a:rPr>
-              <a:t>Kinugasa</a:t>
-            </a:r>
-            <a:r>
-              <a:rPr lang="en-US" sz="1800" dirty="0">
-                <a:solidFill>
-                  <a:srgbClr val="000000"/>
-                </a:solidFill>
-                <a:effectLst/>
-                <a:latin typeface="Calibri" panose="020F0502020204030204" pitchFamily="34" charset="0"/>
-                <a:ea typeface="Calibri" panose="020F0502020204030204" pitchFamily="34" charset="0"/>
-                <a:cs typeface="Calibri" panose="020F0502020204030204" pitchFamily="34" charset="0"/>
-              </a:rPr>
-              <a:t> </a:t>
-            </a:r>
-            <a:r>
-              <a:rPr lang="en-US" sz="1800" dirty="0" err="1">
-                <a:solidFill>
-                  <a:srgbClr val="000000"/>
-                </a:solidFill>
-                <a:effectLst/>
-                <a:latin typeface="Calibri" panose="020F0502020204030204" pitchFamily="34" charset="0"/>
-                <a:ea typeface="Calibri" panose="020F0502020204030204" pitchFamily="34" charset="0"/>
-                <a:cs typeface="Calibri" panose="020F0502020204030204" pitchFamily="34" charset="0"/>
-              </a:rPr>
-              <a:t>Syougo</a:t>
-            </a:r>
-            <a:r>
-              <a:rPr lang="en-US" sz="1800" dirty="0">
-                <a:solidFill>
-                  <a:srgbClr val="000000"/>
-                </a:solidFill>
-                <a:effectLst/>
-                <a:latin typeface="Calibri" panose="020F0502020204030204" pitchFamily="34" charset="0"/>
-                <a:ea typeface="Calibri" panose="020F0502020204030204" pitchFamily="34" charset="0"/>
-                <a:cs typeface="Calibri" panose="020F0502020204030204" pitchFamily="34" charset="0"/>
-              </a:rPr>
-              <a:t>. It does not seem to tie in with the story.</a:t>
+              <a:t>The most ‘present’ topics generated for the second trimester are similar to those of the first. Only two differ, of which one is difficult to interpret in relation to the story. While topic 68 does indicate that the protagonist is starting to make interpersonal connections, it does not prove the hypothesis provided for this trimester. A topic regarding the creation of the protagonist’s new friend group was expected to show up but it did not.</a:t>
             </a:r>
           </a:p>
         </p:txBody>
@@ -4045,7 +3704,7 @@
     </p:spTree>
     <p:extLst>
       <p:ext uri="{BB962C8B-B14F-4D97-AF65-F5344CB8AC3E}">
-        <p14:creationId xmlns:p14="http://schemas.microsoft.com/office/powerpoint/2010/main" val="3945401149"/>
+        <p14:creationId xmlns:p14="http://schemas.microsoft.com/office/powerpoint/2010/main" val="2326282478"/>
       </p:ext>
     </p:extLst>
   </p:cSld>
@@ -4152,24 +3811,13 @@
           </a:bodyPr>
           <a:lstStyle/>
           <a:p>
-            <a:pPr marL="0" marR="0" lvl="0" indent="0" algn="l" defTabSz="914400" rtl="0" eaLnBrk="1" fontAlgn="auto" latinLnBrk="0" hangingPunct="1">
+            <a:pPr algn="just">
               <a:lnSpc>
-                <a:spcPct val="100000"/>
+                <a:spcPct val="150000"/>
               </a:lnSpc>
-              <a:spcBef>
-                <a:spcPts val="0"/>
-              </a:spcBef>
-              <a:spcAft>
-                <a:spcPts val="0"/>
-              </a:spcAft>
-              <a:buClr>
-                <a:srgbClr val="000000"/>
-              </a:buClr>
-              <a:buSzPts val="1400"/>
-              <a:buFont typeface="Arial"/>
-              <a:buNone/>
-              <a:tabLst/>
-              <a:defRPr/>
+              <a:spcAft>
+                <a:spcPts val="600"/>
+              </a:spcAft>
             </a:pPr>
             <a:r>
               <a:rPr lang="en-US" sz="1800" dirty="0">
@@ -4181,7 +3829,359 @@
                 <a:ea typeface="Calibri" panose="020F0502020204030204" pitchFamily="34" charset="0"/>
                 <a:cs typeface="Calibri" panose="020F0502020204030204" pitchFamily="34" charset="0"/>
               </a:rPr>
-              <a:t>The most ‘present’ topics generated for the second trimester are similar to those of the first. Only two differ, of which one is difficult to interpret in relation to the story. While topic 68 does indicate that the protagonist is starting to make interpersonal connections, it does not prove the hypothesis provided for this trimester. A topic regarding the creation of the protagonist’s new friend group was expected to show up but it did not.</a:t>
+              <a:t>Topic 68(</a:t>
+            </a:r>
+            <a:r>
+              <a:rPr lang="en-US" sz="1800" dirty="0" err="1">
+                <a:solidFill>
+                  <a:srgbClr val="000000"/>
+                </a:solidFill>
+                <a:effectLst/>
+                <a:latin typeface="Calibri" panose="020F0502020204030204" pitchFamily="34" charset="0"/>
+                <a:ea typeface="Calibri" panose="020F0502020204030204" pitchFamily="34" charset="0"/>
+                <a:cs typeface="Calibri" panose="020F0502020204030204" pitchFamily="34" charset="0"/>
+              </a:rPr>
+              <a:t>ryuuen</a:t>
+            </a:r>
+            <a:r>
+              <a:rPr lang="en-US" sz="1800" dirty="0">
+                <a:solidFill>
+                  <a:srgbClr val="000000"/>
+                </a:solidFill>
+                <a:effectLst/>
+                <a:latin typeface="Calibri" panose="020F0502020204030204" pitchFamily="34" charset="0"/>
+                <a:ea typeface="Calibri" panose="020F0502020204030204" pitchFamily="34" charset="0"/>
+                <a:cs typeface="Calibri" panose="020F0502020204030204" pitchFamily="34" charset="0"/>
+              </a:rPr>
+              <a:t>, </a:t>
+            </a:r>
+            <a:r>
+              <a:rPr lang="en-US" sz="1800" dirty="0" err="1">
+                <a:solidFill>
+                  <a:srgbClr val="000000"/>
+                </a:solidFill>
+                <a:effectLst/>
+                <a:latin typeface="Calibri" panose="020F0502020204030204" pitchFamily="34" charset="0"/>
+                <a:ea typeface="Calibri" panose="020F0502020204030204" pitchFamily="34" charset="0"/>
+                <a:cs typeface="Calibri" panose="020F0502020204030204" pitchFamily="34" charset="0"/>
+              </a:rPr>
+              <a:t>nagumo</a:t>
+            </a:r>
+            <a:r>
+              <a:rPr lang="en-US" sz="1800" dirty="0">
+                <a:solidFill>
+                  <a:srgbClr val="000000"/>
+                </a:solidFill>
+                <a:effectLst/>
+                <a:latin typeface="Calibri" panose="020F0502020204030204" pitchFamily="34" charset="0"/>
+                <a:ea typeface="Calibri" panose="020F0502020204030204" pitchFamily="34" charset="0"/>
+                <a:cs typeface="Calibri" panose="020F0502020204030204" pitchFamily="34" charset="0"/>
+              </a:rPr>
+              <a:t>, council, older, points, …): Ryuuen, class C’s leader takes a leading role in the second semester as he tries to identify the mastermind behind class D; Ayanokouji. </a:t>
+            </a:r>
+            <a:r>
+              <a:rPr lang="en-US" sz="1800" dirty="0" err="1">
+                <a:solidFill>
+                  <a:srgbClr val="000000"/>
+                </a:solidFill>
+                <a:effectLst/>
+                <a:latin typeface="Calibri" panose="020F0502020204030204" pitchFamily="34" charset="0"/>
+                <a:ea typeface="Calibri" panose="020F0502020204030204" pitchFamily="34" charset="0"/>
+                <a:cs typeface="Calibri" panose="020F0502020204030204" pitchFamily="34" charset="0"/>
+              </a:rPr>
+              <a:t>Ryuuen’s</a:t>
+            </a:r>
+            <a:r>
+              <a:rPr lang="en-US" sz="1800" dirty="0">
+                <a:solidFill>
+                  <a:srgbClr val="000000"/>
+                </a:solidFill>
+                <a:effectLst/>
+                <a:latin typeface="Calibri" panose="020F0502020204030204" pitchFamily="34" charset="0"/>
+                <a:ea typeface="Calibri" panose="020F0502020204030204" pitchFamily="34" charset="0"/>
+                <a:cs typeface="Calibri" panose="020F0502020204030204" pitchFamily="34" charset="0"/>
+              </a:rPr>
+              <a:t> style of leadership was compared with those of the former and current student council presidents’. At the end of the second trimester, Ayanokouji comes into contact with the now ‘former’ student council president Horikita Manabu. The former president is concerned about the new president; Nagumo. He fears Nagumo intends to change the school too extremely. He hopes to entrust Ayanokouji with the task of revoking Nagumo from his position. While Ayanokouji is not particularly interested  he owes Horikita Manabu a favor since he ensured Ayanokouji’s victory against Ryuuen.</a:t>
+            </a:r>
+          </a:p>
+          <a:p>
+            <a:pPr algn="just">
+              <a:lnSpc>
+                <a:spcPct val="150000"/>
+              </a:lnSpc>
+              <a:spcAft>
+                <a:spcPts val="600"/>
+              </a:spcAft>
+            </a:pPr>
+            <a:r>
+              <a:rPr lang="en-US" sz="1800" dirty="0">
+                <a:solidFill>
+                  <a:srgbClr val="000000"/>
+                </a:solidFill>
+                <a:effectLst/>
+                <a:latin typeface="Calibri" panose="020F0502020204030204" pitchFamily="34" charset="0"/>
+                <a:ea typeface="Calibri" panose="020F0502020204030204" pitchFamily="34" charset="0"/>
+                <a:cs typeface="Calibri" panose="020F0502020204030204" pitchFamily="34" charset="0"/>
+              </a:rPr>
+              <a:t>Topic 9(karuizawa, </a:t>
+            </a:r>
+            <a:r>
+              <a:rPr lang="en-US" sz="1800" dirty="0" err="1">
+                <a:solidFill>
+                  <a:srgbClr val="000000"/>
+                </a:solidFill>
+                <a:effectLst/>
+                <a:latin typeface="Calibri" panose="020F0502020204030204" pitchFamily="34" charset="0"/>
+                <a:ea typeface="Calibri" panose="020F0502020204030204" pitchFamily="34" charset="0"/>
+                <a:cs typeface="Calibri" panose="020F0502020204030204" pitchFamily="34" charset="0"/>
+              </a:rPr>
+              <a:t>nagumo</a:t>
+            </a:r>
+            <a:r>
+              <a:rPr lang="en-US" sz="1800" dirty="0">
+                <a:solidFill>
+                  <a:srgbClr val="000000"/>
+                </a:solidFill>
+                <a:effectLst/>
+                <a:latin typeface="Calibri" panose="020F0502020204030204" pitchFamily="34" charset="0"/>
+                <a:ea typeface="Calibri" panose="020F0502020204030204" pitchFamily="34" charset="0"/>
+                <a:cs typeface="Calibri" panose="020F0502020204030204" pitchFamily="34" charset="0"/>
+              </a:rPr>
+              <a:t>, </a:t>
+            </a:r>
+            <a:r>
+              <a:rPr lang="en-US" sz="1800" dirty="0" err="1">
+                <a:solidFill>
+                  <a:srgbClr val="000000"/>
+                </a:solidFill>
+                <a:effectLst/>
+                <a:latin typeface="Calibri" panose="020F0502020204030204" pitchFamily="34" charset="0"/>
+                <a:ea typeface="Calibri" panose="020F0502020204030204" pitchFamily="34" charset="0"/>
+                <a:cs typeface="Calibri" panose="020F0502020204030204" pitchFamily="34" charset="0"/>
+              </a:rPr>
+              <a:t>hirata</a:t>
+            </a:r>
+            <a:r>
+              <a:rPr lang="en-US" sz="1800" dirty="0">
+                <a:solidFill>
+                  <a:srgbClr val="000000"/>
+                </a:solidFill>
+                <a:effectLst/>
+                <a:latin typeface="Calibri" panose="020F0502020204030204" pitchFamily="34" charset="0"/>
+                <a:ea typeface="Calibri" panose="020F0502020204030204" pitchFamily="34" charset="0"/>
+                <a:cs typeface="Calibri" panose="020F0502020204030204" pitchFamily="34" charset="0"/>
+              </a:rPr>
+              <a:t>, date, love, …): At the end of the first trimester, it is revealed to the protagonist that Karuizawa and Hirata are in a fake relationship. Karuizawa was bullied in middle school and wanted to protect herself from being looked down on by dating the most popular guy in class; Hirata. Hirata was kind enough to help her out even though he was not interested in a relationship. Throughout the second trimester, Ayanokouji points out how proficient the two are at pretending to be a couple multiple times. Though again, it is hard to link Nagumo to this topic cluster.</a:t>
+            </a:r>
+          </a:p>
+          <a:p>
+            <a:pPr algn="just">
+              <a:lnSpc>
+                <a:spcPct val="150000"/>
+              </a:lnSpc>
+              <a:spcAft>
+                <a:spcPts val="600"/>
+              </a:spcAft>
+            </a:pPr>
+            <a:r>
+              <a:rPr lang="en-US" sz="1800" dirty="0">
+                <a:solidFill>
+                  <a:srgbClr val="000000"/>
+                </a:solidFill>
+                <a:effectLst/>
+                <a:latin typeface="Calibri" panose="020F0502020204030204" pitchFamily="34" charset="0"/>
+                <a:ea typeface="Calibri" panose="020F0502020204030204" pitchFamily="34" charset="0"/>
+                <a:cs typeface="Calibri" panose="020F0502020204030204" pitchFamily="34" charset="0"/>
+              </a:rPr>
+              <a:t>Topic 72(sensei, reception, ayanokouji, </a:t>
+            </a:r>
+            <a:r>
+              <a:rPr lang="en-US" sz="1800" dirty="0" err="1">
+                <a:solidFill>
+                  <a:srgbClr val="000000"/>
+                </a:solidFill>
+                <a:effectLst/>
+                <a:latin typeface="Calibri" panose="020F0502020204030204" pitchFamily="34" charset="0"/>
+                <a:ea typeface="Calibri" panose="020F0502020204030204" pitchFamily="34" charset="0"/>
+                <a:cs typeface="Calibri" panose="020F0502020204030204" pitchFamily="34" charset="0"/>
+              </a:rPr>
+              <a:t>sakayanagi</a:t>
+            </a:r>
+            <a:r>
+              <a:rPr lang="en-US" sz="1800" dirty="0">
+                <a:solidFill>
+                  <a:srgbClr val="000000"/>
+                </a:solidFill>
+                <a:effectLst/>
+                <a:latin typeface="Calibri" panose="020F0502020204030204" pitchFamily="34" charset="0"/>
+                <a:ea typeface="Calibri" panose="020F0502020204030204" pitchFamily="34" charset="0"/>
+                <a:cs typeface="Calibri" panose="020F0502020204030204" pitchFamily="34" charset="0"/>
+              </a:rPr>
+              <a:t>, permission, …): As mentioned earlier the words in this topic do not have a clear connection to one another, thus this cluster is hard to contextualize. </a:t>
+            </a:r>
+          </a:p>
+          <a:p>
+            <a:pPr algn="just">
+              <a:lnSpc>
+                <a:spcPct val="150000"/>
+              </a:lnSpc>
+              <a:spcAft>
+                <a:spcPts val="600"/>
+              </a:spcAft>
+            </a:pPr>
+            <a:r>
+              <a:rPr lang="en-US" sz="1800" dirty="0">
+                <a:solidFill>
+                  <a:srgbClr val="000000"/>
+                </a:solidFill>
+                <a:effectLst/>
+                <a:latin typeface="Calibri" panose="020F0502020204030204" pitchFamily="34" charset="0"/>
+                <a:ea typeface="Calibri" panose="020F0502020204030204" pitchFamily="34" charset="0"/>
+                <a:cs typeface="Calibri" panose="020F0502020204030204" pitchFamily="34" charset="0"/>
+              </a:rPr>
+              <a:t>Topic 7(sudou, </a:t>
+            </a:r>
+            <a:r>
+              <a:rPr lang="en-US" sz="1800" dirty="0" err="1">
+                <a:solidFill>
+                  <a:srgbClr val="000000"/>
+                </a:solidFill>
+                <a:effectLst/>
+                <a:latin typeface="Calibri" panose="020F0502020204030204" pitchFamily="34" charset="0"/>
+                <a:ea typeface="Calibri" panose="020F0502020204030204" pitchFamily="34" charset="0"/>
+                <a:cs typeface="Calibri" panose="020F0502020204030204" pitchFamily="34" charset="0"/>
+              </a:rPr>
+              <a:t>ike</a:t>
+            </a:r>
+            <a:r>
+              <a:rPr lang="en-US" sz="1800" dirty="0">
+                <a:solidFill>
+                  <a:srgbClr val="000000"/>
+                </a:solidFill>
+                <a:effectLst/>
+                <a:latin typeface="Calibri" panose="020F0502020204030204" pitchFamily="34" charset="0"/>
+                <a:ea typeface="Calibri" panose="020F0502020204030204" pitchFamily="34" charset="0"/>
+                <a:cs typeface="Calibri" panose="020F0502020204030204" pitchFamily="34" charset="0"/>
+              </a:rPr>
+              <a:t>, </a:t>
+            </a:r>
+            <a:r>
+              <a:rPr lang="en-US" sz="1800" dirty="0" err="1">
+                <a:solidFill>
+                  <a:srgbClr val="000000"/>
+                </a:solidFill>
+                <a:effectLst/>
+                <a:latin typeface="Calibri" panose="020F0502020204030204" pitchFamily="34" charset="0"/>
+                <a:ea typeface="Calibri" panose="020F0502020204030204" pitchFamily="34" charset="0"/>
+                <a:cs typeface="Calibri" panose="020F0502020204030204" pitchFamily="34" charset="0"/>
+              </a:rPr>
+              <a:t>yamauchi</a:t>
+            </a:r>
+            <a:r>
+              <a:rPr lang="en-US" sz="1800" dirty="0">
+                <a:solidFill>
+                  <a:srgbClr val="000000"/>
+                </a:solidFill>
+                <a:effectLst/>
+                <a:latin typeface="Calibri" panose="020F0502020204030204" pitchFamily="34" charset="0"/>
+                <a:ea typeface="Calibri" panose="020F0502020204030204" pitchFamily="34" charset="0"/>
+                <a:cs typeface="Calibri" panose="020F0502020204030204" pitchFamily="34" charset="0"/>
+              </a:rPr>
+              <a:t>, council, birthday, …): Sudou, Ike and Yamauchi remain a close group of friends throughout the second trimester. They often appear as a trio. This trimester, however, they did not discuss anything related to the student council. The word birthday, again does not occur in the volumes covering the second trimester either.</a:t>
+            </a:r>
+          </a:p>
+          <a:p>
+            <a:pPr algn="just">
+              <a:lnSpc>
+                <a:spcPct val="150000"/>
+              </a:lnSpc>
+              <a:spcAft>
+                <a:spcPts val="600"/>
+              </a:spcAft>
+            </a:pPr>
+            <a:r>
+              <a:rPr lang="en-US" sz="1800" dirty="0">
+                <a:solidFill>
+                  <a:srgbClr val="000000"/>
+                </a:solidFill>
+                <a:effectLst/>
+                <a:latin typeface="Calibri" panose="020F0502020204030204" pitchFamily="34" charset="0"/>
+                <a:ea typeface="Calibri" panose="020F0502020204030204" pitchFamily="34" charset="0"/>
+                <a:cs typeface="Calibri" panose="020F0502020204030204" pitchFamily="34" charset="0"/>
+              </a:rPr>
+              <a:t>Topic 38(months, importantly, reliable, </a:t>
+            </a:r>
+            <a:r>
+              <a:rPr lang="en-US" sz="1800" dirty="0" err="1">
+                <a:solidFill>
+                  <a:srgbClr val="000000"/>
+                </a:solidFill>
+                <a:effectLst/>
+                <a:latin typeface="Calibri" panose="020F0502020204030204" pitchFamily="34" charset="0"/>
+                <a:ea typeface="Calibri" panose="020F0502020204030204" pitchFamily="34" charset="0"/>
+                <a:cs typeface="Calibri" panose="020F0502020204030204" pitchFamily="34" charset="0"/>
+              </a:rPr>
+              <a:t>kinugasa</a:t>
+            </a:r>
+            <a:r>
+              <a:rPr lang="en-US" sz="1800" dirty="0">
+                <a:solidFill>
+                  <a:srgbClr val="000000"/>
+                </a:solidFill>
+                <a:effectLst/>
+                <a:latin typeface="Calibri" panose="020F0502020204030204" pitchFamily="34" charset="0"/>
+                <a:ea typeface="Calibri" panose="020F0502020204030204" pitchFamily="34" charset="0"/>
+                <a:cs typeface="Calibri" panose="020F0502020204030204" pitchFamily="34" charset="0"/>
+              </a:rPr>
+              <a:t>, refrain, …): This topic was likely generated from the epilogues written by the author of classroom of the elite, </a:t>
+            </a:r>
+            <a:r>
+              <a:rPr lang="en-US" sz="1800" dirty="0" err="1">
+                <a:solidFill>
+                  <a:srgbClr val="000000"/>
+                </a:solidFill>
+                <a:effectLst/>
+                <a:latin typeface="Calibri" panose="020F0502020204030204" pitchFamily="34" charset="0"/>
+                <a:ea typeface="Calibri" panose="020F0502020204030204" pitchFamily="34" charset="0"/>
+                <a:cs typeface="Calibri" panose="020F0502020204030204" pitchFamily="34" charset="0"/>
+              </a:rPr>
+              <a:t>Kinugasa</a:t>
+            </a:r>
+            <a:r>
+              <a:rPr lang="en-US" sz="1800" dirty="0">
+                <a:solidFill>
+                  <a:srgbClr val="000000"/>
+                </a:solidFill>
+                <a:effectLst/>
+                <a:latin typeface="Calibri" panose="020F0502020204030204" pitchFamily="34" charset="0"/>
+                <a:ea typeface="Calibri" panose="020F0502020204030204" pitchFamily="34" charset="0"/>
+                <a:cs typeface="Calibri" panose="020F0502020204030204" pitchFamily="34" charset="0"/>
+              </a:rPr>
+              <a:t> </a:t>
+            </a:r>
+            <a:r>
+              <a:rPr lang="en-US" sz="1800" dirty="0" err="1">
+                <a:solidFill>
+                  <a:srgbClr val="000000"/>
+                </a:solidFill>
+                <a:effectLst/>
+                <a:latin typeface="Calibri" panose="020F0502020204030204" pitchFamily="34" charset="0"/>
+                <a:ea typeface="Calibri" panose="020F0502020204030204" pitchFamily="34" charset="0"/>
+                <a:cs typeface="Calibri" panose="020F0502020204030204" pitchFamily="34" charset="0"/>
+              </a:rPr>
+              <a:t>Syougo</a:t>
+            </a:r>
+            <a:r>
+              <a:rPr lang="en-US" sz="1800" dirty="0">
+                <a:solidFill>
+                  <a:srgbClr val="000000"/>
+                </a:solidFill>
+                <a:effectLst/>
+                <a:latin typeface="Calibri" panose="020F0502020204030204" pitchFamily="34" charset="0"/>
+                <a:ea typeface="Calibri" panose="020F0502020204030204" pitchFamily="34" charset="0"/>
+                <a:cs typeface="Calibri" panose="020F0502020204030204" pitchFamily="34" charset="0"/>
+              </a:rPr>
+              <a:t>. It does not seem to tie in with the story.</a:t>
             </a:r>
           </a:p>
         </p:txBody>
@@ -4235,7 +4235,7 @@
     </p:spTree>
     <p:extLst>
       <p:ext uri="{BB962C8B-B14F-4D97-AF65-F5344CB8AC3E}">
-        <p14:creationId xmlns:p14="http://schemas.microsoft.com/office/powerpoint/2010/main" val="2326282478"/>
+        <p14:creationId xmlns:p14="http://schemas.microsoft.com/office/powerpoint/2010/main" val="3945401149"/>
       </p:ext>
     </p:extLst>
   </p:cSld>
@@ -4352,213 +4352,10 @@
               <a:buNone/>
             </a:pPr>
             <a:r>
-              <a:rPr lang="en-GB" sz="1800" dirty="0"/>
-              <a:t>Topic 68(</a:t>
-            </a:r>
-            <a:r>
-              <a:rPr lang="en-GB" sz="1800" dirty="0" err="1"/>
-              <a:t>ryuuen</a:t>
-            </a:r>
-            <a:r>
-              <a:rPr lang="en-GB" sz="1800" dirty="0"/>
-              <a:t>, </a:t>
-            </a:r>
-            <a:r>
-              <a:rPr lang="en-GB" sz="1800" dirty="0" err="1"/>
-              <a:t>nagumo</a:t>
-            </a:r>
-            <a:r>
-              <a:rPr lang="en-GB" sz="1800" dirty="0"/>
-              <a:t>, council, older, points, …): </a:t>
-            </a:r>
-            <a:r>
-              <a:rPr lang="en-GB" sz="1800" dirty="0" err="1"/>
-              <a:t>Ayanokoji</a:t>
-            </a:r>
-            <a:r>
-              <a:rPr lang="en-GB" sz="1800" dirty="0"/>
-              <a:t> encounters president Nagumo and former president Horikita during an exam involving all school years. He observes their interactions and secures information about the older students. Ryuuen however is not tied in with this occurrence. He does not have much contact with the senior students at all during the third trimester.</a:t>
-            </a:r>
-          </a:p>
-          <a:p>
-            <a:pPr marL="0" lvl="0" indent="0" algn="l" rtl="0">
-              <a:spcBef>
-                <a:spcPts val="0"/>
-              </a:spcBef>
-              <a:spcAft>
-                <a:spcPts val="0"/>
-              </a:spcAft>
-              <a:buNone/>
-            </a:pPr>
-            <a:r>
-              <a:rPr lang="en-GB" sz="1800" dirty="0"/>
-              <a:t>Topic 9(</a:t>
-            </a:r>
-            <a:r>
-              <a:rPr lang="en-GB" sz="1800" dirty="0" err="1"/>
-              <a:t>karuizawa</a:t>
-            </a:r>
-            <a:r>
-              <a:rPr lang="en-GB" sz="1800" dirty="0"/>
-              <a:t>, </a:t>
-            </a:r>
-            <a:r>
-              <a:rPr lang="en-GB" sz="1800" dirty="0" err="1"/>
-              <a:t>nagumo</a:t>
-            </a:r>
-            <a:r>
-              <a:rPr lang="en-GB" sz="1800" dirty="0"/>
-              <a:t>, </a:t>
-            </a:r>
-            <a:r>
-              <a:rPr lang="en-GB" sz="1800" dirty="0" err="1"/>
-              <a:t>hirata</a:t>
-            </a:r>
-            <a:r>
-              <a:rPr lang="en-GB" sz="1800" dirty="0"/>
-              <a:t>, date, president, …): Karuizawa becomes stable enough to live independently from Hirata. In volume 9, he decides to break up with him for both of their sakes. This information becomes shocking gossip to their fellow students who were unaware of the fake nature of their relationship. Again, Nagumo has no significant connection to their relationship in the story.</a:t>
-            </a:r>
-          </a:p>
-          <a:p>
-            <a:pPr marL="0" lvl="0" indent="0" algn="l" rtl="0">
-              <a:spcBef>
-                <a:spcPts val="0"/>
-              </a:spcBef>
-              <a:spcAft>
-                <a:spcPts val="0"/>
-              </a:spcAft>
-              <a:buNone/>
-            </a:pPr>
-            <a:r>
-              <a:rPr lang="en-GB" sz="1800" dirty="0"/>
-              <a:t>Topic 65(</a:t>
-            </a:r>
-            <a:r>
-              <a:rPr lang="en-GB" sz="1800" dirty="0" err="1"/>
-              <a:t>sakayanagi</a:t>
-            </a:r>
-            <a:r>
-              <a:rPr lang="en-GB" sz="1800" dirty="0"/>
-              <a:t>, </a:t>
-            </a:r>
-            <a:r>
-              <a:rPr lang="en-GB" sz="1800" dirty="0" err="1"/>
-              <a:t>ichinose</a:t>
-            </a:r>
-            <a:r>
-              <a:rPr lang="en-GB" sz="1800" dirty="0"/>
-              <a:t>, </a:t>
-            </a:r>
-            <a:r>
-              <a:rPr lang="en-GB" sz="1800" dirty="0" err="1"/>
-              <a:t>ryuuen</a:t>
-            </a:r>
-            <a:r>
-              <a:rPr lang="en-GB" sz="1800" dirty="0"/>
-              <a:t>, watch, </a:t>
-            </a:r>
-            <a:r>
-              <a:rPr lang="en-GB" sz="1800" dirty="0" err="1"/>
-              <a:t>theater</a:t>
-            </a:r>
-            <a:r>
-              <a:rPr lang="en-GB" sz="1800" dirty="0"/>
-              <a:t>, …): At this point in time; Ayanokouji has been recognized as the mastermind of class D by the leaders of all other classes in his year; </a:t>
-            </a:r>
-            <a:r>
-              <a:rPr lang="en-GB" sz="1800" dirty="0" err="1"/>
-              <a:t>Sakayanagi</a:t>
-            </a:r>
-            <a:r>
-              <a:rPr lang="en-GB" sz="1800" dirty="0"/>
-              <a:t>(class A), Ichinose(class B) and Ryuuen(class C). The word </a:t>
-            </a:r>
-            <a:r>
-              <a:rPr lang="en-GB" sz="1800" dirty="0" err="1"/>
-              <a:t>theater</a:t>
-            </a:r>
-            <a:r>
-              <a:rPr lang="en-GB" sz="1800" dirty="0"/>
-              <a:t> is not present in any of the volumes included in the third trimester.</a:t>
-            </a:r>
-          </a:p>
-          <a:p>
-            <a:pPr marL="0" lvl="0" indent="0" algn="l" rtl="0">
-              <a:spcBef>
-                <a:spcPts val="0"/>
-              </a:spcBef>
-              <a:spcAft>
-                <a:spcPts val="0"/>
-              </a:spcAft>
-              <a:buNone/>
-            </a:pPr>
-            <a:r>
-              <a:rPr lang="en-GB" sz="1800" dirty="0"/>
-              <a:t>Topic 55(council, </a:t>
-            </a:r>
-            <a:r>
-              <a:rPr lang="en-GB" sz="1800" dirty="0" err="1"/>
-              <a:t>nagumo</a:t>
-            </a:r>
-            <a:r>
-              <a:rPr lang="en-GB" sz="1800" dirty="0"/>
-              <a:t>, brother, join, president, …): </a:t>
-            </a:r>
-            <a:r>
-              <a:rPr lang="en-GB" sz="1800" dirty="0" err="1"/>
-              <a:t>Ajanokouji</a:t>
-            </a:r>
-            <a:r>
-              <a:rPr lang="en-GB" sz="1800" dirty="0"/>
-              <a:t> aims to interfere with president Nagumo through his classmate Horikita </a:t>
-            </a:r>
-            <a:r>
-              <a:rPr lang="en-GB" sz="1800" dirty="0" err="1"/>
-              <a:t>Suzune</a:t>
-            </a:r>
-            <a:r>
-              <a:rPr lang="en-GB" sz="1800" dirty="0"/>
-              <a:t>. However, she does not seem like she would willingly cooperate. To convince her, he lies that her brother (Horikita Manabu), the former president wants her to join the student council. Once she joins the council, his </a:t>
-            </a:r>
-            <a:r>
-              <a:rPr lang="en-GB" sz="1800" dirty="0" err="1"/>
-              <a:t>goql</a:t>
-            </a:r>
-            <a:r>
-              <a:rPr lang="en-GB" sz="1800" dirty="0"/>
-              <a:t> is to extract information from her.</a:t>
-            </a:r>
-          </a:p>
-          <a:p>
-            <a:pPr marL="0" lvl="0" indent="0" algn="l" rtl="0">
-              <a:spcBef>
-                <a:spcPts val="0"/>
-              </a:spcBef>
-              <a:spcAft>
-                <a:spcPts val="0"/>
-              </a:spcAft>
-              <a:buNone/>
-            </a:pPr>
-            <a:r>
-              <a:rPr lang="en-GB" sz="1800" dirty="0"/>
-              <a:t>Topic 49(</a:t>
-            </a:r>
-            <a:r>
-              <a:rPr lang="en-GB" sz="1800" dirty="0" err="1"/>
-              <a:t>ayanokouji</a:t>
-            </a:r>
-            <a:r>
-              <a:rPr lang="en-GB" sz="1800" dirty="0"/>
-              <a:t>, boy, amazing, cup, formidable, …): During the first exam of the third trimester, Ayanokouji is grouped together with his classmate </a:t>
-            </a:r>
-            <a:r>
-              <a:rPr lang="en-GB" sz="1800" dirty="0" err="1"/>
-              <a:t>Kouenji</a:t>
-            </a:r>
-            <a:r>
-              <a:rPr lang="en-GB" sz="1800" dirty="0"/>
-              <a:t>, amongst other students. Koenji calls him ‘Ayanokouji boy’.</a:t>
-            </a:r>
+              <a:rPr lang="en-GB" dirty="0"/>
+              <a:t>The generated topics for this trimester tie in well with the predictions made in the hypothesis section. Topic 65 relates to the intensifying contest between the first years’ class leaders. From topics 68 and 55, it can also be derived that the first years have more contact fist senior students. The third years’ graduation is also subtly reflected in these topics. Horikita Manabu wants Ayanokouji to defeat Nagumo, since he himself would be unable as he has too little time before he graduates.</a:t>
+            </a:r>
+            <a:endParaRPr dirty="0"/>
           </a:p>
         </p:txBody>
       </p:sp>
@@ -4611,7 +4408,7 @@
     </p:spTree>
     <p:extLst>
       <p:ext uri="{BB962C8B-B14F-4D97-AF65-F5344CB8AC3E}">
-        <p14:creationId xmlns:p14="http://schemas.microsoft.com/office/powerpoint/2010/main" val="1423650004"/>
+        <p14:creationId xmlns:p14="http://schemas.microsoft.com/office/powerpoint/2010/main" val="948920912"/>
       </p:ext>
     </p:extLst>
   </p:cSld>
@@ -4728,10 +4525,213 @@
               <a:buNone/>
             </a:pPr>
             <a:r>
-              <a:rPr lang="en-GB" dirty="0"/>
-              <a:t>The generated topics for this trimester tie in well with the predictions made in the hypothesis section. Topic 65 relates to the intensifying contest between the first years’ class leaders. From topics 68 and 55, it can also be derived that the first years have more contact fist senior students. The third years’ graduation is also subtly reflected in these topics. Horikita Manabu wants Ayanokouji to defeat Nagumo, since he himself would be unable as he has too little time before he graduates.</a:t>
-            </a:r>
-            <a:endParaRPr dirty="0"/>
+              <a:rPr lang="en-GB" sz="1800" dirty="0"/>
+              <a:t>Topic 68(</a:t>
+            </a:r>
+            <a:r>
+              <a:rPr lang="en-GB" sz="1800" dirty="0" err="1"/>
+              <a:t>ryuuen</a:t>
+            </a:r>
+            <a:r>
+              <a:rPr lang="en-GB" sz="1800" dirty="0"/>
+              <a:t>, </a:t>
+            </a:r>
+            <a:r>
+              <a:rPr lang="en-GB" sz="1800" dirty="0" err="1"/>
+              <a:t>nagumo</a:t>
+            </a:r>
+            <a:r>
+              <a:rPr lang="en-GB" sz="1800" dirty="0"/>
+              <a:t>, council, older, points, …): </a:t>
+            </a:r>
+            <a:r>
+              <a:rPr lang="en-GB" sz="1800" dirty="0" err="1"/>
+              <a:t>Ayanokoji</a:t>
+            </a:r>
+            <a:r>
+              <a:rPr lang="en-GB" sz="1800" dirty="0"/>
+              <a:t> encounters president Nagumo and former president Horikita during an exam involving all school years. He observes their interactions and secures information about the older students. Ryuuen however is not tied in with this occurrence. He does not have much contact with the senior students at all during the third trimester.</a:t>
+            </a:r>
+          </a:p>
+          <a:p>
+            <a:pPr marL="0" lvl="0" indent="0" algn="l" rtl="0">
+              <a:spcBef>
+                <a:spcPts val="0"/>
+              </a:spcBef>
+              <a:spcAft>
+                <a:spcPts val="0"/>
+              </a:spcAft>
+              <a:buNone/>
+            </a:pPr>
+            <a:r>
+              <a:rPr lang="en-GB" sz="1800" dirty="0"/>
+              <a:t>Topic 9(</a:t>
+            </a:r>
+            <a:r>
+              <a:rPr lang="en-GB" sz="1800" dirty="0" err="1"/>
+              <a:t>karuizawa</a:t>
+            </a:r>
+            <a:r>
+              <a:rPr lang="en-GB" sz="1800" dirty="0"/>
+              <a:t>, </a:t>
+            </a:r>
+            <a:r>
+              <a:rPr lang="en-GB" sz="1800" dirty="0" err="1"/>
+              <a:t>nagumo</a:t>
+            </a:r>
+            <a:r>
+              <a:rPr lang="en-GB" sz="1800" dirty="0"/>
+              <a:t>, </a:t>
+            </a:r>
+            <a:r>
+              <a:rPr lang="en-GB" sz="1800" dirty="0" err="1"/>
+              <a:t>hirata</a:t>
+            </a:r>
+            <a:r>
+              <a:rPr lang="en-GB" sz="1800" dirty="0"/>
+              <a:t>, date, president, …): Karuizawa becomes stable enough to live independently from Hirata. In volume 9, he decides to break up with him for both of their sakes. This information becomes shocking gossip to their fellow students who were unaware of the fake nature of their relationship. Again, Nagumo has no significant connection to their relationship in the story.</a:t>
+            </a:r>
+          </a:p>
+          <a:p>
+            <a:pPr marL="0" lvl="0" indent="0" algn="l" rtl="0">
+              <a:spcBef>
+                <a:spcPts val="0"/>
+              </a:spcBef>
+              <a:spcAft>
+                <a:spcPts val="0"/>
+              </a:spcAft>
+              <a:buNone/>
+            </a:pPr>
+            <a:r>
+              <a:rPr lang="en-GB" sz="1800" dirty="0"/>
+              <a:t>Topic 65(</a:t>
+            </a:r>
+            <a:r>
+              <a:rPr lang="en-GB" sz="1800" dirty="0" err="1"/>
+              <a:t>sakayanagi</a:t>
+            </a:r>
+            <a:r>
+              <a:rPr lang="en-GB" sz="1800" dirty="0"/>
+              <a:t>, </a:t>
+            </a:r>
+            <a:r>
+              <a:rPr lang="en-GB" sz="1800" dirty="0" err="1"/>
+              <a:t>ichinose</a:t>
+            </a:r>
+            <a:r>
+              <a:rPr lang="en-GB" sz="1800" dirty="0"/>
+              <a:t>, </a:t>
+            </a:r>
+            <a:r>
+              <a:rPr lang="en-GB" sz="1800" dirty="0" err="1"/>
+              <a:t>ryuuen</a:t>
+            </a:r>
+            <a:r>
+              <a:rPr lang="en-GB" sz="1800" dirty="0"/>
+              <a:t>, watch, </a:t>
+            </a:r>
+            <a:r>
+              <a:rPr lang="en-GB" sz="1800" dirty="0" err="1"/>
+              <a:t>theater</a:t>
+            </a:r>
+            <a:r>
+              <a:rPr lang="en-GB" sz="1800" dirty="0"/>
+              <a:t>, …): At this point in time; Ayanokouji has been recognized as the mastermind of class D by the leaders of all other classes in his year; </a:t>
+            </a:r>
+            <a:r>
+              <a:rPr lang="en-GB" sz="1800" dirty="0" err="1"/>
+              <a:t>Sakayanagi</a:t>
+            </a:r>
+            <a:r>
+              <a:rPr lang="en-GB" sz="1800" dirty="0"/>
+              <a:t>(class A), Ichinose(class B) and Ryuuen(class C). The word </a:t>
+            </a:r>
+            <a:r>
+              <a:rPr lang="en-GB" sz="1800" dirty="0" err="1"/>
+              <a:t>theater</a:t>
+            </a:r>
+            <a:r>
+              <a:rPr lang="en-GB" sz="1800" dirty="0"/>
+              <a:t> is not present in any of the volumes included in the third trimester.</a:t>
+            </a:r>
+          </a:p>
+          <a:p>
+            <a:pPr marL="0" lvl="0" indent="0" algn="l" rtl="0">
+              <a:spcBef>
+                <a:spcPts val="0"/>
+              </a:spcBef>
+              <a:spcAft>
+                <a:spcPts val="0"/>
+              </a:spcAft>
+              <a:buNone/>
+            </a:pPr>
+            <a:r>
+              <a:rPr lang="en-GB" sz="1800" dirty="0"/>
+              <a:t>Topic 55(council, </a:t>
+            </a:r>
+            <a:r>
+              <a:rPr lang="en-GB" sz="1800" dirty="0" err="1"/>
+              <a:t>nagumo</a:t>
+            </a:r>
+            <a:r>
+              <a:rPr lang="en-GB" sz="1800" dirty="0"/>
+              <a:t>, brother, join, president, …): </a:t>
+            </a:r>
+            <a:r>
+              <a:rPr lang="en-GB" sz="1800" dirty="0" err="1"/>
+              <a:t>Ajanokouji</a:t>
+            </a:r>
+            <a:r>
+              <a:rPr lang="en-GB" sz="1800" dirty="0"/>
+              <a:t> aims to interfere with president Nagumo through his classmate Horikita </a:t>
+            </a:r>
+            <a:r>
+              <a:rPr lang="en-GB" sz="1800" dirty="0" err="1"/>
+              <a:t>Suzune</a:t>
+            </a:r>
+            <a:r>
+              <a:rPr lang="en-GB" sz="1800" dirty="0"/>
+              <a:t>. However, she does not seem like she would willingly cooperate. To convince her, he lies that her brother (Horikita Manabu), the former president wants her to join the student council. Once she joins the council, his </a:t>
+            </a:r>
+            <a:r>
+              <a:rPr lang="en-GB" sz="1800" dirty="0" err="1"/>
+              <a:t>goql</a:t>
+            </a:r>
+            <a:r>
+              <a:rPr lang="en-GB" sz="1800" dirty="0"/>
+              <a:t> is to extract information from her.</a:t>
+            </a:r>
+          </a:p>
+          <a:p>
+            <a:pPr marL="0" lvl="0" indent="0" algn="l" rtl="0">
+              <a:spcBef>
+                <a:spcPts val="0"/>
+              </a:spcBef>
+              <a:spcAft>
+                <a:spcPts val="0"/>
+              </a:spcAft>
+              <a:buNone/>
+            </a:pPr>
+            <a:r>
+              <a:rPr lang="en-GB" sz="1800" dirty="0"/>
+              <a:t>Topic 49(</a:t>
+            </a:r>
+            <a:r>
+              <a:rPr lang="en-GB" sz="1800" dirty="0" err="1"/>
+              <a:t>ayanokouji</a:t>
+            </a:r>
+            <a:r>
+              <a:rPr lang="en-GB" sz="1800" dirty="0"/>
+              <a:t>, boy, amazing, cup, formidable, …): During the first exam of the third trimester, Ayanokouji is grouped together with his classmate </a:t>
+            </a:r>
+            <a:r>
+              <a:rPr lang="en-GB" sz="1800" dirty="0" err="1"/>
+              <a:t>Kouenji</a:t>
+            </a:r>
+            <a:r>
+              <a:rPr lang="en-GB" sz="1800" dirty="0"/>
+              <a:t>, amongst other students. Koenji calls him ‘Ayanokouji boy’.</a:t>
+            </a:r>
           </a:p>
         </p:txBody>
       </p:sp>
@@ -4784,7 +4784,7 @@
     </p:spTree>
     <p:extLst>
       <p:ext uri="{BB962C8B-B14F-4D97-AF65-F5344CB8AC3E}">
-        <p14:creationId xmlns:p14="http://schemas.microsoft.com/office/powerpoint/2010/main" val="948920912"/>
+        <p14:creationId xmlns:p14="http://schemas.microsoft.com/office/powerpoint/2010/main" val="1423650004"/>
       </p:ext>
     </p:extLst>
   </p:cSld>
@@ -4902,116 +4902,9 @@
             </a:pPr>
             <a:r>
               <a:rPr lang="en-GB" dirty="0"/>
-              <a:t>Topic 69(senpai, understood, detail, human, Ayanokouji, …): This topic is on the vague side. It may refer to a set of occasions that occur during the uninhabited island exam which takes place in volume 14. During this exam, </a:t>
-            </a:r>
-            <a:r>
-              <a:rPr lang="en-GB" dirty="0" err="1"/>
-              <a:t>Ayanokoiji</a:t>
-            </a:r>
-            <a:r>
-              <a:rPr lang="en-GB" dirty="0"/>
-              <a:t> spends most of his time travelling with a junior student of his. Since they are originally from different groups, Ayanokouji decides not to reveal his thought processes in detail. The junior student (</a:t>
-            </a:r>
-            <a:r>
-              <a:rPr lang="en-GB" dirty="0" err="1"/>
-              <a:t>Nanase</a:t>
-            </a:r>
-            <a:r>
-              <a:rPr lang="en-GB" dirty="0"/>
-              <a:t>), naturally understood this.</a:t>
-            </a:r>
-          </a:p>
-          <a:p>
-            <a:pPr marL="0" lvl="0" indent="0" algn="l" rtl="0">
-              <a:spcBef>
-                <a:spcPts val="0"/>
-              </a:spcBef>
-              <a:spcAft>
-                <a:spcPts val="0"/>
-              </a:spcAft>
-              <a:buNone/>
-            </a:pPr>
-            <a:r>
-              <a:rPr lang="en-GB" dirty="0"/>
-              <a:t>Topic 57(senpai, </a:t>
-            </a:r>
-            <a:r>
-              <a:rPr lang="en-GB" dirty="0" err="1"/>
-              <a:t>ayanokouji</a:t>
-            </a:r>
-            <a:r>
-              <a:rPr lang="en-GB" dirty="0"/>
-              <a:t>, answering, partners, okay, …): Ayanokouji, has now become a second year faces and thus a ‘senpai’ or senior student. He quickly faces a new academic exam. However, for this exam, second years need to pair up with the newly introduced first years. All second years are looking for a partner, and after a long process of consideration, Ayanokouji settles on a partner for the exam as well.</a:t>
-            </a:r>
-          </a:p>
-          <a:p>
-            <a:pPr marL="0" lvl="0" indent="0" algn="l" rtl="0">
-              <a:spcBef>
-                <a:spcPts val="0"/>
-              </a:spcBef>
-              <a:spcAft>
-                <a:spcPts val="0"/>
-              </a:spcAft>
-              <a:buNone/>
-            </a:pPr>
-            <a:r>
-              <a:rPr lang="en-GB" dirty="0"/>
-              <a:t>Topic 55(council, </a:t>
-            </a:r>
-            <a:r>
-              <a:rPr lang="en-GB" dirty="0" err="1"/>
-              <a:t>nagumo</a:t>
-            </a:r>
-            <a:r>
-              <a:rPr lang="en-GB" dirty="0"/>
-              <a:t>, brother, join, president, …): Horikita </a:t>
-            </a:r>
-            <a:r>
-              <a:rPr lang="en-GB" dirty="0" err="1"/>
-              <a:t>Suzune</a:t>
-            </a:r>
-            <a:r>
-              <a:rPr lang="en-GB" dirty="0"/>
-              <a:t> becomes determined and is eventually allowed to join the student council.</a:t>
-            </a:r>
-          </a:p>
-          <a:p>
-            <a:pPr marL="0" lvl="0" indent="0" algn="l" rtl="0">
-              <a:spcBef>
-                <a:spcPts val="0"/>
-              </a:spcBef>
-              <a:spcAft>
-                <a:spcPts val="0"/>
-              </a:spcAft>
-              <a:buNone/>
-            </a:pPr>
-            <a:r>
-              <a:rPr lang="en-GB" dirty="0"/>
-              <a:t>Topic 48(senpai, climbing, catch, definitely, Ayanokouji, …): As events during the uninhabited island exam unravel, it becomes clear that a very large bounty (20 million points) has been placed on his head by the acting director. All first years are aware of this bounty and either as separate groups or as individuals, they try to catch Ayanokouji off guard and take the bounty for themselves. The largest confrontation between the first years and the protagonist takes place after Ayanokouji has climbed a mountain to avoid being followed.</a:t>
-            </a:r>
-          </a:p>
-          <a:p>
-            <a:pPr marL="0" lvl="0" indent="0" algn="l" rtl="0">
-              <a:spcBef>
-                <a:spcPts val="0"/>
-              </a:spcBef>
-              <a:spcAft>
-                <a:spcPts val="0"/>
-              </a:spcAft>
-              <a:buNone/>
-            </a:pPr>
-            <a:r>
-              <a:rPr lang="en-GB" dirty="0"/>
-              <a:t>Topic 5(senpai, </a:t>
-            </a:r>
-            <a:r>
-              <a:rPr lang="en-GB" dirty="0" err="1"/>
-              <a:t>ayanokouji</a:t>
-            </a:r>
-            <a:r>
-              <a:rPr lang="en-GB" dirty="0"/>
-              <a:t>, beach, win, flag, …): During the uninhabited island exam, students come across multiple events they can choose to participate in to win points. One of these events is called: ‘Beach Flags Showdown’.  During the exam, Ayanokouji wants to participate in this event. However, a senpai notices him and takes up the last spot left to participate, though Ayanokouji still ends up spectating the event.</a:t>
-            </a:r>
+              <a:t>As speculated in the hypothesis, the topics generated for the fourth trimester mostly revolve around the introduction of new 1st year students (topic 57) and the survival exam including students from all school years (topics 69, 48 And 5). Lastly, topic 48 could be related to the fact that the new acting director’s goal of getting Ayanokouji expelled.</a:t>
+            </a:r>
+            <a:endParaRPr dirty="0"/>
           </a:p>
         </p:txBody>
       </p:sp>
@@ -5064,7 +4957,7 @@
     </p:spTree>
     <p:extLst>
       <p:ext uri="{BB962C8B-B14F-4D97-AF65-F5344CB8AC3E}">
-        <p14:creationId xmlns:p14="http://schemas.microsoft.com/office/powerpoint/2010/main" val="1774579961"/>
+        <p14:creationId xmlns:p14="http://schemas.microsoft.com/office/powerpoint/2010/main" val="2880377860"/>
       </p:ext>
     </p:extLst>
   </p:cSld>
@@ -5182,9 +5075,116 @@
             </a:pPr>
             <a:r>
               <a:rPr lang="en-GB" dirty="0"/>
-              <a:t>As speculated in the hypothesis, the topics generated for the fourth trimester mostly revolve around the introduction of new 1st year students (topic 57) and the survival exam including students from all school years (topics 69, 48 And 5). Lastly, topic 48 could be related to the fact that the new acting director’s goal of getting Ayanokouji expelled.</a:t>
-            </a:r>
-            <a:endParaRPr dirty="0"/>
+              <a:t>Topic 69(senpai, understood, detail, human, Ayanokouji, …): This topic is on the vague side. It may refer to a set of occasions that occur during the uninhabited island exam which takes place in volume 14. During this exam, </a:t>
+            </a:r>
+            <a:r>
+              <a:rPr lang="en-GB" dirty="0" err="1"/>
+              <a:t>Ayanokoiji</a:t>
+            </a:r>
+            <a:r>
+              <a:rPr lang="en-GB" dirty="0"/>
+              <a:t> spends most of his time travelling with a junior student of his. Since they are originally from different groups, Ayanokouji decides not to reveal his thought processes in detail. The junior student (</a:t>
+            </a:r>
+            <a:r>
+              <a:rPr lang="en-GB" dirty="0" err="1"/>
+              <a:t>Nanase</a:t>
+            </a:r>
+            <a:r>
+              <a:rPr lang="en-GB" dirty="0"/>
+              <a:t>), naturally understood this.</a:t>
+            </a:r>
+          </a:p>
+          <a:p>
+            <a:pPr marL="0" lvl="0" indent="0" algn="l" rtl="0">
+              <a:spcBef>
+                <a:spcPts val="0"/>
+              </a:spcBef>
+              <a:spcAft>
+                <a:spcPts val="0"/>
+              </a:spcAft>
+              <a:buNone/>
+            </a:pPr>
+            <a:r>
+              <a:rPr lang="en-GB" dirty="0"/>
+              <a:t>Topic 57(senpai, </a:t>
+            </a:r>
+            <a:r>
+              <a:rPr lang="en-GB" dirty="0" err="1"/>
+              <a:t>ayanokouji</a:t>
+            </a:r>
+            <a:r>
+              <a:rPr lang="en-GB" dirty="0"/>
+              <a:t>, answering, partners, okay, …): Ayanokouji, has now become a second year faces and thus a ‘senpai’ or senior student. He quickly faces a new academic exam. However, for this exam, second years need to pair up with the newly introduced first years. All second years are looking for a partner, and after a long process of consideration, Ayanokouji settles on a partner for the exam as well.</a:t>
+            </a:r>
+          </a:p>
+          <a:p>
+            <a:pPr marL="0" lvl="0" indent="0" algn="l" rtl="0">
+              <a:spcBef>
+                <a:spcPts val="0"/>
+              </a:spcBef>
+              <a:spcAft>
+                <a:spcPts val="0"/>
+              </a:spcAft>
+              <a:buNone/>
+            </a:pPr>
+            <a:r>
+              <a:rPr lang="en-GB" dirty="0"/>
+              <a:t>Topic 55(council, </a:t>
+            </a:r>
+            <a:r>
+              <a:rPr lang="en-GB" dirty="0" err="1"/>
+              <a:t>nagumo</a:t>
+            </a:r>
+            <a:r>
+              <a:rPr lang="en-GB" dirty="0"/>
+              <a:t>, brother, join, president, …): Horikita </a:t>
+            </a:r>
+            <a:r>
+              <a:rPr lang="en-GB" dirty="0" err="1"/>
+              <a:t>Suzune</a:t>
+            </a:r>
+            <a:r>
+              <a:rPr lang="en-GB" dirty="0"/>
+              <a:t> becomes determined and is eventually allowed to join the student council.</a:t>
+            </a:r>
+          </a:p>
+          <a:p>
+            <a:pPr marL="0" lvl="0" indent="0" algn="l" rtl="0">
+              <a:spcBef>
+                <a:spcPts val="0"/>
+              </a:spcBef>
+              <a:spcAft>
+                <a:spcPts val="0"/>
+              </a:spcAft>
+              <a:buNone/>
+            </a:pPr>
+            <a:r>
+              <a:rPr lang="en-GB" dirty="0"/>
+              <a:t>Topic 48(senpai, climbing, catch, definitely, Ayanokouji, …): As events during the uninhabited island exam unravel, it becomes clear that a very large bounty (20 million points) has been placed on his head by the acting director. All first years are aware of this bounty and either as separate groups or as individuals, they try to catch Ayanokouji off guard and take the bounty for themselves. The largest confrontation between the first years and the protagonist takes place after Ayanokouji has climbed a mountain to avoid being followed.</a:t>
+            </a:r>
+          </a:p>
+          <a:p>
+            <a:pPr marL="0" lvl="0" indent="0" algn="l" rtl="0">
+              <a:spcBef>
+                <a:spcPts val="0"/>
+              </a:spcBef>
+              <a:spcAft>
+                <a:spcPts val="0"/>
+              </a:spcAft>
+              <a:buNone/>
+            </a:pPr>
+            <a:r>
+              <a:rPr lang="en-GB" dirty="0"/>
+              <a:t>Topic 5(senpai, </a:t>
+            </a:r>
+            <a:r>
+              <a:rPr lang="en-GB" dirty="0" err="1"/>
+              <a:t>ayanokouji</a:t>
+            </a:r>
+            <a:r>
+              <a:rPr lang="en-GB" dirty="0"/>
+              <a:t>, beach, win, flag, …): During the uninhabited island exam, students come across multiple events they can choose to participate in to win points. One of these events is called: ‘Beach Flags Showdown’.  During the exam, Ayanokouji wants to participate in this event. However, a senpai notices him and takes up the last spot left to participate, though Ayanokouji still ends up spectating the event.</a:t>
+            </a:r>
           </a:p>
         </p:txBody>
       </p:sp>
@@ -5237,7 +5237,7 @@
     </p:spTree>
     <p:extLst>
       <p:ext uri="{BB962C8B-B14F-4D97-AF65-F5344CB8AC3E}">
-        <p14:creationId xmlns:p14="http://schemas.microsoft.com/office/powerpoint/2010/main" val="2880377860"/>
+        <p14:creationId xmlns:p14="http://schemas.microsoft.com/office/powerpoint/2010/main" val="1774579961"/>
       </p:ext>
     </p:extLst>
   </p:cSld>
@@ -21392,943 +21392,6 @@
         </p:nvSpPr>
         <p:spPr>
           <a:xfrm>
-            <a:off x="3538852" y="596835"/>
-            <a:ext cx="7282927" cy="1272158"/>
-          </a:xfrm>
-          <a:prstGeom prst="rect">
-            <a:avLst/>
-          </a:prstGeom>
-          <a:solidFill>
-            <a:schemeClr val="bg1"/>
-          </a:solidFill>
-          <a:ln w="28575" cap="flat" cmpd="sng">
-            <a:solidFill>
-              <a:schemeClr val="tx1"/>
-            </a:solidFill>
-            <a:prstDash val="solid"/>
-            <a:miter lim="800000"/>
-            <a:headEnd type="none" w="sm" len="sm"/>
-            <a:tailEnd type="none" w="sm" len="sm"/>
-          </a:ln>
-        </p:spPr>
-        <p:txBody>
-          <a:bodyPr spcFirstLastPara="1" wrap="square" lIns="91425" tIns="45700" rIns="91425" bIns="45700" anchor="ctr" anchorCtr="0">
-            <a:noAutofit/>
-          </a:bodyPr>
-          <a:lstStyle/>
-          <a:p>
-            <a:pPr algn="ctr">
-              <a:lnSpc>
-                <a:spcPct val="150000"/>
-              </a:lnSpc>
-              <a:spcAft>
-                <a:spcPts val="600"/>
-              </a:spcAft>
-            </a:pPr>
-            <a:endParaRPr lang="en-US" sz="1800" dirty="0">
-              <a:solidFill>
-                <a:srgbClr val="000000"/>
-              </a:solidFill>
-              <a:effectLst/>
-              <a:latin typeface="Calibri" panose="020F0502020204030204" pitchFamily="34" charset="0"/>
-              <a:ea typeface="Calibri" panose="020F0502020204030204" pitchFamily="34" charset="0"/>
-              <a:cs typeface="Calibri" panose="020F0502020204030204" pitchFamily="34" charset="0"/>
-            </a:endParaRPr>
-          </a:p>
-          <a:p>
-            <a:pPr algn="ctr">
-              <a:lnSpc>
-                <a:spcPct val="150000"/>
-              </a:lnSpc>
-              <a:spcAft>
-                <a:spcPts val="600"/>
-              </a:spcAft>
-            </a:pPr>
-            <a:r>
-              <a:rPr lang="en-US" sz="2200" dirty="0">
-                <a:solidFill>
-                  <a:srgbClr val="A3003C"/>
-                </a:solidFill>
-                <a:latin typeface="Bahnschrift SemiBold SemiConden" panose="020B0502040204020203" pitchFamily="34" charset="0"/>
-              </a:rPr>
-              <a:t>Topic 7</a:t>
-            </a:r>
-            <a:r>
-              <a:rPr lang="en-US" sz="2200" dirty="0">
-                <a:solidFill>
-                  <a:schemeClr val="tx1"/>
-                </a:solidFill>
-                <a:latin typeface="Bahnschrift SemiBold SemiConden" panose="020B0502040204020203" pitchFamily="34" charset="0"/>
-              </a:rPr>
-              <a:t>: sudou, </a:t>
-            </a:r>
-            <a:r>
-              <a:rPr lang="en-US" sz="2200" dirty="0" err="1">
-                <a:solidFill>
-                  <a:schemeClr val="tx1"/>
-                </a:solidFill>
-                <a:latin typeface="Bahnschrift SemiBold SemiConden" panose="020B0502040204020203" pitchFamily="34" charset="0"/>
-              </a:rPr>
-              <a:t>ike</a:t>
-            </a:r>
-            <a:r>
-              <a:rPr lang="en-US" sz="2200" dirty="0">
-                <a:solidFill>
-                  <a:schemeClr val="tx1"/>
-                </a:solidFill>
-                <a:latin typeface="Bahnschrift SemiBold SemiConden" panose="020B0502040204020203" pitchFamily="34" charset="0"/>
-              </a:rPr>
-              <a:t>, </a:t>
-            </a:r>
-            <a:r>
-              <a:rPr lang="en-US" sz="2200" dirty="0" err="1">
-                <a:solidFill>
-                  <a:schemeClr val="tx1"/>
-                </a:solidFill>
-                <a:latin typeface="Bahnschrift SemiBold SemiConden" panose="020B0502040204020203" pitchFamily="34" charset="0"/>
-              </a:rPr>
-              <a:t>yamauchi</a:t>
-            </a:r>
-            <a:r>
-              <a:rPr lang="en-US" sz="2200" dirty="0">
-                <a:solidFill>
-                  <a:schemeClr val="tx1"/>
-                </a:solidFill>
-                <a:latin typeface="Bahnschrift SemiBold SemiConden" panose="020B0502040204020203" pitchFamily="34" charset="0"/>
-              </a:rPr>
-              <a:t>, council, </a:t>
-            </a:r>
-            <a:r>
-              <a:rPr lang="en-US" sz="2200" strike="sngStrike" dirty="0">
-                <a:solidFill>
-                  <a:schemeClr val="tx1"/>
-                </a:solidFill>
-                <a:latin typeface="Bahnschrift SemiBold SemiConden" panose="020B0502040204020203" pitchFamily="34" charset="0"/>
-              </a:rPr>
-              <a:t>birthday</a:t>
-            </a:r>
-            <a:r>
-              <a:rPr lang="en-US" sz="2200" dirty="0">
-                <a:solidFill>
-                  <a:schemeClr val="tx1"/>
-                </a:solidFill>
-                <a:latin typeface="Bahnschrift SemiBold SemiConden" panose="020B0502040204020203" pitchFamily="34" charset="0"/>
-              </a:rPr>
-              <a:t>, …</a:t>
-            </a:r>
-          </a:p>
-        </p:txBody>
-      </p:sp>
-      <p:sp>
-        <p:nvSpPr>
-          <p:cNvPr id="11" name="Google Shape;106;p2">
-            <a:extLst>
-              <a:ext uri="{FF2B5EF4-FFF2-40B4-BE49-F238E27FC236}">
-                <a16:creationId xmlns:a16="http://schemas.microsoft.com/office/drawing/2014/main" id="{CA3F87FA-FBED-4E2B-861C-80BC01928B4F}"/>
-              </a:ext>
-            </a:extLst>
-          </p:cNvPr>
-          <p:cNvSpPr txBox="1"/>
-          <p:nvPr/>
-        </p:nvSpPr>
-        <p:spPr>
-          <a:xfrm>
-            <a:off x="202473" y="1421879"/>
-            <a:ext cx="1775400" cy="898800"/>
-          </a:xfrm>
-          <a:prstGeom prst="rect">
-            <a:avLst/>
-          </a:prstGeom>
-          <a:solidFill>
-            <a:schemeClr val="tx1"/>
-          </a:solidFill>
-          <a:ln w="12700" cap="flat" cmpd="sng">
-            <a:solidFill>
-              <a:srgbClr val="FFF1FF"/>
-            </a:solidFill>
-            <a:prstDash val="solid"/>
-            <a:miter lim="800000"/>
-            <a:headEnd type="none" w="sm" len="sm"/>
-            <a:tailEnd type="none" w="sm" len="sm"/>
-          </a:ln>
-        </p:spPr>
-        <p:txBody>
-          <a:bodyPr spcFirstLastPara="1" wrap="square" lIns="91425" tIns="45700" rIns="91425" bIns="45700" anchor="ctr" anchorCtr="0">
-            <a:noAutofit/>
-          </a:bodyPr>
-          <a:lstStyle/>
-          <a:p>
-            <a:pPr marL="0" marR="0" lvl="0" indent="0" algn="ctr" rtl="0">
-              <a:spcBef>
-                <a:spcPts val="0"/>
-              </a:spcBef>
-              <a:spcAft>
-                <a:spcPts val="0"/>
-              </a:spcAft>
-              <a:buNone/>
-            </a:pPr>
-            <a:r>
-              <a:rPr lang="en-GB" sz="1800" dirty="0">
-                <a:solidFill>
-                  <a:srgbClr val="FFF1FF"/>
-                </a:solidFill>
-              </a:rPr>
-              <a:t>Trimester 1</a:t>
-            </a:r>
-            <a:endParaRPr lang="en-GB" sz="1800" b="0" i="0" u="none" strike="noStrike" cap="none" dirty="0">
-              <a:solidFill>
-                <a:srgbClr val="FFF1FF"/>
-              </a:solidFill>
-              <a:latin typeface="Arial"/>
-              <a:ea typeface="Arial"/>
-              <a:cs typeface="Arial"/>
-              <a:sym typeface="Arial"/>
-            </a:endParaRPr>
-          </a:p>
-        </p:txBody>
-      </p:sp>
-      <p:sp>
-        <p:nvSpPr>
-          <p:cNvPr id="12" name="Google Shape;106;p2">
-            <a:extLst>
-              <a:ext uri="{FF2B5EF4-FFF2-40B4-BE49-F238E27FC236}">
-                <a16:creationId xmlns:a16="http://schemas.microsoft.com/office/drawing/2014/main" id="{43464C39-5F03-4E4E-ACCE-ADBC1E91BEDF}"/>
-              </a:ext>
-            </a:extLst>
-          </p:cNvPr>
-          <p:cNvSpPr txBox="1"/>
-          <p:nvPr/>
-        </p:nvSpPr>
-        <p:spPr>
-          <a:xfrm>
-            <a:off x="5417745" y="345031"/>
-            <a:ext cx="3525140" cy="750239"/>
-          </a:xfrm>
-          <a:prstGeom prst="rect">
-            <a:avLst/>
-          </a:prstGeom>
-          <a:solidFill>
-            <a:schemeClr val="tx1"/>
-          </a:solidFill>
-          <a:ln w="28575" cap="flat" cmpd="sng">
-            <a:solidFill>
-              <a:schemeClr val="tx1"/>
-            </a:solidFill>
-            <a:prstDash val="solid"/>
-            <a:miter lim="800000"/>
-            <a:headEnd type="none" w="sm" len="sm"/>
-            <a:tailEnd type="none" w="sm" len="sm"/>
-          </a:ln>
-        </p:spPr>
-        <p:txBody>
-          <a:bodyPr spcFirstLastPara="1" wrap="square" lIns="91425" tIns="45700" rIns="91425" bIns="45700" anchor="ctr" anchorCtr="0">
-            <a:noAutofit/>
-          </a:bodyPr>
-          <a:lstStyle/>
-          <a:p>
-            <a:pPr marR="0" lvl="0" algn="ctr" rtl="0">
-              <a:spcBef>
-                <a:spcPts val="0"/>
-              </a:spcBef>
-              <a:spcAft>
-                <a:spcPts val="0"/>
-              </a:spcAft>
-            </a:pPr>
-            <a:r>
-              <a:rPr lang="en-US" sz="2200" dirty="0">
-                <a:solidFill>
-                  <a:srgbClr val="E4007F"/>
-                </a:solidFill>
-                <a:latin typeface="Bahnschrift SemiBold SemiConden" panose="020B0502040204020203" pitchFamily="34" charset="0"/>
-              </a:rPr>
-              <a:t>T</a:t>
-            </a:r>
-            <a:r>
-              <a:rPr lang="en-US" sz="2200" dirty="0">
-                <a:solidFill>
-                  <a:schemeClr val="bg1"/>
-                </a:solidFill>
-                <a:latin typeface="Bahnschrift SemiBold SemiConden" panose="020B0502040204020203" pitchFamily="34" charset="0"/>
-              </a:rPr>
-              <a:t>op 5 Topic Clusters: </a:t>
-            </a:r>
-          </a:p>
-        </p:txBody>
-      </p:sp>
-      <p:sp>
-        <p:nvSpPr>
-          <p:cNvPr id="13" name="Google Shape;106;p2">
-            <a:extLst>
-              <a:ext uri="{FF2B5EF4-FFF2-40B4-BE49-F238E27FC236}">
-                <a16:creationId xmlns:a16="http://schemas.microsoft.com/office/drawing/2014/main" id="{19E299AC-801B-4772-A204-50C6AAAF4760}"/>
-              </a:ext>
-            </a:extLst>
-          </p:cNvPr>
-          <p:cNvSpPr txBox="1"/>
-          <p:nvPr/>
-        </p:nvSpPr>
-        <p:spPr>
-          <a:xfrm>
-            <a:off x="3538851" y="5572609"/>
-            <a:ext cx="7282927" cy="940360"/>
-          </a:xfrm>
-          <a:prstGeom prst="rect">
-            <a:avLst/>
-          </a:prstGeom>
-          <a:solidFill>
-            <a:schemeClr val="bg1"/>
-          </a:solidFill>
-          <a:ln w="28575" cap="flat" cmpd="sng">
-            <a:solidFill>
-              <a:schemeClr val="tx1"/>
-            </a:solidFill>
-            <a:prstDash val="solid"/>
-            <a:miter lim="800000"/>
-            <a:headEnd type="none" w="sm" len="sm"/>
-            <a:tailEnd type="none" w="sm" len="sm"/>
-          </a:ln>
-        </p:spPr>
-        <p:txBody>
-          <a:bodyPr spcFirstLastPara="1" wrap="square" lIns="91425" tIns="45700" rIns="91425" bIns="45700" anchor="ctr" anchorCtr="0">
-            <a:noAutofit/>
-          </a:bodyPr>
-          <a:lstStyle/>
-          <a:p>
-            <a:pPr algn="ctr">
-              <a:lnSpc>
-                <a:spcPct val="150000"/>
-              </a:lnSpc>
-              <a:spcAft>
-                <a:spcPts val="600"/>
-              </a:spcAft>
-            </a:pPr>
-            <a:r>
-              <a:rPr lang="en-US" sz="2100" dirty="0">
-                <a:solidFill>
-                  <a:srgbClr val="A3003C"/>
-                </a:solidFill>
-                <a:latin typeface="Bahnschrift SemiBold SemiConden" panose="020B0502040204020203" pitchFamily="34" charset="0"/>
-              </a:rPr>
-              <a:t>Topic 18</a:t>
-            </a:r>
-            <a:r>
-              <a:rPr lang="en-US" sz="2100" dirty="0">
-                <a:solidFill>
-                  <a:schemeClr val="tx1"/>
-                </a:solidFill>
-                <a:latin typeface="Bahnschrift SemiBold SemiConden" panose="020B0502040204020203" pitchFamily="34" charset="0"/>
-              </a:rPr>
-              <a:t>: hair, image, </a:t>
-            </a:r>
-            <a:r>
-              <a:rPr lang="en-US" sz="2100" dirty="0" err="1">
-                <a:solidFill>
-                  <a:schemeClr val="tx1"/>
-                </a:solidFill>
-                <a:latin typeface="Bahnschrift SemiBold SemiConden" panose="020B0502040204020203" pitchFamily="34" charset="0"/>
-              </a:rPr>
-              <a:t>kushida</a:t>
-            </a:r>
-            <a:r>
-              <a:rPr lang="en-US" sz="2100" dirty="0">
-                <a:solidFill>
-                  <a:schemeClr val="tx1"/>
-                </a:solidFill>
-                <a:latin typeface="Bahnschrift SemiBold SemiConden" panose="020B0502040204020203" pitchFamily="34" charset="0"/>
-              </a:rPr>
-              <a:t>, sudou, love, …</a:t>
-            </a:r>
-          </a:p>
-        </p:txBody>
-      </p:sp>
-      <p:sp>
-        <p:nvSpPr>
-          <p:cNvPr id="14" name="Google Shape;106;p2">
-            <a:extLst>
-              <a:ext uri="{FF2B5EF4-FFF2-40B4-BE49-F238E27FC236}">
-                <a16:creationId xmlns:a16="http://schemas.microsoft.com/office/drawing/2014/main" id="{EBACA58E-1256-46A7-A19B-9357228BE569}"/>
-              </a:ext>
-            </a:extLst>
-          </p:cNvPr>
-          <p:cNvSpPr txBox="1"/>
-          <p:nvPr/>
-        </p:nvSpPr>
-        <p:spPr>
-          <a:xfrm>
-            <a:off x="3538851" y="2120797"/>
-            <a:ext cx="7282927" cy="898800"/>
-          </a:xfrm>
-          <a:prstGeom prst="rect">
-            <a:avLst/>
-          </a:prstGeom>
-          <a:solidFill>
-            <a:schemeClr val="bg1"/>
-          </a:solidFill>
-          <a:ln w="28575" cap="flat" cmpd="sng">
-            <a:solidFill>
-              <a:schemeClr val="tx1"/>
-            </a:solidFill>
-            <a:prstDash val="solid"/>
-            <a:miter lim="800000"/>
-            <a:headEnd type="none" w="sm" len="sm"/>
-            <a:tailEnd type="none" w="sm" len="sm"/>
-          </a:ln>
-        </p:spPr>
-        <p:txBody>
-          <a:bodyPr spcFirstLastPara="1" wrap="square" lIns="91425" tIns="45700" rIns="91425" bIns="45700" anchor="ctr" anchorCtr="0">
-            <a:noAutofit/>
-          </a:bodyPr>
-          <a:lstStyle/>
-          <a:p>
-            <a:pPr algn="ctr">
-              <a:lnSpc>
-                <a:spcPct val="150000"/>
-              </a:lnSpc>
-              <a:spcAft>
-                <a:spcPts val="600"/>
-              </a:spcAft>
-            </a:pPr>
-            <a:r>
-              <a:rPr lang="en-US" sz="2200" dirty="0">
-                <a:solidFill>
-                  <a:srgbClr val="A3003C"/>
-                </a:solidFill>
-                <a:latin typeface="Bahnschrift SemiBold SemiConden" panose="020B0502040204020203" pitchFamily="34" charset="0"/>
-              </a:rPr>
-              <a:t>Topic 9</a:t>
-            </a:r>
-            <a:r>
-              <a:rPr lang="en-US" sz="2200" dirty="0">
-                <a:solidFill>
-                  <a:schemeClr val="tx1"/>
-                </a:solidFill>
-                <a:latin typeface="Bahnschrift SemiBold SemiConden" panose="020B0502040204020203" pitchFamily="34" charset="0"/>
-              </a:rPr>
-              <a:t>: karuizawa, </a:t>
-            </a:r>
-            <a:r>
-              <a:rPr lang="en-US" sz="2200" strike="sngStrike" dirty="0" err="1">
-                <a:solidFill>
-                  <a:schemeClr val="tx1"/>
-                </a:solidFill>
-                <a:latin typeface="Bahnschrift SemiBold SemiConden" panose="020B0502040204020203" pitchFamily="34" charset="0"/>
-              </a:rPr>
-              <a:t>nagumo</a:t>
-            </a:r>
-            <a:r>
-              <a:rPr lang="en-US" sz="2200" dirty="0">
-                <a:solidFill>
-                  <a:schemeClr val="tx1"/>
-                </a:solidFill>
-                <a:latin typeface="Bahnschrift SemiBold SemiConden" panose="020B0502040204020203" pitchFamily="34" charset="0"/>
-              </a:rPr>
-              <a:t>, </a:t>
-            </a:r>
-            <a:r>
-              <a:rPr lang="en-US" sz="2200" dirty="0" err="1">
-                <a:solidFill>
-                  <a:schemeClr val="tx1"/>
-                </a:solidFill>
-                <a:latin typeface="Bahnschrift SemiBold SemiConden" panose="020B0502040204020203" pitchFamily="34" charset="0"/>
-              </a:rPr>
-              <a:t>hirata</a:t>
-            </a:r>
-            <a:r>
-              <a:rPr lang="en-US" sz="2200" dirty="0">
-                <a:solidFill>
-                  <a:schemeClr val="tx1"/>
-                </a:solidFill>
-                <a:latin typeface="Bahnschrift SemiBold SemiConden" panose="020B0502040204020203" pitchFamily="34" charset="0"/>
-              </a:rPr>
-              <a:t>, date, love, …</a:t>
-            </a:r>
-          </a:p>
-        </p:txBody>
-      </p:sp>
-      <p:sp>
-        <p:nvSpPr>
-          <p:cNvPr id="15" name="Google Shape;106;p2">
-            <a:extLst>
-              <a:ext uri="{FF2B5EF4-FFF2-40B4-BE49-F238E27FC236}">
-                <a16:creationId xmlns:a16="http://schemas.microsoft.com/office/drawing/2014/main" id="{A4F1565C-CBDE-48D2-9629-1D300BB6168F}"/>
-              </a:ext>
-            </a:extLst>
-          </p:cNvPr>
-          <p:cNvSpPr txBox="1"/>
-          <p:nvPr/>
-        </p:nvSpPr>
-        <p:spPr>
-          <a:xfrm>
-            <a:off x="3538851" y="3271401"/>
-            <a:ext cx="7282927" cy="898800"/>
-          </a:xfrm>
-          <a:prstGeom prst="rect">
-            <a:avLst/>
-          </a:prstGeom>
-          <a:solidFill>
-            <a:schemeClr val="bg1"/>
-          </a:solidFill>
-          <a:ln w="28575" cap="flat" cmpd="sng">
-            <a:solidFill>
-              <a:schemeClr val="tx1"/>
-            </a:solidFill>
-            <a:prstDash val="solid"/>
-            <a:miter lim="800000"/>
-            <a:headEnd type="none" w="sm" len="sm"/>
-            <a:tailEnd type="none" w="sm" len="sm"/>
-          </a:ln>
-        </p:spPr>
-        <p:txBody>
-          <a:bodyPr spcFirstLastPara="1" wrap="square" lIns="91425" tIns="45700" rIns="91425" bIns="45700" anchor="ctr" anchorCtr="0">
-            <a:noAutofit/>
-          </a:bodyPr>
-          <a:lstStyle/>
-          <a:p>
-            <a:pPr algn="ctr">
-              <a:lnSpc>
-                <a:spcPct val="150000"/>
-              </a:lnSpc>
-              <a:spcAft>
-                <a:spcPts val="600"/>
-              </a:spcAft>
-            </a:pPr>
-            <a:r>
-              <a:rPr lang="en-US" sz="2100" dirty="0">
-                <a:solidFill>
-                  <a:srgbClr val="A3003C"/>
-                </a:solidFill>
-                <a:latin typeface="Bahnschrift SemiBold SemiConden" panose="020B0502040204020203" pitchFamily="34" charset="0"/>
-              </a:rPr>
-              <a:t>Topic 72</a:t>
-            </a:r>
-            <a:r>
-              <a:rPr lang="en-US" sz="2100" dirty="0">
-                <a:solidFill>
-                  <a:schemeClr val="tx1"/>
-                </a:solidFill>
-                <a:latin typeface="Bahnschrift SemiBold SemiConden" panose="020B0502040204020203" pitchFamily="34" charset="0"/>
-              </a:rPr>
-              <a:t>: </a:t>
-            </a:r>
-            <a:r>
-              <a:rPr lang="fr-FR" sz="2100" dirty="0">
-                <a:solidFill>
-                  <a:schemeClr val="tx1"/>
-                </a:solidFill>
-                <a:latin typeface="Bahnschrift SemiBold SemiConden" panose="020B0502040204020203" pitchFamily="34" charset="0"/>
-              </a:rPr>
-              <a:t>sensei, </a:t>
-            </a:r>
-            <a:r>
-              <a:rPr lang="fr-FR" sz="2100" dirty="0" err="1">
-                <a:solidFill>
-                  <a:schemeClr val="tx1"/>
-                </a:solidFill>
-                <a:latin typeface="Bahnschrift SemiBold SemiConden" panose="020B0502040204020203" pitchFamily="34" charset="0"/>
-              </a:rPr>
-              <a:t>reception</a:t>
-            </a:r>
-            <a:r>
-              <a:rPr lang="fr-FR" sz="2100" dirty="0">
-                <a:solidFill>
-                  <a:schemeClr val="tx1"/>
-                </a:solidFill>
-                <a:latin typeface="Bahnschrift SemiBold SemiConden" panose="020B0502040204020203" pitchFamily="34" charset="0"/>
-              </a:rPr>
-              <a:t>, </a:t>
-            </a:r>
-            <a:r>
-              <a:rPr lang="fr-FR" sz="2100" dirty="0" err="1">
-                <a:solidFill>
-                  <a:schemeClr val="tx1"/>
-                </a:solidFill>
-                <a:latin typeface="Bahnschrift SemiBold SemiConden" panose="020B0502040204020203" pitchFamily="34" charset="0"/>
-              </a:rPr>
-              <a:t>ayanokouji</a:t>
-            </a:r>
-            <a:r>
-              <a:rPr lang="fr-FR" sz="2100" dirty="0">
-                <a:solidFill>
-                  <a:schemeClr val="tx1"/>
-                </a:solidFill>
-                <a:latin typeface="Bahnschrift SemiBold SemiConden" panose="020B0502040204020203" pitchFamily="34" charset="0"/>
-              </a:rPr>
-              <a:t>, </a:t>
-            </a:r>
-            <a:r>
-              <a:rPr lang="fr-FR" sz="2100" dirty="0" err="1">
-                <a:solidFill>
-                  <a:schemeClr val="tx1"/>
-                </a:solidFill>
-                <a:latin typeface="Bahnschrift SemiBold SemiConden" panose="020B0502040204020203" pitchFamily="34" charset="0"/>
-              </a:rPr>
-              <a:t>sakayanagi</a:t>
-            </a:r>
-            <a:r>
-              <a:rPr lang="fr-FR" sz="2100" dirty="0">
-                <a:solidFill>
-                  <a:schemeClr val="tx1"/>
-                </a:solidFill>
-                <a:latin typeface="Bahnschrift SemiBold SemiConden" panose="020B0502040204020203" pitchFamily="34" charset="0"/>
-              </a:rPr>
-              <a:t>, permission</a:t>
-            </a:r>
-            <a:r>
-              <a:rPr lang="en-US" sz="2100" dirty="0">
-                <a:solidFill>
-                  <a:schemeClr val="tx1"/>
-                </a:solidFill>
-                <a:latin typeface="Bahnschrift SemiBold SemiConden" panose="020B0502040204020203" pitchFamily="34" charset="0"/>
-              </a:rPr>
-              <a:t>, …</a:t>
-            </a:r>
-          </a:p>
-        </p:txBody>
-      </p:sp>
-      <p:sp>
-        <p:nvSpPr>
-          <p:cNvPr id="16" name="Google Shape;106;p2">
-            <a:extLst>
-              <a:ext uri="{FF2B5EF4-FFF2-40B4-BE49-F238E27FC236}">
-                <a16:creationId xmlns:a16="http://schemas.microsoft.com/office/drawing/2014/main" id="{522027D1-58C3-4EC3-AB51-7ED7CF236577}"/>
-              </a:ext>
-            </a:extLst>
-          </p:cNvPr>
-          <p:cNvSpPr txBox="1"/>
-          <p:nvPr/>
-        </p:nvSpPr>
-        <p:spPr>
-          <a:xfrm>
-            <a:off x="3538851" y="4422005"/>
-            <a:ext cx="7282927" cy="898800"/>
-          </a:xfrm>
-          <a:prstGeom prst="rect">
-            <a:avLst/>
-          </a:prstGeom>
-          <a:solidFill>
-            <a:schemeClr val="bg1"/>
-          </a:solidFill>
-          <a:ln w="28575" cap="flat" cmpd="sng">
-            <a:solidFill>
-              <a:schemeClr val="tx1"/>
-            </a:solidFill>
-            <a:prstDash val="solid"/>
-            <a:miter lim="800000"/>
-            <a:headEnd type="none" w="sm" len="sm"/>
-            <a:tailEnd type="none" w="sm" len="sm"/>
-          </a:ln>
-        </p:spPr>
-        <p:txBody>
-          <a:bodyPr spcFirstLastPara="1" wrap="square" lIns="91425" tIns="45700" rIns="91425" bIns="45700" anchor="ctr" anchorCtr="0">
-            <a:noAutofit/>
-          </a:bodyPr>
-          <a:lstStyle/>
-          <a:p>
-            <a:pPr algn="ctr">
-              <a:lnSpc>
-                <a:spcPct val="150000"/>
-              </a:lnSpc>
-              <a:spcAft>
-                <a:spcPts val="600"/>
-              </a:spcAft>
-            </a:pPr>
-            <a:r>
-              <a:rPr lang="en-US" sz="2100" dirty="0">
-                <a:solidFill>
-                  <a:srgbClr val="A3003C"/>
-                </a:solidFill>
-                <a:latin typeface="Bahnschrift SemiBold SemiConden" panose="020B0502040204020203" pitchFamily="34" charset="0"/>
-              </a:rPr>
-              <a:t>Topic 64</a:t>
-            </a:r>
-            <a:r>
-              <a:rPr lang="en-US" sz="2100" dirty="0">
-                <a:solidFill>
-                  <a:schemeClr val="tx1"/>
-                </a:solidFill>
-                <a:latin typeface="Bahnschrift SemiBold SemiConden" panose="020B0502040204020203" pitchFamily="34" charset="0"/>
-              </a:rPr>
-              <a:t>: </a:t>
-            </a:r>
-            <a:r>
-              <a:rPr lang="en-GB" sz="2100" dirty="0">
-                <a:solidFill>
-                  <a:schemeClr val="tx1"/>
-                </a:solidFill>
-                <a:latin typeface="Bahnschrift SemiBold SemiConden" panose="020B0502040204020203" pitchFamily="34" charset="0"/>
-              </a:rPr>
-              <a:t>changing, </a:t>
-            </a:r>
-            <a:r>
-              <a:rPr lang="en-GB" sz="2100" dirty="0" err="1">
-                <a:solidFill>
-                  <a:schemeClr val="tx1"/>
-                </a:solidFill>
-                <a:latin typeface="Bahnschrift SemiBold SemiConden" panose="020B0502040204020203" pitchFamily="34" charset="0"/>
-              </a:rPr>
-              <a:t>ike</a:t>
-            </a:r>
-            <a:r>
-              <a:rPr lang="en-GB" sz="2100" dirty="0">
-                <a:solidFill>
-                  <a:schemeClr val="tx1"/>
-                </a:solidFill>
-                <a:latin typeface="Bahnschrift SemiBold SemiConden" panose="020B0502040204020203" pitchFamily="34" charset="0"/>
-              </a:rPr>
-              <a:t>, </a:t>
-            </a:r>
-            <a:r>
-              <a:rPr lang="en-GB" sz="2100" strike="sngStrike" dirty="0">
-                <a:solidFill>
-                  <a:schemeClr val="tx1"/>
-                </a:solidFill>
-                <a:latin typeface="Bahnschrift SemiBold SemiConden" panose="020B0502040204020203" pitchFamily="34" charset="0"/>
-              </a:rPr>
-              <a:t>car</a:t>
-            </a:r>
-            <a:r>
-              <a:rPr lang="en-GB" sz="2100" dirty="0">
-                <a:solidFill>
-                  <a:schemeClr val="tx1"/>
-                </a:solidFill>
-                <a:latin typeface="Bahnschrift SemiBold SemiConden" panose="020B0502040204020203" pitchFamily="34" charset="0"/>
-              </a:rPr>
-              <a:t>, peeping, pool</a:t>
-            </a:r>
-            <a:r>
-              <a:rPr lang="en-US" sz="2100" dirty="0">
-                <a:solidFill>
-                  <a:schemeClr val="tx1"/>
-                </a:solidFill>
-                <a:latin typeface="Bahnschrift SemiBold SemiConden" panose="020B0502040204020203" pitchFamily="34" charset="0"/>
-              </a:rPr>
-              <a:t>, …</a:t>
-            </a:r>
-          </a:p>
-        </p:txBody>
-      </p:sp>
-    </p:spTree>
-    <p:extLst>
-      <p:ext uri="{BB962C8B-B14F-4D97-AF65-F5344CB8AC3E}">
-        <p14:creationId xmlns:p14="http://schemas.microsoft.com/office/powerpoint/2010/main" val="4084729461"/>
-      </p:ext>
-    </p:extLst>
-  </p:cSld>
-  <p:clrMapOvr>
-    <a:masterClrMapping/>
-  </p:clrMapOvr>
-</p:sld>
-</file>
-
-<file path=ppt/slides/slide19.xml><?xml version="1.0" encoding="utf-8"?>
-<p:sld xmlns:a="http://schemas.openxmlformats.org/drawingml/2006/main" xmlns:r="http://schemas.openxmlformats.org/officeDocument/2006/relationships" xmlns:p="http://schemas.openxmlformats.org/presentationml/2006/main">
-  <p:cSld>
-    <p:bg>
-      <p:bgPr>
-        <a:blipFill dpi="0" rotWithShape="1">
-          <a:blip r:embed="rId3">
-            <a:lum/>
-          </a:blip>
-          <a:srcRect/>
-          <a:stretch>
-            <a:fillRect/>
-          </a:stretch>
-        </a:blipFill>
-        <a:effectLst/>
-      </p:bgPr>
-    </p:bg>
-    <p:spTree>
-      <p:nvGrpSpPr>
-        <p:cNvPr id="1" name="Shape 88"/>
-        <p:cNvGrpSpPr/>
-        <p:nvPr/>
-      </p:nvGrpSpPr>
-      <p:grpSpPr>
-        <a:xfrm>
-          <a:off x="0" y="0"/>
-          <a:ext cx="0" cy="0"/>
-          <a:chOff x="0" y="0"/>
-          <a:chExt cx="0" cy="0"/>
-        </a:xfrm>
-      </p:grpSpPr>
-      <p:sp>
-        <p:nvSpPr>
-          <p:cNvPr id="2" name="Google Shape;106;p2">
-            <a:extLst>
-              <a:ext uri="{FF2B5EF4-FFF2-40B4-BE49-F238E27FC236}">
-                <a16:creationId xmlns:a16="http://schemas.microsoft.com/office/drawing/2014/main" id="{96FFF3BD-A299-4DD3-888C-7149AB19FA4E}"/>
-              </a:ext>
-            </a:extLst>
-          </p:cNvPr>
-          <p:cNvSpPr txBox="1"/>
-          <p:nvPr/>
-        </p:nvSpPr>
-        <p:spPr>
-          <a:xfrm>
-            <a:off x="202473" y="345031"/>
-            <a:ext cx="1775400" cy="898800"/>
-          </a:xfrm>
-          <a:prstGeom prst="rect">
-            <a:avLst/>
-          </a:prstGeom>
-          <a:solidFill>
-            <a:schemeClr val="tx1"/>
-          </a:solidFill>
-          <a:ln w="12700" cap="flat" cmpd="sng">
-            <a:solidFill>
-              <a:srgbClr val="FFF1FF"/>
-            </a:solidFill>
-            <a:prstDash val="solid"/>
-            <a:miter lim="800000"/>
-            <a:headEnd type="none" w="sm" len="sm"/>
-            <a:tailEnd type="none" w="sm" len="sm"/>
-          </a:ln>
-        </p:spPr>
-        <p:txBody>
-          <a:bodyPr spcFirstLastPara="1" wrap="square" lIns="91425" tIns="45700" rIns="91425" bIns="45700" anchor="ctr" anchorCtr="0">
-            <a:noAutofit/>
-          </a:bodyPr>
-          <a:lstStyle/>
-          <a:p>
-            <a:pPr marL="0" marR="0" lvl="0" indent="0" algn="ctr" rtl="0">
-              <a:spcBef>
-                <a:spcPts val="0"/>
-              </a:spcBef>
-              <a:spcAft>
-                <a:spcPts val="0"/>
-              </a:spcAft>
-              <a:buNone/>
-            </a:pPr>
-            <a:r>
-              <a:rPr lang="en-GB" sz="1800" dirty="0">
-                <a:solidFill>
-                  <a:srgbClr val="FFF1FF"/>
-                </a:solidFill>
-              </a:rPr>
-              <a:t>Results &amp;</a:t>
-            </a:r>
-          </a:p>
-          <a:p>
-            <a:pPr marL="0" marR="0" lvl="0" indent="0" algn="ctr" rtl="0">
-              <a:spcBef>
-                <a:spcPts val="0"/>
-              </a:spcBef>
-              <a:spcAft>
-                <a:spcPts val="0"/>
-              </a:spcAft>
-              <a:buNone/>
-            </a:pPr>
-            <a:r>
-              <a:rPr lang="en-GB" sz="1800" dirty="0">
-                <a:solidFill>
-                  <a:srgbClr val="FFF1FF"/>
-                </a:solidFill>
-              </a:rPr>
-              <a:t>Discussion</a:t>
-            </a:r>
-            <a:endParaRPr lang="en-GB" sz="1800" b="0" i="0" u="none" strike="noStrike" cap="none" dirty="0">
-              <a:solidFill>
-                <a:srgbClr val="FFF1FF"/>
-              </a:solidFill>
-              <a:latin typeface="Arial"/>
-              <a:ea typeface="Arial"/>
-              <a:cs typeface="Arial"/>
-              <a:sym typeface="Arial"/>
-            </a:endParaRPr>
-          </a:p>
-        </p:txBody>
-      </p:sp>
-      <p:sp>
-        <p:nvSpPr>
-          <p:cNvPr id="3" name="Google Shape;196;p7">
-            <a:extLst>
-              <a:ext uri="{FF2B5EF4-FFF2-40B4-BE49-F238E27FC236}">
-                <a16:creationId xmlns:a16="http://schemas.microsoft.com/office/drawing/2014/main" id="{9DBA3090-01C3-4E55-A462-82BFFFF28F2C}"/>
-              </a:ext>
-            </a:extLst>
-          </p:cNvPr>
-          <p:cNvSpPr txBox="1"/>
-          <p:nvPr/>
-        </p:nvSpPr>
-        <p:spPr>
-          <a:xfrm>
-            <a:off x="202473" y="5614169"/>
-            <a:ext cx="1775400" cy="898800"/>
-          </a:xfrm>
-          <a:prstGeom prst="rect">
-            <a:avLst/>
-          </a:prstGeom>
-          <a:solidFill>
-            <a:schemeClr val="tx1"/>
-          </a:solidFill>
-          <a:ln w="12700" cap="flat" cmpd="sng">
-            <a:solidFill>
-              <a:srgbClr val="FFF1FF"/>
-            </a:solidFill>
-            <a:prstDash val="solid"/>
-            <a:miter lim="800000"/>
-            <a:headEnd type="none" w="sm" len="sm"/>
-            <a:tailEnd type="none" w="sm" len="sm"/>
-          </a:ln>
-        </p:spPr>
-        <p:txBody>
-          <a:bodyPr spcFirstLastPara="1" wrap="square" lIns="91425" tIns="45700" rIns="91425" bIns="45700" anchor="ctr" anchorCtr="0">
-            <a:noAutofit/>
-          </a:bodyPr>
-          <a:lstStyle>
-            <a:defPPr marR="0" lvl="0" algn="l" rtl="0">
-              <a:lnSpc>
-                <a:spcPct val="100000"/>
-              </a:lnSpc>
-              <a:spcBef>
-                <a:spcPts val="0"/>
-              </a:spcBef>
-              <a:spcAft>
-                <a:spcPts val="0"/>
-              </a:spcAft>
-              <a:defRPr/>
-            </a:defPPr>
-            <a:lvl1pPr marL="0" indent="0" algn="ctr">
-              <a:buNone/>
-              <a:defRPr sz="2000">
-                <a:solidFill>
-                  <a:srgbClr val="FFD13F"/>
-                </a:solidFill>
-              </a:defRPr>
-            </a:lvl1pPr>
-          </a:lstStyle>
-          <a:p>
-            <a:fld id="{00000000-1234-1234-1234-123412341234}" type="slidenum">
-              <a:rPr lang="en-GB">
-                <a:solidFill>
-                  <a:srgbClr val="FFF1FF"/>
-                </a:solidFill>
-              </a:rPr>
-              <a:pPr/>
-              <a:t>19</a:t>
-            </a:fld>
-            <a:endParaRPr dirty="0">
-              <a:solidFill>
-                <a:srgbClr val="FFF1FF"/>
-              </a:solidFill>
-            </a:endParaRPr>
-          </a:p>
-        </p:txBody>
-      </p:sp>
-      <p:sp>
-        <p:nvSpPr>
-          <p:cNvPr id="7" name="Google Shape;106;p2">
-            <a:extLst>
-              <a:ext uri="{FF2B5EF4-FFF2-40B4-BE49-F238E27FC236}">
-                <a16:creationId xmlns:a16="http://schemas.microsoft.com/office/drawing/2014/main" id="{7B56B33E-CAEC-4D6E-B6AC-0212E4DBFAEE}"/>
-              </a:ext>
-            </a:extLst>
-          </p:cNvPr>
-          <p:cNvSpPr txBox="1"/>
-          <p:nvPr/>
-        </p:nvSpPr>
-        <p:spPr>
-          <a:xfrm>
             <a:off x="3438368" y="2782005"/>
             <a:ext cx="7282927" cy="1293990"/>
           </a:xfrm>
@@ -22672,6 +21735,943 @@
 </p:sld>
 </file>
 
+<file path=ppt/slides/slide19.xml><?xml version="1.0" encoding="utf-8"?>
+<p:sld xmlns:a="http://schemas.openxmlformats.org/drawingml/2006/main" xmlns:r="http://schemas.openxmlformats.org/officeDocument/2006/relationships" xmlns:p="http://schemas.openxmlformats.org/presentationml/2006/main">
+  <p:cSld>
+    <p:bg>
+      <p:bgPr>
+        <a:blipFill dpi="0" rotWithShape="1">
+          <a:blip r:embed="rId3">
+            <a:lum/>
+          </a:blip>
+          <a:srcRect/>
+          <a:stretch>
+            <a:fillRect/>
+          </a:stretch>
+        </a:blipFill>
+        <a:effectLst/>
+      </p:bgPr>
+    </p:bg>
+    <p:spTree>
+      <p:nvGrpSpPr>
+        <p:cNvPr id="1" name="Shape 88"/>
+        <p:cNvGrpSpPr/>
+        <p:nvPr/>
+      </p:nvGrpSpPr>
+      <p:grpSpPr>
+        <a:xfrm>
+          <a:off x="0" y="0"/>
+          <a:ext cx="0" cy="0"/>
+          <a:chOff x="0" y="0"/>
+          <a:chExt cx="0" cy="0"/>
+        </a:xfrm>
+      </p:grpSpPr>
+      <p:sp>
+        <p:nvSpPr>
+          <p:cNvPr id="2" name="Google Shape;106;p2">
+            <a:extLst>
+              <a:ext uri="{FF2B5EF4-FFF2-40B4-BE49-F238E27FC236}">
+                <a16:creationId xmlns:a16="http://schemas.microsoft.com/office/drawing/2014/main" id="{96FFF3BD-A299-4DD3-888C-7149AB19FA4E}"/>
+              </a:ext>
+            </a:extLst>
+          </p:cNvPr>
+          <p:cNvSpPr txBox="1"/>
+          <p:nvPr/>
+        </p:nvSpPr>
+        <p:spPr>
+          <a:xfrm>
+            <a:off x="202473" y="345031"/>
+            <a:ext cx="1775400" cy="898800"/>
+          </a:xfrm>
+          <a:prstGeom prst="rect">
+            <a:avLst/>
+          </a:prstGeom>
+          <a:solidFill>
+            <a:schemeClr val="tx1"/>
+          </a:solidFill>
+          <a:ln w="12700" cap="flat" cmpd="sng">
+            <a:solidFill>
+              <a:srgbClr val="FFF1FF"/>
+            </a:solidFill>
+            <a:prstDash val="solid"/>
+            <a:miter lim="800000"/>
+            <a:headEnd type="none" w="sm" len="sm"/>
+            <a:tailEnd type="none" w="sm" len="sm"/>
+          </a:ln>
+        </p:spPr>
+        <p:txBody>
+          <a:bodyPr spcFirstLastPara="1" wrap="square" lIns="91425" tIns="45700" rIns="91425" bIns="45700" anchor="ctr" anchorCtr="0">
+            <a:noAutofit/>
+          </a:bodyPr>
+          <a:lstStyle/>
+          <a:p>
+            <a:pPr marL="0" marR="0" lvl="0" indent="0" algn="ctr" rtl="0">
+              <a:spcBef>
+                <a:spcPts val="0"/>
+              </a:spcBef>
+              <a:spcAft>
+                <a:spcPts val="0"/>
+              </a:spcAft>
+              <a:buNone/>
+            </a:pPr>
+            <a:r>
+              <a:rPr lang="en-GB" sz="1800" dirty="0">
+                <a:solidFill>
+                  <a:srgbClr val="FFF1FF"/>
+                </a:solidFill>
+              </a:rPr>
+              <a:t>Results &amp;</a:t>
+            </a:r>
+          </a:p>
+          <a:p>
+            <a:pPr marL="0" marR="0" lvl="0" indent="0" algn="ctr" rtl="0">
+              <a:spcBef>
+                <a:spcPts val="0"/>
+              </a:spcBef>
+              <a:spcAft>
+                <a:spcPts val="0"/>
+              </a:spcAft>
+              <a:buNone/>
+            </a:pPr>
+            <a:r>
+              <a:rPr lang="en-GB" sz="1800" dirty="0">
+                <a:solidFill>
+                  <a:srgbClr val="FFF1FF"/>
+                </a:solidFill>
+              </a:rPr>
+              <a:t>Discussion</a:t>
+            </a:r>
+            <a:endParaRPr lang="en-GB" sz="1800" b="0" i="0" u="none" strike="noStrike" cap="none" dirty="0">
+              <a:solidFill>
+                <a:srgbClr val="FFF1FF"/>
+              </a:solidFill>
+              <a:latin typeface="Arial"/>
+              <a:ea typeface="Arial"/>
+              <a:cs typeface="Arial"/>
+              <a:sym typeface="Arial"/>
+            </a:endParaRPr>
+          </a:p>
+        </p:txBody>
+      </p:sp>
+      <p:sp>
+        <p:nvSpPr>
+          <p:cNvPr id="3" name="Google Shape;196;p7">
+            <a:extLst>
+              <a:ext uri="{FF2B5EF4-FFF2-40B4-BE49-F238E27FC236}">
+                <a16:creationId xmlns:a16="http://schemas.microsoft.com/office/drawing/2014/main" id="{9DBA3090-01C3-4E55-A462-82BFFFF28F2C}"/>
+              </a:ext>
+            </a:extLst>
+          </p:cNvPr>
+          <p:cNvSpPr txBox="1"/>
+          <p:nvPr/>
+        </p:nvSpPr>
+        <p:spPr>
+          <a:xfrm>
+            <a:off x="202473" y="5614169"/>
+            <a:ext cx="1775400" cy="898800"/>
+          </a:xfrm>
+          <a:prstGeom prst="rect">
+            <a:avLst/>
+          </a:prstGeom>
+          <a:solidFill>
+            <a:schemeClr val="tx1"/>
+          </a:solidFill>
+          <a:ln w="12700" cap="flat" cmpd="sng">
+            <a:solidFill>
+              <a:srgbClr val="FFF1FF"/>
+            </a:solidFill>
+            <a:prstDash val="solid"/>
+            <a:miter lim="800000"/>
+            <a:headEnd type="none" w="sm" len="sm"/>
+            <a:tailEnd type="none" w="sm" len="sm"/>
+          </a:ln>
+        </p:spPr>
+        <p:txBody>
+          <a:bodyPr spcFirstLastPara="1" wrap="square" lIns="91425" tIns="45700" rIns="91425" bIns="45700" anchor="ctr" anchorCtr="0">
+            <a:noAutofit/>
+          </a:bodyPr>
+          <a:lstStyle>
+            <a:defPPr marR="0" lvl="0" algn="l" rtl="0">
+              <a:lnSpc>
+                <a:spcPct val="100000"/>
+              </a:lnSpc>
+              <a:spcBef>
+                <a:spcPts val="0"/>
+              </a:spcBef>
+              <a:spcAft>
+                <a:spcPts val="0"/>
+              </a:spcAft>
+              <a:defRPr/>
+            </a:defPPr>
+            <a:lvl1pPr marL="0" indent="0" algn="ctr">
+              <a:buNone/>
+              <a:defRPr sz="2000">
+                <a:solidFill>
+                  <a:srgbClr val="FFD13F"/>
+                </a:solidFill>
+              </a:defRPr>
+            </a:lvl1pPr>
+          </a:lstStyle>
+          <a:p>
+            <a:fld id="{00000000-1234-1234-1234-123412341234}" type="slidenum">
+              <a:rPr lang="en-GB">
+                <a:solidFill>
+                  <a:srgbClr val="FFF1FF"/>
+                </a:solidFill>
+              </a:rPr>
+              <a:pPr/>
+              <a:t>19</a:t>
+            </a:fld>
+            <a:endParaRPr dirty="0">
+              <a:solidFill>
+                <a:srgbClr val="FFF1FF"/>
+              </a:solidFill>
+            </a:endParaRPr>
+          </a:p>
+        </p:txBody>
+      </p:sp>
+      <p:sp>
+        <p:nvSpPr>
+          <p:cNvPr id="7" name="Google Shape;106;p2">
+            <a:extLst>
+              <a:ext uri="{FF2B5EF4-FFF2-40B4-BE49-F238E27FC236}">
+                <a16:creationId xmlns:a16="http://schemas.microsoft.com/office/drawing/2014/main" id="{7B56B33E-CAEC-4D6E-B6AC-0212E4DBFAEE}"/>
+              </a:ext>
+            </a:extLst>
+          </p:cNvPr>
+          <p:cNvSpPr txBox="1"/>
+          <p:nvPr/>
+        </p:nvSpPr>
+        <p:spPr>
+          <a:xfrm>
+            <a:off x="3538852" y="596835"/>
+            <a:ext cx="7282927" cy="1272158"/>
+          </a:xfrm>
+          <a:prstGeom prst="rect">
+            <a:avLst/>
+          </a:prstGeom>
+          <a:solidFill>
+            <a:schemeClr val="bg1"/>
+          </a:solidFill>
+          <a:ln w="28575" cap="flat" cmpd="sng">
+            <a:solidFill>
+              <a:schemeClr val="tx1"/>
+            </a:solidFill>
+            <a:prstDash val="solid"/>
+            <a:miter lim="800000"/>
+            <a:headEnd type="none" w="sm" len="sm"/>
+            <a:tailEnd type="none" w="sm" len="sm"/>
+          </a:ln>
+        </p:spPr>
+        <p:txBody>
+          <a:bodyPr spcFirstLastPara="1" wrap="square" lIns="91425" tIns="45700" rIns="91425" bIns="45700" anchor="ctr" anchorCtr="0">
+            <a:noAutofit/>
+          </a:bodyPr>
+          <a:lstStyle/>
+          <a:p>
+            <a:pPr algn="ctr">
+              <a:lnSpc>
+                <a:spcPct val="150000"/>
+              </a:lnSpc>
+              <a:spcAft>
+                <a:spcPts val="600"/>
+              </a:spcAft>
+            </a:pPr>
+            <a:endParaRPr lang="en-US" sz="1800" dirty="0">
+              <a:solidFill>
+                <a:srgbClr val="000000"/>
+              </a:solidFill>
+              <a:effectLst/>
+              <a:latin typeface="Calibri" panose="020F0502020204030204" pitchFamily="34" charset="0"/>
+              <a:ea typeface="Calibri" panose="020F0502020204030204" pitchFamily="34" charset="0"/>
+              <a:cs typeface="Calibri" panose="020F0502020204030204" pitchFamily="34" charset="0"/>
+            </a:endParaRPr>
+          </a:p>
+          <a:p>
+            <a:pPr algn="ctr">
+              <a:lnSpc>
+                <a:spcPct val="150000"/>
+              </a:lnSpc>
+              <a:spcAft>
+                <a:spcPts val="600"/>
+              </a:spcAft>
+            </a:pPr>
+            <a:r>
+              <a:rPr lang="en-US" sz="2200" dirty="0">
+                <a:solidFill>
+                  <a:srgbClr val="A3003C"/>
+                </a:solidFill>
+                <a:latin typeface="Bahnschrift SemiBold SemiConden" panose="020B0502040204020203" pitchFamily="34" charset="0"/>
+              </a:rPr>
+              <a:t>Topic 7</a:t>
+            </a:r>
+            <a:r>
+              <a:rPr lang="en-US" sz="2200" dirty="0">
+                <a:solidFill>
+                  <a:schemeClr val="tx1"/>
+                </a:solidFill>
+                <a:latin typeface="Bahnschrift SemiBold SemiConden" panose="020B0502040204020203" pitchFamily="34" charset="0"/>
+              </a:rPr>
+              <a:t>: sudou, </a:t>
+            </a:r>
+            <a:r>
+              <a:rPr lang="en-US" sz="2200" dirty="0" err="1">
+                <a:solidFill>
+                  <a:schemeClr val="tx1"/>
+                </a:solidFill>
+                <a:latin typeface="Bahnschrift SemiBold SemiConden" panose="020B0502040204020203" pitchFamily="34" charset="0"/>
+              </a:rPr>
+              <a:t>ike</a:t>
+            </a:r>
+            <a:r>
+              <a:rPr lang="en-US" sz="2200" dirty="0">
+                <a:solidFill>
+                  <a:schemeClr val="tx1"/>
+                </a:solidFill>
+                <a:latin typeface="Bahnschrift SemiBold SemiConden" panose="020B0502040204020203" pitchFamily="34" charset="0"/>
+              </a:rPr>
+              <a:t>, </a:t>
+            </a:r>
+            <a:r>
+              <a:rPr lang="en-US" sz="2200" dirty="0" err="1">
+                <a:solidFill>
+                  <a:schemeClr val="tx1"/>
+                </a:solidFill>
+                <a:latin typeface="Bahnschrift SemiBold SemiConden" panose="020B0502040204020203" pitchFamily="34" charset="0"/>
+              </a:rPr>
+              <a:t>yamauchi</a:t>
+            </a:r>
+            <a:r>
+              <a:rPr lang="en-US" sz="2200" dirty="0">
+                <a:solidFill>
+                  <a:schemeClr val="tx1"/>
+                </a:solidFill>
+                <a:latin typeface="Bahnschrift SemiBold SemiConden" panose="020B0502040204020203" pitchFamily="34" charset="0"/>
+              </a:rPr>
+              <a:t>, council, </a:t>
+            </a:r>
+            <a:r>
+              <a:rPr lang="en-US" sz="2200" strike="sngStrike" dirty="0">
+                <a:solidFill>
+                  <a:schemeClr val="tx1"/>
+                </a:solidFill>
+                <a:latin typeface="Bahnschrift SemiBold SemiConden" panose="020B0502040204020203" pitchFamily="34" charset="0"/>
+              </a:rPr>
+              <a:t>birthday</a:t>
+            </a:r>
+            <a:r>
+              <a:rPr lang="en-US" sz="2200" dirty="0">
+                <a:solidFill>
+                  <a:schemeClr val="tx1"/>
+                </a:solidFill>
+                <a:latin typeface="Bahnschrift SemiBold SemiConden" panose="020B0502040204020203" pitchFamily="34" charset="0"/>
+              </a:rPr>
+              <a:t>, …</a:t>
+            </a:r>
+          </a:p>
+        </p:txBody>
+      </p:sp>
+      <p:sp>
+        <p:nvSpPr>
+          <p:cNvPr id="11" name="Google Shape;106;p2">
+            <a:extLst>
+              <a:ext uri="{FF2B5EF4-FFF2-40B4-BE49-F238E27FC236}">
+                <a16:creationId xmlns:a16="http://schemas.microsoft.com/office/drawing/2014/main" id="{CA3F87FA-FBED-4E2B-861C-80BC01928B4F}"/>
+              </a:ext>
+            </a:extLst>
+          </p:cNvPr>
+          <p:cNvSpPr txBox="1"/>
+          <p:nvPr/>
+        </p:nvSpPr>
+        <p:spPr>
+          <a:xfrm>
+            <a:off x="202473" y="1421879"/>
+            <a:ext cx="1775400" cy="898800"/>
+          </a:xfrm>
+          <a:prstGeom prst="rect">
+            <a:avLst/>
+          </a:prstGeom>
+          <a:solidFill>
+            <a:schemeClr val="tx1"/>
+          </a:solidFill>
+          <a:ln w="12700" cap="flat" cmpd="sng">
+            <a:solidFill>
+              <a:srgbClr val="FFF1FF"/>
+            </a:solidFill>
+            <a:prstDash val="solid"/>
+            <a:miter lim="800000"/>
+            <a:headEnd type="none" w="sm" len="sm"/>
+            <a:tailEnd type="none" w="sm" len="sm"/>
+          </a:ln>
+        </p:spPr>
+        <p:txBody>
+          <a:bodyPr spcFirstLastPara="1" wrap="square" lIns="91425" tIns="45700" rIns="91425" bIns="45700" anchor="ctr" anchorCtr="0">
+            <a:noAutofit/>
+          </a:bodyPr>
+          <a:lstStyle/>
+          <a:p>
+            <a:pPr marL="0" marR="0" lvl="0" indent="0" algn="ctr" rtl="0">
+              <a:spcBef>
+                <a:spcPts val="0"/>
+              </a:spcBef>
+              <a:spcAft>
+                <a:spcPts val="0"/>
+              </a:spcAft>
+              <a:buNone/>
+            </a:pPr>
+            <a:r>
+              <a:rPr lang="en-GB" sz="1800" dirty="0">
+                <a:solidFill>
+                  <a:srgbClr val="FFF1FF"/>
+                </a:solidFill>
+              </a:rPr>
+              <a:t>Trimester 1</a:t>
+            </a:r>
+            <a:endParaRPr lang="en-GB" sz="1800" b="0" i="0" u="none" strike="noStrike" cap="none" dirty="0">
+              <a:solidFill>
+                <a:srgbClr val="FFF1FF"/>
+              </a:solidFill>
+              <a:latin typeface="Arial"/>
+              <a:ea typeface="Arial"/>
+              <a:cs typeface="Arial"/>
+              <a:sym typeface="Arial"/>
+            </a:endParaRPr>
+          </a:p>
+        </p:txBody>
+      </p:sp>
+      <p:sp>
+        <p:nvSpPr>
+          <p:cNvPr id="12" name="Google Shape;106;p2">
+            <a:extLst>
+              <a:ext uri="{FF2B5EF4-FFF2-40B4-BE49-F238E27FC236}">
+                <a16:creationId xmlns:a16="http://schemas.microsoft.com/office/drawing/2014/main" id="{43464C39-5F03-4E4E-ACCE-ADBC1E91BEDF}"/>
+              </a:ext>
+            </a:extLst>
+          </p:cNvPr>
+          <p:cNvSpPr txBox="1"/>
+          <p:nvPr/>
+        </p:nvSpPr>
+        <p:spPr>
+          <a:xfrm>
+            <a:off x="5417745" y="345031"/>
+            <a:ext cx="3525140" cy="750239"/>
+          </a:xfrm>
+          <a:prstGeom prst="rect">
+            <a:avLst/>
+          </a:prstGeom>
+          <a:solidFill>
+            <a:schemeClr val="tx1"/>
+          </a:solidFill>
+          <a:ln w="28575" cap="flat" cmpd="sng">
+            <a:solidFill>
+              <a:schemeClr val="tx1"/>
+            </a:solidFill>
+            <a:prstDash val="solid"/>
+            <a:miter lim="800000"/>
+            <a:headEnd type="none" w="sm" len="sm"/>
+            <a:tailEnd type="none" w="sm" len="sm"/>
+          </a:ln>
+        </p:spPr>
+        <p:txBody>
+          <a:bodyPr spcFirstLastPara="1" wrap="square" lIns="91425" tIns="45700" rIns="91425" bIns="45700" anchor="ctr" anchorCtr="0">
+            <a:noAutofit/>
+          </a:bodyPr>
+          <a:lstStyle/>
+          <a:p>
+            <a:pPr marR="0" lvl="0" algn="ctr" rtl="0">
+              <a:spcBef>
+                <a:spcPts val="0"/>
+              </a:spcBef>
+              <a:spcAft>
+                <a:spcPts val="0"/>
+              </a:spcAft>
+            </a:pPr>
+            <a:r>
+              <a:rPr lang="en-US" sz="2200" dirty="0">
+                <a:solidFill>
+                  <a:srgbClr val="E4007F"/>
+                </a:solidFill>
+                <a:latin typeface="Bahnschrift SemiBold SemiConden" panose="020B0502040204020203" pitchFamily="34" charset="0"/>
+              </a:rPr>
+              <a:t>T</a:t>
+            </a:r>
+            <a:r>
+              <a:rPr lang="en-US" sz="2200" dirty="0">
+                <a:solidFill>
+                  <a:schemeClr val="bg1"/>
+                </a:solidFill>
+                <a:latin typeface="Bahnschrift SemiBold SemiConden" panose="020B0502040204020203" pitchFamily="34" charset="0"/>
+              </a:rPr>
+              <a:t>op 5 Topic Clusters: </a:t>
+            </a:r>
+          </a:p>
+        </p:txBody>
+      </p:sp>
+      <p:sp>
+        <p:nvSpPr>
+          <p:cNvPr id="13" name="Google Shape;106;p2">
+            <a:extLst>
+              <a:ext uri="{FF2B5EF4-FFF2-40B4-BE49-F238E27FC236}">
+                <a16:creationId xmlns:a16="http://schemas.microsoft.com/office/drawing/2014/main" id="{19E299AC-801B-4772-A204-50C6AAAF4760}"/>
+              </a:ext>
+            </a:extLst>
+          </p:cNvPr>
+          <p:cNvSpPr txBox="1"/>
+          <p:nvPr/>
+        </p:nvSpPr>
+        <p:spPr>
+          <a:xfrm>
+            <a:off x="3538851" y="5572609"/>
+            <a:ext cx="7282927" cy="940360"/>
+          </a:xfrm>
+          <a:prstGeom prst="rect">
+            <a:avLst/>
+          </a:prstGeom>
+          <a:solidFill>
+            <a:schemeClr val="bg1"/>
+          </a:solidFill>
+          <a:ln w="28575" cap="flat" cmpd="sng">
+            <a:solidFill>
+              <a:schemeClr val="tx1"/>
+            </a:solidFill>
+            <a:prstDash val="solid"/>
+            <a:miter lim="800000"/>
+            <a:headEnd type="none" w="sm" len="sm"/>
+            <a:tailEnd type="none" w="sm" len="sm"/>
+          </a:ln>
+        </p:spPr>
+        <p:txBody>
+          <a:bodyPr spcFirstLastPara="1" wrap="square" lIns="91425" tIns="45700" rIns="91425" bIns="45700" anchor="ctr" anchorCtr="0">
+            <a:noAutofit/>
+          </a:bodyPr>
+          <a:lstStyle/>
+          <a:p>
+            <a:pPr algn="ctr">
+              <a:lnSpc>
+                <a:spcPct val="150000"/>
+              </a:lnSpc>
+              <a:spcAft>
+                <a:spcPts val="600"/>
+              </a:spcAft>
+            </a:pPr>
+            <a:r>
+              <a:rPr lang="en-US" sz="2100" dirty="0">
+                <a:solidFill>
+                  <a:srgbClr val="A3003C"/>
+                </a:solidFill>
+                <a:latin typeface="Bahnschrift SemiBold SemiConden" panose="020B0502040204020203" pitchFamily="34" charset="0"/>
+              </a:rPr>
+              <a:t>Topic 18</a:t>
+            </a:r>
+            <a:r>
+              <a:rPr lang="en-US" sz="2100" dirty="0">
+                <a:solidFill>
+                  <a:schemeClr val="tx1"/>
+                </a:solidFill>
+                <a:latin typeface="Bahnschrift SemiBold SemiConden" panose="020B0502040204020203" pitchFamily="34" charset="0"/>
+              </a:rPr>
+              <a:t>: hair, image, </a:t>
+            </a:r>
+            <a:r>
+              <a:rPr lang="en-US" sz="2100" dirty="0" err="1">
+                <a:solidFill>
+                  <a:schemeClr val="tx1"/>
+                </a:solidFill>
+                <a:latin typeface="Bahnschrift SemiBold SemiConden" panose="020B0502040204020203" pitchFamily="34" charset="0"/>
+              </a:rPr>
+              <a:t>kushida</a:t>
+            </a:r>
+            <a:r>
+              <a:rPr lang="en-US" sz="2100" dirty="0">
+                <a:solidFill>
+                  <a:schemeClr val="tx1"/>
+                </a:solidFill>
+                <a:latin typeface="Bahnschrift SemiBold SemiConden" panose="020B0502040204020203" pitchFamily="34" charset="0"/>
+              </a:rPr>
+              <a:t>, sudou, love, …</a:t>
+            </a:r>
+          </a:p>
+        </p:txBody>
+      </p:sp>
+      <p:sp>
+        <p:nvSpPr>
+          <p:cNvPr id="14" name="Google Shape;106;p2">
+            <a:extLst>
+              <a:ext uri="{FF2B5EF4-FFF2-40B4-BE49-F238E27FC236}">
+                <a16:creationId xmlns:a16="http://schemas.microsoft.com/office/drawing/2014/main" id="{EBACA58E-1256-46A7-A19B-9357228BE569}"/>
+              </a:ext>
+            </a:extLst>
+          </p:cNvPr>
+          <p:cNvSpPr txBox="1"/>
+          <p:nvPr/>
+        </p:nvSpPr>
+        <p:spPr>
+          <a:xfrm>
+            <a:off x="3538851" y="2120797"/>
+            <a:ext cx="7282927" cy="898800"/>
+          </a:xfrm>
+          <a:prstGeom prst="rect">
+            <a:avLst/>
+          </a:prstGeom>
+          <a:solidFill>
+            <a:schemeClr val="bg1"/>
+          </a:solidFill>
+          <a:ln w="28575" cap="flat" cmpd="sng">
+            <a:solidFill>
+              <a:schemeClr val="tx1"/>
+            </a:solidFill>
+            <a:prstDash val="solid"/>
+            <a:miter lim="800000"/>
+            <a:headEnd type="none" w="sm" len="sm"/>
+            <a:tailEnd type="none" w="sm" len="sm"/>
+          </a:ln>
+        </p:spPr>
+        <p:txBody>
+          <a:bodyPr spcFirstLastPara="1" wrap="square" lIns="91425" tIns="45700" rIns="91425" bIns="45700" anchor="ctr" anchorCtr="0">
+            <a:noAutofit/>
+          </a:bodyPr>
+          <a:lstStyle/>
+          <a:p>
+            <a:pPr algn="ctr">
+              <a:lnSpc>
+                <a:spcPct val="150000"/>
+              </a:lnSpc>
+              <a:spcAft>
+                <a:spcPts val="600"/>
+              </a:spcAft>
+            </a:pPr>
+            <a:r>
+              <a:rPr lang="en-US" sz="2200" dirty="0">
+                <a:solidFill>
+                  <a:srgbClr val="A3003C"/>
+                </a:solidFill>
+                <a:latin typeface="Bahnschrift SemiBold SemiConden" panose="020B0502040204020203" pitchFamily="34" charset="0"/>
+              </a:rPr>
+              <a:t>Topic 9</a:t>
+            </a:r>
+            <a:r>
+              <a:rPr lang="en-US" sz="2200" dirty="0">
+                <a:solidFill>
+                  <a:schemeClr val="tx1"/>
+                </a:solidFill>
+                <a:latin typeface="Bahnschrift SemiBold SemiConden" panose="020B0502040204020203" pitchFamily="34" charset="0"/>
+              </a:rPr>
+              <a:t>: karuizawa, </a:t>
+            </a:r>
+            <a:r>
+              <a:rPr lang="en-US" sz="2200" strike="sngStrike" dirty="0" err="1">
+                <a:solidFill>
+                  <a:schemeClr val="tx1"/>
+                </a:solidFill>
+                <a:latin typeface="Bahnschrift SemiBold SemiConden" panose="020B0502040204020203" pitchFamily="34" charset="0"/>
+              </a:rPr>
+              <a:t>nagumo</a:t>
+            </a:r>
+            <a:r>
+              <a:rPr lang="en-US" sz="2200" dirty="0">
+                <a:solidFill>
+                  <a:schemeClr val="tx1"/>
+                </a:solidFill>
+                <a:latin typeface="Bahnschrift SemiBold SemiConden" panose="020B0502040204020203" pitchFamily="34" charset="0"/>
+              </a:rPr>
+              <a:t>, </a:t>
+            </a:r>
+            <a:r>
+              <a:rPr lang="en-US" sz="2200" dirty="0" err="1">
+                <a:solidFill>
+                  <a:schemeClr val="tx1"/>
+                </a:solidFill>
+                <a:latin typeface="Bahnschrift SemiBold SemiConden" panose="020B0502040204020203" pitchFamily="34" charset="0"/>
+              </a:rPr>
+              <a:t>hirata</a:t>
+            </a:r>
+            <a:r>
+              <a:rPr lang="en-US" sz="2200" dirty="0">
+                <a:solidFill>
+                  <a:schemeClr val="tx1"/>
+                </a:solidFill>
+                <a:latin typeface="Bahnschrift SemiBold SemiConden" panose="020B0502040204020203" pitchFamily="34" charset="0"/>
+              </a:rPr>
+              <a:t>, date, love, …</a:t>
+            </a:r>
+          </a:p>
+        </p:txBody>
+      </p:sp>
+      <p:sp>
+        <p:nvSpPr>
+          <p:cNvPr id="15" name="Google Shape;106;p2">
+            <a:extLst>
+              <a:ext uri="{FF2B5EF4-FFF2-40B4-BE49-F238E27FC236}">
+                <a16:creationId xmlns:a16="http://schemas.microsoft.com/office/drawing/2014/main" id="{A4F1565C-CBDE-48D2-9629-1D300BB6168F}"/>
+              </a:ext>
+            </a:extLst>
+          </p:cNvPr>
+          <p:cNvSpPr txBox="1"/>
+          <p:nvPr/>
+        </p:nvSpPr>
+        <p:spPr>
+          <a:xfrm>
+            <a:off x="3538851" y="3271401"/>
+            <a:ext cx="7282927" cy="898800"/>
+          </a:xfrm>
+          <a:prstGeom prst="rect">
+            <a:avLst/>
+          </a:prstGeom>
+          <a:solidFill>
+            <a:schemeClr val="bg1"/>
+          </a:solidFill>
+          <a:ln w="28575" cap="flat" cmpd="sng">
+            <a:solidFill>
+              <a:schemeClr val="tx1"/>
+            </a:solidFill>
+            <a:prstDash val="solid"/>
+            <a:miter lim="800000"/>
+            <a:headEnd type="none" w="sm" len="sm"/>
+            <a:tailEnd type="none" w="sm" len="sm"/>
+          </a:ln>
+        </p:spPr>
+        <p:txBody>
+          <a:bodyPr spcFirstLastPara="1" wrap="square" lIns="91425" tIns="45700" rIns="91425" bIns="45700" anchor="ctr" anchorCtr="0">
+            <a:noAutofit/>
+          </a:bodyPr>
+          <a:lstStyle/>
+          <a:p>
+            <a:pPr algn="ctr">
+              <a:lnSpc>
+                <a:spcPct val="150000"/>
+              </a:lnSpc>
+              <a:spcAft>
+                <a:spcPts val="600"/>
+              </a:spcAft>
+            </a:pPr>
+            <a:r>
+              <a:rPr lang="en-US" sz="2100" dirty="0">
+                <a:solidFill>
+                  <a:srgbClr val="A3003C"/>
+                </a:solidFill>
+                <a:latin typeface="Bahnschrift SemiBold SemiConden" panose="020B0502040204020203" pitchFamily="34" charset="0"/>
+              </a:rPr>
+              <a:t>Topic 72</a:t>
+            </a:r>
+            <a:r>
+              <a:rPr lang="en-US" sz="2100" dirty="0">
+                <a:solidFill>
+                  <a:schemeClr val="tx1"/>
+                </a:solidFill>
+                <a:latin typeface="Bahnschrift SemiBold SemiConden" panose="020B0502040204020203" pitchFamily="34" charset="0"/>
+              </a:rPr>
+              <a:t>: </a:t>
+            </a:r>
+            <a:r>
+              <a:rPr lang="fr-FR" sz="2100" dirty="0">
+                <a:solidFill>
+                  <a:schemeClr val="tx1"/>
+                </a:solidFill>
+                <a:latin typeface="Bahnschrift SemiBold SemiConden" panose="020B0502040204020203" pitchFamily="34" charset="0"/>
+              </a:rPr>
+              <a:t>sensei, </a:t>
+            </a:r>
+            <a:r>
+              <a:rPr lang="fr-FR" sz="2100" dirty="0" err="1">
+                <a:solidFill>
+                  <a:schemeClr val="tx1"/>
+                </a:solidFill>
+                <a:latin typeface="Bahnschrift SemiBold SemiConden" panose="020B0502040204020203" pitchFamily="34" charset="0"/>
+              </a:rPr>
+              <a:t>reception</a:t>
+            </a:r>
+            <a:r>
+              <a:rPr lang="fr-FR" sz="2100" dirty="0">
+                <a:solidFill>
+                  <a:schemeClr val="tx1"/>
+                </a:solidFill>
+                <a:latin typeface="Bahnschrift SemiBold SemiConden" panose="020B0502040204020203" pitchFamily="34" charset="0"/>
+              </a:rPr>
+              <a:t>, </a:t>
+            </a:r>
+            <a:r>
+              <a:rPr lang="fr-FR" sz="2100" dirty="0" err="1">
+                <a:solidFill>
+                  <a:schemeClr val="tx1"/>
+                </a:solidFill>
+                <a:latin typeface="Bahnschrift SemiBold SemiConden" panose="020B0502040204020203" pitchFamily="34" charset="0"/>
+              </a:rPr>
+              <a:t>ayanokouji</a:t>
+            </a:r>
+            <a:r>
+              <a:rPr lang="fr-FR" sz="2100" dirty="0">
+                <a:solidFill>
+                  <a:schemeClr val="tx1"/>
+                </a:solidFill>
+                <a:latin typeface="Bahnschrift SemiBold SemiConden" panose="020B0502040204020203" pitchFamily="34" charset="0"/>
+              </a:rPr>
+              <a:t>, </a:t>
+            </a:r>
+            <a:r>
+              <a:rPr lang="fr-FR" sz="2100" dirty="0" err="1">
+                <a:solidFill>
+                  <a:schemeClr val="tx1"/>
+                </a:solidFill>
+                <a:latin typeface="Bahnschrift SemiBold SemiConden" panose="020B0502040204020203" pitchFamily="34" charset="0"/>
+              </a:rPr>
+              <a:t>sakayanagi</a:t>
+            </a:r>
+            <a:r>
+              <a:rPr lang="fr-FR" sz="2100" dirty="0">
+                <a:solidFill>
+                  <a:schemeClr val="tx1"/>
+                </a:solidFill>
+                <a:latin typeface="Bahnschrift SemiBold SemiConden" panose="020B0502040204020203" pitchFamily="34" charset="0"/>
+              </a:rPr>
+              <a:t>, permission</a:t>
+            </a:r>
+            <a:r>
+              <a:rPr lang="en-US" sz="2100" dirty="0">
+                <a:solidFill>
+                  <a:schemeClr val="tx1"/>
+                </a:solidFill>
+                <a:latin typeface="Bahnschrift SemiBold SemiConden" panose="020B0502040204020203" pitchFamily="34" charset="0"/>
+              </a:rPr>
+              <a:t>, …</a:t>
+            </a:r>
+          </a:p>
+        </p:txBody>
+      </p:sp>
+      <p:sp>
+        <p:nvSpPr>
+          <p:cNvPr id="16" name="Google Shape;106;p2">
+            <a:extLst>
+              <a:ext uri="{FF2B5EF4-FFF2-40B4-BE49-F238E27FC236}">
+                <a16:creationId xmlns:a16="http://schemas.microsoft.com/office/drawing/2014/main" id="{522027D1-58C3-4EC3-AB51-7ED7CF236577}"/>
+              </a:ext>
+            </a:extLst>
+          </p:cNvPr>
+          <p:cNvSpPr txBox="1"/>
+          <p:nvPr/>
+        </p:nvSpPr>
+        <p:spPr>
+          <a:xfrm>
+            <a:off x="3538851" y="4422005"/>
+            <a:ext cx="7282927" cy="898800"/>
+          </a:xfrm>
+          <a:prstGeom prst="rect">
+            <a:avLst/>
+          </a:prstGeom>
+          <a:solidFill>
+            <a:schemeClr val="bg1"/>
+          </a:solidFill>
+          <a:ln w="28575" cap="flat" cmpd="sng">
+            <a:solidFill>
+              <a:schemeClr val="tx1"/>
+            </a:solidFill>
+            <a:prstDash val="solid"/>
+            <a:miter lim="800000"/>
+            <a:headEnd type="none" w="sm" len="sm"/>
+            <a:tailEnd type="none" w="sm" len="sm"/>
+          </a:ln>
+        </p:spPr>
+        <p:txBody>
+          <a:bodyPr spcFirstLastPara="1" wrap="square" lIns="91425" tIns="45700" rIns="91425" bIns="45700" anchor="ctr" anchorCtr="0">
+            <a:noAutofit/>
+          </a:bodyPr>
+          <a:lstStyle/>
+          <a:p>
+            <a:pPr algn="ctr">
+              <a:lnSpc>
+                <a:spcPct val="150000"/>
+              </a:lnSpc>
+              <a:spcAft>
+                <a:spcPts val="600"/>
+              </a:spcAft>
+            </a:pPr>
+            <a:r>
+              <a:rPr lang="en-US" sz="2100" dirty="0">
+                <a:solidFill>
+                  <a:srgbClr val="A3003C"/>
+                </a:solidFill>
+                <a:latin typeface="Bahnschrift SemiBold SemiConden" panose="020B0502040204020203" pitchFamily="34" charset="0"/>
+              </a:rPr>
+              <a:t>Topic 64</a:t>
+            </a:r>
+            <a:r>
+              <a:rPr lang="en-US" sz="2100" dirty="0">
+                <a:solidFill>
+                  <a:schemeClr val="tx1"/>
+                </a:solidFill>
+                <a:latin typeface="Bahnschrift SemiBold SemiConden" panose="020B0502040204020203" pitchFamily="34" charset="0"/>
+              </a:rPr>
+              <a:t>: </a:t>
+            </a:r>
+            <a:r>
+              <a:rPr lang="en-GB" sz="2100" dirty="0">
+                <a:solidFill>
+                  <a:schemeClr val="tx1"/>
+                </a:solidFill>
+                <a:latin typeface="Bahnschrift SemiBold SemiConden" panose="020B0502040204020203" pitchFamily="34" charset="0"/>
+              </a:rPr>
+              <a:t>changing, </a:t>
+            </a:r>
+            <a:r>
+              <a:rPr lang="en-GB" sz="2100" dirty="0" err="1">
+                <a:solidFill>
+                  <a:schemeClr val="tx1"/>
+                </a:solidFill>
+                <a:latin typeface="Bahnschrift SemiBold SemiConden" panose="020B0502040204020203" pitchFamily="34" charset="0"/>
+              </a:rPr>
+              <a:t>ike</a:t>
+            </a:r>
+            <a:r>
+              <a:rPr lang="en-GB" sz="2100" dirty="0">
+                <a:solidFill>
+                  <a:schemeClr val="tx1"/>
+                </a:solidFill>
+                <a:latin typeface="Bahnschrift SemiBold SemiConden" panose="020B0502040204020203" pitchFamily="34" charset="0"/>
+              </a:rPr>
+              <a:t>, </a:t>
+            </a:r>
+            <a:r>
+              <a:rPr lang="en-GB" sz="2100" strike="sngStrike" dirty="0">
+                <a:solidFill>
+                  <a:schemeClr val="tx1"/>
+                </a:solidFill>
+                <a:latin typeface="Bahnschrift SemiBold SemiConden" panose="020B0502040204020203" pitchFamily="34" charset="0"/>
+              </a:rPr>
+              <a:t>car</a:t>
+            </a:r>
+            <a:r>
+              <a:rPr lang="en-GB" sz="2100" dirty="0">
+                <a:solidFill>
+                  <a:schemeClr val="tx1"/>
+                </a:solidFill>
+                <a:latin typeface="Bahnschrift SemiBold SemiConden" panose="020B0502040204020203" pitchFamily="34" charset="0"/>
+              </a:rPr>
+              <a:t>, peeping, pool</a:t>
+            </a:r>
+            <a:r>
+              <a:rPr lang="en-US" sz="2100" dirty="0">
+                <a:solidFill>
+                  <a:schemeClr val="tx1"/>
+                </a:solidFill>
+                <a:latin typeface="Bahnschrift SemiBold SemiConden" panose="020B0502040204020203" pitchFamily="34" charset="0"/>
+              </a:rPr>
+              <a:t>, …</a:t>
+            </a:r>
+          </a:p>
+        </p:txBody>
+      </p:sp>
+    </p:spTree>
+    <p:extLst>
+      <p:ext uri="{BB962C8B-B14F-4D97-AF65-F5344CB8AC3E}">
+        <p14:creationId xmlns:p14="http://schemas.microsoft.com/office/powerpoint/2010/main" val="4084729461"/>
+      </p:ext>
+    </p:extLst>
+  </p:cSld>
+  <p:clrMapOvr>
+    <a:masterClrMapping/>
+  </p:clrMapOvr>
+</p:sld>
+</file>
+
 <file path=ppt/slides/slide2.xml><?xml version="1.0" encoding="utf-8"?>
 <p:sld xmlns:a="http://schemas.openxmlformats.org/drawingml/2006/main" xmlns:r="http://schemas.openxmlformats.org/officeDocument/2006/relationships" xmlns:p="http://schemas.openxmlformats.org/presentationml/2006/main">
   <p:cSld>
@@ -22977,949 +22977,6 @@
               </a:rPr>
               <a:pPr/>
               <a:t>20</a:t>
-            </a:fld>
-            <a:endParaRPr dirty="0">
-              <a:solidFill>
-                <a:srgbClr val="FFF1FF"/>
-              </a:solidFill>
-            </a:endParaRPr>
-          </a:p>
-        </p:txBody>
-      </p:sp>
-      <p:sp>
-        <p:nvSpPr>
-          <p:cNvPr id="7" name="Google Shape;106;p2">
-            <a:extLst>
-              <a:ext uri="{FF2B5EF4-FFF2-40B4-BE49-F238E27FC236}">
-                <a16:creationId xmlns:a16="http://schemas.microsoft.com/office/drawing/2014/main" id="{7B56B33E-CAEC-4D6E-B6AC-0212E4DBFAEE}"/>
-              </a:ext>
-            </a:extLst>
-          </p:cNvPr>
-          <p:cNvSpPr txBox="1"/>
-          <p:nvPr/>
-        </p:nvSpPr>
-        <p:spPr>
-          <a:xfrm>
-            <a:off x="3538852" y="596835"/>
-            <a:ext cx="7282927" cy="1272158"/>
-          </a:xfrm>
-          <a:prstGeom prst="rect">
-            <a:avLst/>
-          </a:prstGeom>
-          <a:solidFill>
-            <a:schemeClr val="bg1"/>
-          </a:solidFill>
-          <a:ln w="28575" cap="flat" cmpd="sng">
-            <a:solidFill>
-              <a:schemeClr val="tx1"/>
-            </a:solidFill>
-            <a:prstDash val="solid"/>
-            <a:miter lim="800000"/>
-            <a:headEnd type="none" w="sm" len="sm"/>
-            <a:tailEnd type="none" w="sm" len="sm"/>
-          </a:ln>
-        </p:spPr>
-        <p:txBody>
-          <a:bodyPr spcFirstLastPara="1" wrap="square" lIns="91425" tIns="45700" rIns="91425" bIns="45700" anchor="ctr" anchorCtr="0">
-            <a:noAutofit/>
-          </a:bodyPr>
-          <a:lstStyle/>
-          <a:p>
-            <a:pPr algn="ctr">
-              <a:lnSpc>
-                <a:spcPct val="150000"/>
-              </a:lnSpc>
-              <a:spcAft>
-                <a:spcPts val="600"/>
-              </a:spcAft>
-            </a:pPr>
-            <a:endParaRPr lang="en-US" sz="1800" dirty="0">
-              <a:solidFill>
-                <a:srgbClr val="000000"/>
-              </a:solidFill>
-              <a:effectLst/>
-              <a:latin typeface="Calibri" panose="020F0502020204030204" pitchFamily="34" charset="0"/>
-              <a:ea typeface="Calibri" panose="020F0502020204030204" pitchFamily="34" charset="0"/>
-              <a:cs typeface="Calibri" panose="020F0502020204030204" pitchFamily="34" charset="0"/>
-            </a:endParaRPr>
-          </a:p>
-          <a:p>
-            <a:pPr algn="ctr">
-              <a:lnSpc>
-                <a:spcPct val="150000"/>
-              </a:lnSpc>
-              <a:spcAft>
-                <a:spcPts val="600"/>
-              </a:spcAft>
-            </a:pPr>
-            <a:r>
-              <a:rPr lang="en-US" sz="2200" dirty="0">
-                <a:solidFill>
-                  <a:srgbClr val="A3003C"/>
-                </a:solidFill>
-                <a:latin typeface="Bahnschrift SemiBold SemiConden" panose="020B0502040204020203" pitchFamily="34" charset="0"/>
-              </a:rPr>
-              <a:t>Topic 68</a:t>
-            </a:r>
-            <a:r>
-              <a:rPr lang="en-US" sz="2200" dirty="0">
-                <a:solidFill>
-                  <a:schemeClr val="tx1"/>
-                </a:solidFill>
-                <a:latin typeface="Bahnschrift SemiBold SemiConden" panose="020B0502040204020203" pitchFamily="34" charset="0"/>
-              </a:rPr>
-              <a:t>: </a:t>
-            </a:r>
-            <a:r>
-              <a:rPr lang="en-GB" sz="2200" dirty="0" err="1">
-                <a:solidFill>
-                  <a:schemeClr val="tx1"/>
-                </a:solidFill>
-                <a:latin typeface="Bahnschrift SemiBold SemiConden" panose="020B0502040204020203" pitchFamily="34" charset="0"/>
-              </a:rPr>
-              <a:t>ryuuen</a:t>
-            </a:r>
-            <a:r>
-              <a:rPr lang="en-GB" sz="2200" dirty="0">
-                <a:solidFill>
-                  <a:schemeClr val="tx1"/>
-                </a:solidFill>
-                <a:latin typeface="Bahnschrift SemiBold SemiConden" panose="020B0502040204020203" pitchFamily="34" charset="0"/>
-              </a:rPr>
-              <a:t>, </a:t>
-            </a:r>
-            <a:r>
-              <a:rPr lang="en-GB" sz="2200" dirty="0" err="1">
-                <a:solidFill>
-                  <a:schemeClr val="tx1"/>
-                </a:solidFill>
-                <a:latin typeface="Bahnschrift SemiBold SemiConden" panose="020B0502040204020203" pitchFamily="34" charset="0"/>
-              </a:rPr>
-              <a:t>nagumo</a:t>
-            </a:r>
-            <a:r>
-              <a:rPr lang="en-GB" sz="2200" dirty="0">
-                <a:solidFill>
-                  <a:schemeClr val="tx1"/>
-                </a:solidFill>
-                <a:latin typeface="Bahnschrift SemiBold SemiConden" panose="020B0502040204020203" pitchFamily="34" charset="0"/>
-              </a:rPr>
-              <a:t>, council, older, points</a:t>
-            </a:r>
-            <a:r>
-              <a:rPr lang="en-US" sz="2200" dirty="0">
-                <a:solidFill>
-                  <a:schemeClr val="tx1"/>
-                </a:solidFill>
-                <a:latin typeface="Bahnschrift SemiBold SemiConden" panose="020B0502040204020203" pitchFamily="34" charset="0"/>
-              </a:rPr>
-              <a:t>, …</a:t>
-            </a:r>
-          </a:p>
-        </p:txBody>
-      </p:sp>
-      <p:sp>
-        <p:nvSpPr>
-          <p:cNvPr id="11" name="Google Shape;106;p2">
-            <a:extLst>
-              <a:ext uri="{FF2B5EF4-FFF2-40B4-BE49-F238E27FC236}">
-                <a16:creationId xmlns:a16="http://schemas.microsoft.com/office/drawing/2014/main" id="{CA3F87FA-FBED-4E2B-861C-80BC01928B4F}"/>
-              </a:ext>
-            </a:extLst>
-          </p:cNvPr>
-          <p:cNvSpPr txBox="1"/>
-          <p:nvPr/>
-        </p:nvSpPr>
-        <p:spPr>
-          <a:xfrm>
-            <a:off x="202473" y="1421879"/>
-            <a:ext cx="1775400" cy="898800"/>
-          </a:xfrm>
-          <a:prstGeom prst="rect">
-            <a:avLst/>
-          </a:prstGeom>
-          <a:solidFill>
-            <a:schemeClr val="tx1"/>
-          </a:solidFill>
-          <a:ln w="12700" cap="flat" cmpd="sng">
-            <a:solidFill>
-              <a:srgbClr val="FFF1FF"/>
-            </a:solidFill>
-            <a:prstDash val="solid"/>
-            <a:miter lim="800000"/>
-            <a:headEnd type="none" w="sm" len="sm"/>
-            <a:tailEnd type="none" w="sm" len="sm"/>
-          </a:ln>
-        </p:spPr>
-        <p:txBody>
-          <a:bodyPr spcFirstLastPara="1" wrap="square" lIns="91425" tIns="45700" rIns="91425" bIns="45700" anchor="ctr" anchorCtr="0">
-            <a:noAutofit/>
-          </a:bodyPr>
-          <a:lstStyle/>
-          <a:p>
-            <a:pPr marL="0" marR="0" lvl="0" indent="0" algn="ctr" rtl="0">
-              <a:spcBef>
-                <a:spcPts val="0"/>
-              </a:spcBef>
-              <a:spcAft>
-                <a:spcPts val="0"/>
-              </a:spcAft>
-              <a:buNone/>
-            </a:pPr>
-            <a:r>
-              <a:rPr lang="en-GB" sz="1800" dirty="0">
-                <a:solidFill>
-                  <a:srgbClr val="FFF1FF"/>
-                </a:solidFill>
-              </a:rPr>
-              <a:t>Trimester 2</a:t>
-            </a:r>
-            <a:endParaRPr lang="en-GB" sz="1800" b="0" i="0" u="none" strike="noStrike" cap="none" dirty="0">
-              <a:solidFill>
-                <a:srgbClr val="FFF1FF"/>
-              </a:solidFill>
-              <a:latin typeface="Arial"/>
-              <a:ea typeface="Arial"/>
-              <a:cs typeface="Arial"/>
-              <a:sym typeface="Arial"/>
-            </a:endParaRPr>
-          </a:p>
-        </p:txBody>
-      </p:sp>
-      <p:sp>
-        <p:nvSpPr>
-          <p:cNvPr id="12" name="Google Shape;106;p2">
-            <a:extLst>
-              <a:ext uri="{FF2B5EF4-FFF2-40B4-BE49-F238E27FC236}">
-                <a16:creationId xmlns:a16="http://schemas.microsoft.com/office/drawing/2014/main" id="{43464C39-5F03-4E4E-ACCE-ADBC1E91BEDF}"/>
-              </a:ext>
-            </a:extLst>
-          </p:cNvPr>
-          <p:cNvSpPr txBox="1"/>
-          <p:nvPr/>
-        </p:nvSpPr>
-        <p:spPr>
-          <a:xfrm>
-            <a:off x="5417745" y="345031"/>
-            <a:ext cx="3525140" cy="750239"/>
-          </a:xfrm>
-          <a:prstGeom prst="rect">
-            <a:avLst/>
-          </a:prstGeom>
-          <a:solidFill>
-            <a:schemeClr val="tx1"/>
-          </a:solidFill>
-          <a:ln w="28575" cap="flat" cmpd="sng">
-            <a:solidFill>
-              <a:schemeClr val="tx1"/>
-            </a:solidFill>
-            <a:prstDash val="solid"/>
-            <a:miter lim="800000"/>
-            <a:headEnd type="none" w="sm" len="sm"/>
-            <a:tailEnd type="none" w="sm" len="sm"/>
-          </a:ln>
-        </p:spPr>
-        <p:txBody>
-          <a:bodyPr spcFirstLastPara="1" wrap="square" lIns="91425" tIns="45700" rIns="91425" bIns="45700" anchor="ctr" anchorCtr="0">
-            <a:noAutofit/>
-          </a:bodyPr>
-          <a:lstStyle/>
-          <a:p>
-            <a:pPr marR="0" lvl="0" algn="ctr" rtl="0">
-              <a:spcBef>
-                <a:spcPts val="0"/>
-              </a:spcBef>
-              <a:spcAft>
-                <a:spcPts val="0"/>
-              </a:spcAft>
-            </a:pPr>
-            <a:r>
-              <a:rPr lang="en-US" sz="2200" dirty="0">
-                <a:solidFill>
-                  <a:srgbClr val="E4007F"/>
-                </a:solidFill>
-                <a:latin typeface="Bahnschrift SemiBold SemiConden" panose="020B0502040204020203" pitchFamily="34" charset="0"/>
-              </a:rPr>
-              <a:t>T</a:t>
-            </a:r>
-            <a:r>
-              <a:rPr lang="en-US" sz="2200" dirty="0">
-                <a:solidFill>
-                  <a:schemeClr val="bg1"/>
-                </a:solidFill>
-                <a:latin typeface="Bahnschrift SemiBold SemiConden" panose="020B0502040204020203" pitchFamily="34" charset="0"/>
-              </a:rPr>
-              <a:t>op 5 Topic Clusters: </a:t>
-            </a:r>
-          </a:p>
-        </p:txBody>
-      </p:sp>
-      <p:sp>
-        <p:nvSpPr>
-          <p:cNvPr id="13" name="Google Shape;106;p2">
-            <a:extLst>
-              <a:ext uri="{FF2B5EF4-FFF2-40B4-BE49-F238E27FC236}">
-                <a16:creationId xmlns:a16="http://schemas.microsoft.com/office/drawing/2014/main" id="{19E299AC-801B-4772-A204-50C6AAAF4760}"/>
-              </a:ext>
-            </a:extLst>
-          </p:cNvPr>
-          <p:cNvSpPr txBox="1"/>
-          <p:nvPr/>
-        </p:nvSpPr>
-        <p:spPr>
-          <a:xfrm>
-            <a:off x="3538851" y="5572609"/>
-            <a:ext cx="7282927" cy="940360"/>
-          </a:xfrm>
-          <a:prstGeom prst="rect">
-            <a:avLst/>
-          </a:prstGeom>
-          <a:solidFill>
-            <a:schemeClr val="bg1"/>
-          </a:solidFill>
-          <a:ln w="28575" cap="flat" cmpd="sng">
-            <a:solidFill>
-              <a:schemeClr val="tx1"/>
-            </a:solidFill>
-            <a:prstDash val="solid"/>
-            <a:miter lim="800000"/>
-            <a:headEnd type="none" w="sm" len="sm"/>
-            <a:tailEnd type="none" w="sm" len="sm"/>
-          </a:ln>
-        </p:spPr>
-        <p:txBody>
-          <a:bodyPr spcFirstLastPara="1" wrap="square" lIns="91425" tIns="45700" rIns="91425" bIns="45700" anchor="ctr" anchorCtr="0">
-            <a:noAutofit/>
-          </a:bodyPr>
-          <a:lstStyle/>
-          <a:p>
-            <a:pPr algn="ctr">
-              <a:lnSpc>
-                <a:spcPct val="150000"/>
-              </a:lnSpc>
-              <a:spcAft>
-                <a:spcPts val="600"/>
-              </a:spcAft>
-            </a:pPr>
-            <a:r>
-              <a:rPr lang="en-US" sz="2100" dirty="0">
-                <a:solidFill>
-                  <a:srgbClr val="A3003C"/>
-                </a:solidFill>
-                <a:latin typeface="Bahnschrift SemiBold SemiConden" panose="020B0502040204020203" pitchFamily="34" charset="0"/>
-              </a:rPr>
-              <a:t>Topic 38</a:t>
-            </a:r>
-            <a:r>
-              <a:rPr lang="en-US" sz="2100" dirty="0">
-                <a:solidFill>
-                  <a:schemeClr val="tx1"/>
-                </a:solidFill>
-                <a:latin typeface="Bahnschrift SemiBold SemiConden" panose="020B0502040204020203" pitchFamily="34" charset="0"/>
-              </a:rPr>
-              <a:t>: </a:t>
-            </a:r>
-            <a:r>
-              <a:rPr lang="en-GB" sz="2100" dirty="0">
-                <a:solidFill>
-                  <a:schemeClr val="tx1"/>
-                </a:solidFill>
-                <a:latin typeface="Bahnschrift SemiBold SemiConden" panose="020B0502040204020203" pitchFamily="34" charset="0"/>
-              </a:rPr>
-              <a:t>months, importantly, reliable, </a:t>
-            </a:r>
-            <a:r>
-              <a:rPr lang="en-GB" sz="2100" dirty="0" err="1">
-                <a:solidFill>
-                  <a:schemeClr val="tx1"/>
-                </a:solidFill>
-                <a:latin typeface="Bahnschrift SemiBold SemiConden" panose="020B0502040204020203" pitchFamily="34" charset="0"/>
-              </a:rPr>
-              <a:t>kinugasa</a:t>
-            </a:r>
-            <a:r>
-              <a:rPr lang="en-GB" sz="2100" dirty="0">
-                <a:solidFill>
-                  <a:schemeClr val="tx1"/>
-                </a:solidFill>
-                <a:latin typeface="Bahnschrift SemiBold SemiConden" panose="020B0502040204020203" pitchFamily="34" charset="0"/>
-              </a:rPr>
-              <a:t>, refrain, …</a:t>
-            </a:r>
-            <a:endParaRPr lang="en-US" sz="2100" dirty="0">
-              <a:solidFill>
-                <a:schemeClr val="tx1"/>
-              </a:solidFill>
-              <a:latin typeface="Bahnschrift SemiBold SemiConden" panose="020B0502040204020203" pitchFamily="34" charset="0"/>
-            </a:endParaRPr>
-          </a:p>
-        </p:txBody>
-      </p:sp>
-      <p:sp>
-        <p:nvSpPr>
-          <p:cNvPr id="14" name="Google Shape;106;p2">
-            <a:extLst>
-              <a:ext uri="{FF2B5EF4-FFF2-40B4-BE49-F238E27FC236}">
-                <a16:creationId xmlns:a16="http://schemas.microsoft.com/office/drawing/2014/main" id="{EBACA58E-1256-46A7-A19B-9357228BE569}"/>
-              </a:ext>
-            </a:extLst>
-          </p:cNvPr>
-          <p:cNvSpPr txBox="1"/>
-          <p:nvPr/>
-        </p:nvSpPr>
-        <p:spPr>
-          <a:xfrm>
-            <a:off x="3538851" y="2120797"/>
-            <a:ext cx="7282927" cy="898800"/>
-          </a:xfrm>
-          <a:prstGeom prst="rect">
-            <a:avLst/>
-          </a:prstGeom>
-          <a:solidFill>
-            <a:schemeClr val="bg1"/>
-          </a:solidFill>
-          <a:ln w="28575" cap="flat" cmpd="sng">
-            <a:solidFill>
-              <a:schemeClr val="tx1"/>
-            </a:solidFill>
-            <a:prstDash val="solid"/>
-            <a:miter lim="800000"/>
-            <a:headEnd type="none" w="sm" len="sm"/>
-            <a:tailEnd type="none" w="sm" len="sm"/>
-          </a:ln>
-        </p:spPr>
-        <p:txBody>
-          <a:bodyPr spcFirstLastPara="1" wrap="square" lIns="91425" tIns="45700" rIns="91425" bIns="45700" anchor="ctr" anchorCtr="0">
-            <a:noAutofit/>
-          </a:bodyPr>
-          <a:lstStyle/>
-          <a:p>
-            <a:pPr algn="ctr">
-              <a:lnSpc>
-                <a:spcPct val="150000"/>
-              </a:lnSpc>
-              <a:spcAft>
-                <a:spcPts val="600"/>
-              </a:spcAft>
-            </a:pPr>
-            <a:r>
-              <a:rPr lang="en-US" sz="2200" dirty="0">
-                <a:solidFill>
-                  <a:srgbClr val="A3003C"/>
-                </a:solidFill>
-                <a:latin typeface="Bahnschrift SemiBold SemiConden" panose="020B0502040204020203" pitchFamily="34" charset="0"/>
-              </a:rPr>
-              <a:t>Topic 9</a:t>
-            </a:r>
-            <a:r>
-              <a:rPr lang="en-US" sz="2200" dirty="0">
-                <a:solidFill>
-                  <a:schemeClr val="tx1"/>
-                </a:solidFill>
-                <a:latin typeface="Bahnschrift SemiBold SemiConden" panose="020B0502040204020203" pitchFamily="34" charset="0"/>
-              </a:rPr>
-              <a:t>: karuizawa, </a:t>
-            </a:r>
-            <a:r>
-              <a:rPr lang="en-US" sz="2200" strike="sngStrike" dirty="0" err="1">
-                <a:solidFill>
-                  <a:schemeClr val="tx1"/>
-                </a:solidFill>
-                <a:latin typeface="Bahnschrift SemiBold SemiConden" panose="020B0502040204020203" pitchFamily="34" charset="0"/>
-              </a:rPr>
-              <a:t>nagumo</a:t>
-            </a:r>
-            <a:r>
-              <a:rPr lang="en-US" sz="2200" dirty="0">
-                <a:solidFill>
-                  <a:schemeClr val="tx1"/>
-                </a:solidFill>
-                <a:latin typeface="Bahnschrift SemiBold SemiConden" panose="020B0502040204020203" pitchFamily="34" charset="0"/>
-              </a:rPr>
-              <a:t>, </a:t>
-            </a:r>
-            <a:r>
-              <a:rPr lang="en-US" sz="2200" dirty="0" err="1">
-                <a:solidFill>
-                  <a:schemeClr val="tx1"/>
-                </a:solidFill>
-                <a:latin typeface="Bahnschrift SemiBold SemiConden" panose="020B0502040204020203" pitchFamily="34" charset="0"/>
-              </a:rPr>
-              <a:t>hirata</a:t>
-            </a:r>
-            <a:r>
-              <a:rPr lang="en-US" sz="2200" dirty="0">
-                <a:solidFill>
-                  <a:schemeClr val="tx1"/>
-                </a:solidFill>
-                <a:latin typeface="Bahnschrift SemiBold SemiConden" panose="020B0502040204020203" pitchFamily="34" charset="0"/>
-              </a:rPr>
-              <a:t>, date, love, …</a:t>
-            </a:r>
-          </a:p>
-        </p:txBody>
-      </p:sp>
-      <p:sp>
-        <p:nvSpPr>
-          <p:cNvPr id="15" name="Google Shape;106;p2">
-            <a:extLst>
-              <a:ext uri="{FF2B5EF4-FFF2-40B4-BE49-F238E27FC236}">
-                <a16:creationId xmlns:a16="http://schemas.microsoft.com/office/drawing/2014/main" id="{A4F1565C-CBDE-48D2-9629-1D300BB6168F}"/>
-              </a:ext>
-            </a:extLst>
-          </p:cNvPr>
-          <p:cNvSpPr txBox="1"/>
-          <p:nvPr/>
-        </p:nvSpPr>
-        <p:spPr>
-          <a:xfrm>
-            <a:off x="3538851" y="3271401"/>
-            <a:ext cx="7282927" cy="898800"/>
-          </a:xfrm>
-          <a:prstGeom prst="rect">
-            <a:avLst/>
-          </a:prstGeom>
-          <a:solidFill>
-            <a:schemeClr val="bg1"/>
-          </a:solidFill>
-          <a:ln w="28575" cap="flat" cmpd="sng">
-            <a:solidFill>
-              <a:schemeClr val="tx1"/>
-            </a:solidFill>
-            <a:prstDash val="solid"/>
-            <a:miter lim="800000"/>
-            <a:headEnd type="none" w="sm" len="sm"/>
-            <a:tailEnd type="none" w="sm" len="sm"/>
-          </a:ln>
-        </p:spPr>
-        <p:txBody>
-          <a:bodyPr spcFirstLastPara="1" wrap="square" lIns="91425" tIns="45700" rIns="91425" bIns="45700" anchor="ctr" anchorCtr="0">
-            <a:noAutofit/>
-          </a:bodyPr>
-          <a:lstStyle/>
-          <a:p>
-            <a:pPr algn="ctr">
-              <a:lnSpc>
-                <a:spcPct val="150000"/>
-              </a:lnSpc>
-              <a:spcAft>
-                <a:spcPts val="600"/>
-              </a:spcAft>
-            </a:pPr>
-            <a:r>
-              <a:rPr lang="en-US" sz="2100" dirty="0">
-                <a:solidFill>
-                  <a:srgbClr val="A3003C"/>
-                </a:solidFill>
-                <a:latin typeface="Bahnschrift SemiBold SemiConden" panose="020B0502040204020203" pitchFamily="34" charset="0"/>
-              </a:rPr>
-              <a:t>Topic 72</a:t>
-            </a:r>
-            <a:r>
-              <a:rPr lang="en-US" sz="2100" dirty="0">
-                <a:solidFill>
-                  <a:schemeClr val="tx1"/>
-                </a:solidFill>
-                <a:latin typeface="Bahnschrift SemiBold SemiConden" panose="020B0502040204020203" pitchFamily="34" charset="0"/>
-              </a:rPr>
-              <a:t>: </a:t>
-            </a:r>
-            <a:r>
-              <a:rPr lang="fr-FR" sz="2100" dirty="0">
-                <a:solidFill>
-                  <a:schemeClr val="tx1"/>
-                </a:solidFill>
-                <a:latin typeface="Bahnschrift SemiBold SemiConden" panose="020B0502040204020203" pitchFamily="34" charset="0"/>
-              </a:rPr>
-              <a:t>sensei, </a:t>
-            </a:r>
-            <a:r>
-              <a:rPr lang="fr-FR" sz="2100" dirty="0" err="1">
-                <a:solidFill>
-                  <a:schemeClr val="tx1"/>
-                </a:solidFill>
-                <a:latin typeface="Bahnschrift SemiBold SemiConden" panose="020B0502040204020203" pitchFamily="34" charset="0"/>
-              </a:rPr>
-              <a:t>reception</a:t>
-            </a:r>
-            <a:r>
-              <a:rPr lang="fr-FR" sz="2100" dirty="0">
-                <a:solidFill>
-                  <a:schemeClr val="tx1"/>
-                </a:solidFill>
-                <a:latin typeface="Bahnschrift SemiBold SemiConden" panose="020B0502040204020203" pitchFamily="34" charset="0"/>
-              </a:rPr>
-              <a:t>, </a:t>
-            </a:r>
-            <a:r>
-              <a:rPr lang="fr-FR" sz="2100" dirty="0" err="1">
-                <a:solidFill>
-                  <a:schemeClr val="tx1"/>
-                </a:solidFill>
-                <a:latin typeface="Bahnschrift SemiBold SemiConden" panose="020B0502040204020203" pitchFamily="34" charset="0"/>
-              </a:rPr>
-              <a:t>ayanokouji</a:t>
-            </a:r>
-            <a:r>
-              <a:rPr lang="fr-FR" sz="2100" dirty="0">
-                <a:solidFill>
-                  <a:schemeClr val="tx1"/>
-                </a:solidFill>
-                <a:latin typeface="Bahnschrift SemiBold SemiConden" panose="020B0502040204020203" pitchFamily="34" charset="0"/>
-              </a:rPr>
-              <a:t>, </a:t>
-            </a:r>
-            <a:r>
-              <a:rPr lang="fr-FR" sz="2100" dirty="0" err="1">
-                <a:solidFill>
-                  <a:schemeClr val="tx1"/>
-                </a:solidFill>
-                <a:latin typeface="Bahnschrift SemiBold SemiConden" panose="020B0502040204020203" pitchFamily="34" charset="0"/>
-              </a:rPr>
-              <a:t>sakayanagi</a:t>
-            </a:r>
-            <a:r>
-              <a:rPr lang="fr-FR" sz="2100" dirty="0">
-                <a:solidFill>
-                  <a:schemeClr val="tx1"/>
-                </a:solidFill>
-                <a:latin typeface="Bahnschrift SemiBold SemiConden" panose="020B0502040204020203" pitchFamily="34" charset="0"/>
-              </a:rPr>
-              <a:t>, permission</a:t>
-            </a:r>
-            <a:r>
-              <a:rPr lang="en-US" sz="2100" dirty="0">
-                <a:solidFill>
-                  <a:schemeClr val="tx1"/>
-                </a:solidFill>
-                <a:latin typeface="Bahnschrift SemiBold SemiConden" panose="020B0502040204020203" pitchFamily="34" charset="0"/>
-              </a:rPr>
-              <a:t>, …</a:t>
-            </a:r>
-          </a:p>
-        </p:txBody>
-      </p:sp>
-      <p:sp>
-        <p:nvSpPr>
-          <p:cNvPr id="18" name="Google Shape;106;p2">
-            <a:extLst>
-              <a:ext uri="{FF2B5EF4-FFF2-40B4-BE49-F238E27FC236}">
-                <a16:creationId xmlns:a16="http://schemas.microsoft.com/office/drawing/2014/main" id="{0194DBE3-5116-4561-A7F6-9F56CAAC1A87}"/>
-              </a:ext>
-            </a:extLst>
-          </p:cNvPr>
-          <p:cNvSpPr txBox="1"/>
-          <p:nvPr/>
-        </p:nvSpPr>
-        <p:spPr>
-          <a:xfrm>
-            <a:off x="3538851" y="4422005"/>
-            <a:ext cx="7282927" cy="898800"/>
-          </a:xfrm>
-          <a:prstGeom prst="rect">
-            <a:avLst/>
-          </a:prstGeom>
-          <a:solidFill>
-            <a:schemeClr val="bg1"/>
-          </a:solidFill>
-          <a:ln w="28575" cap="flat" cmpd="sng">
-            <a:solidFill>
-              <a:schemeClr val="tx1"/>
-            </a:solidFill>
-            <a:prstDash val="solid"/>
-            <a:miter lim="800000"/>
-            <a:headEnd type="none" w="sm" len="sm"/>
-            <a:tailEnd type="none" w="sm" len="sm"/>
-          </a:ln>
-        </p:spPr>
-        <p:txBody>
-          <a:bodyPr spcFirstLastPara="1" wrap="square" lIns="91425" tIns="45700" rIns="91425" bIns="45700" anchor="ctr" anchorCtr="0">
-            <a:noAutofit/>
-          </a:bodyPr>
-          <a:lstStyle/>
-          <a:p>
-            <a:pPr algn="ctr">
-              <a:lnSpc>
-                <a:spcPct val="150000"/>
-              </a:lnSpc>
-              <a:spcAft>
-                <a:spcPts val="600"/>
-              </a:spcAft>
-            </a:pPr>
-            <a:r>
-              <a:rPr lang="en-US" sz="2200" dirty="0">
-                <a:solidFill>
-                  <a:srgbClr val="A3003C"/>
-                </a:solidFill>
-                <a:latin typeface="Bahnschrift SemiBold SemiConden" panose="020B0502040204020203" pitchFamily="34" charset="0"/>
-              </a:rPr>
-              <a:t>Topic 7</a:t>
-            </a:r>
-            <a:r>
-              <a:rPr lang="en-US" sz="2200" dirty="0">
-                <a:solidFill>
-                  <a:schemeClr val="tx1"/>
-                </a:solidFill>
-                <a:latin typeface="Bahnschrift SemiBold SemiConden" panose="020B0502040204020203" pitchFamily="34" charset="0"/>
-              </a:rPr>
-              <a:t>: sudou, </a:t>
-            </a:r>
-            <a:r>
-              <a:rPr lang="en-US" sz="2200" dirty="0" err="1">
-                <a:solidFill>
-                  <a:schemeClr val="tx1"/>
-                </a:solidFill>
-                <a:latin typeface="Bahnschrift SemiBold SemiConden" panose="020B0502040204020203" pitchFamily="34" charset="0"/>
-              </a:rPr>
-              <a:t>ike</a:t>
-            </a:r>
-            <a:r>
-              <a:rPr lang="en-US" sz="2200" dirty="0">
-                <a:solidFill>
-                  <a:schemeClr val="tx1"/>
-                </a:solidFill>
-                <a:latin typeface="Bahnschrift SemiBold SemiConden" panose="020B0502040204020203" pitchFamily="34" charset="0"/>
-              </a:rPr>
-              <a:t>, </a:t>
-            </a:r>
-            <a:r>
-              <a:rPr lang="en-US" sz="2200" dirty="0" err="1">
-                <a:solidFill>
-                  <a:schemeClr val="tx1"/>
-                </a:solidFill>
-                <a:latin typeface="Bahnschrift SemiBold SemiConden" panose="020B0502040204020203" pitchFamily="34" charset="0"/>
-              </a:rPr>
-              <a:t>yamauchi</a:t>
-            </a:r>
-            <a:r>
-              <a:rPr lang="en-US" sz="2200" dirty="0">
-                <a:solidFill>
-                  <a:schemeClr val="tx1"/>
-                </a:solidFill>
-                <a:latin typeface="Bahnschrift SemiBold SemiConden" panose="020B0502040204020203" pitchFamily="34" charset="0"/>
-              </a:rPr>
-              <a:t>, council, </a:t>
-            </a:r>
-            <a:r>
-              <a:rPr lang="en-US" sz="2200" strike="sngStrike" dirty="0">
-                <a:solidFill>
-                  <a:schemeClr val="tx1"/>
-                </a:solidFill>
-                <a:latin typeface="Bahnschrift SemiBold SemiConden" panose="020B0502040204020203" pitchFamily="34" charset="0"/>
-              </a:rPr>
-              <a:t>birthday</a:t>
-            </a:r>
-            <a:r>
-              <a:rPr lang="en-US" sz="2200" dirty="0">
-                <a:solidFill>
-                  <a:schemeClr val="tx1"/>
-                </a:solidFill>
-                <a:latin typeface="Bahnschrift SemiBold SemiConden" panose="020B0502040204020203" pitchFamily="34" charset="0"/>
-              </a:rPr>
-              <a:t>, …</a:t>
-            </a:r>
-          </a:p>
-        </p:txBody>
-      </p:sp>
-    </p:spTree>
-    <p:extLst>
-      <p:ext uri="{BB962C8B-B14F-4D97-AF65-F5344CB8AC3E}">
-        <p14:creationId xmlns:p14="http://schemas.microsoft.com/office/powerpoint/2010/main" val="3759906730"/>
-      </p:ext>
-    </p:extLst>
-  </p:cSld>
-  <p:clrMapOvr>
-    <a:masterClrMapping/>
-  </p:clrMapOvr>
-</p:sld>
-</file>
-
-<file path=ppt/slides/slide21.xml><?xml version="1.0" encoding="utf-8"?>
-<p:sld xmlns:a="http://schemas.openxmlformats.org/drawingml/2006/main" xmlns:r="http://schemas.openxmlformats.org/officeDocument/2006/relationships" xmlns:p="http://schemas.openxmlformats.org/presentationml/2006/main">
-  <p:cSld>
-    <p:bg>
-      <p:bgPr>
-        <a:blipFill dpi="0" rotWithShape="1">
-          <a:blip r:embed="rId3">
-            <a:lum/>
-          </a:blip>
-          <a:srcRect/>
-          <a:stretch>
-            <a:fillRect/>
-          </a:stretch>
-        </a:blipFill>
-        <a:effectLst/>
-      </p:bgPr>
-    </p:bg>
-    <p:spTree>
-      <p:nvGrpSpPr>
-        <p:cNvPr id="1" name="Shape 88"/>
-        <p:cNvGrpSpPr/>
-        <p:nvPr/>
-      </p:nvGrpSpPr>
-      <p:grpSpPr>
-        <a:xfrm>
-          <a:off x="0" y="0"/>
-          <a:ext cx="0" cy="0"/>
-          <a:chOff x="0" y="0"/>
-          <a:chExt cx="0" cy="0"/>
-        </a:xfrm>
-      </p:grpSpPr>
-      <p:sp>
-        <p:nvSpPr>
-          <p:cNvPr id="2" name="Google Shape;106;p2">
-            <a:extLst>
-              <a:ext uri="{FF2B5EF4-FFF2-40B4-BE49-F238E27FC236}">
-                <a16:creationId xmlns:a16="http://schemas.microsoft.com/office/drawing/2014/main" id="{96FFF3BD-A299-4DD3-888C-7149AB19FA4E}"/>
-              </a:ext>
-            </a:extLst>
-          </p:cNvPr>
-          <p:cNvSpPr txBox="1"/>
-          <p:nvPr/>
-        </p:nvSpPr>
-        <p:spPr>
-          <a:xfrm>
-            <a:off x="202473" y="345031"/>
-            <a:ext cx="1775400" cy="898800"/>
-          </a:xfrm>
-          <a:prstGeom prst="rect">
-            <a:avLst/>
-          </a:prstGeom>
-          <a:solidFill>
-            <a:schemeClr val="tx1"/>
-          </a:solidFill>
-          <a:ln w="12700" cap="flat" cmpd="sng">
-            <a:solidFill>
-              <a:srgbClr val="FFF1FF"/>
-            </a:solidFill>
-            <a:prstDash val="solid"/>
-            <a:miter lim="800000"/>
-            <a:headEnd type="none" w="sm" len="sm"/>
-            <a:tailEnd type="none" w="sm" len="sm"/>
-          </a:ln>
-        </p:spPr>
-        <p:txBody>
-          <a:bodyPr spcFirstLastPara="1" wrap="square" lIns="91425" tIns="45700" rIns="91425" bIns="45700" anchor="ctr" anchorCtr="0">
-            <a:noAutofit/>
-          </a:bodyPr>
-          <a:lstStyle/>
-          <a:p>
-            <a:pPr marL="0" marR="0" lvl="0" indent="0" algn="ctr" rtl="0">
-              <a:spcBef>
-                <a:spcPts val="0"/>
-              </a:spcBef>
-              <a:spcAft>
-                <a:spcPts val="0"/>
-              </a:spcAft>
-              <a:buNone/>
-            </a:pPr>
-            <a:r>
-              <a:rPr lang="en-GB" sz="1800" dirty="0">
-                <a:solidFill>
-                  <a:srgbClr val="FFF1FF"/>
-                </a:solidFill>
-              </a:rPr>
-              <a:t>Results &amp;</a:t>
-            </a:r>
-          </a:p>
-          <a:p>
-            <a:pPr marL="0" marR="0" lvl="0" indent="0" algn="ctr" rtl="0">
-              <a:spcBef>
-                <a:spcPts val="0"/>
-              </a:spcBef>
-              <a:spcAft>
-                <a:spcPts val="0"/>
-              </a:spcAft>
-              <a:buNone/>
-            </a:pPr>
-            <a:r>
-              <a:rPr lang="en-GB" sz="1800" dirty="0">
-                <a:solidFill>
-                  <a:srgbClr val="FFF1FF"/>
-                </a:solidFill>
-              </a:rPr>
-              <a:t>Discussion</a:t>
-            </a:r>
-            <a:endParaRPr lang="en-GB" sz="1800" b="0" i="0" u="none" strike="noStrike" cap="none" dirty="0">
-              <a:solidFill>
-                <a:srgbClr val="FFF1FF"/>
-              </a:solidFill>
-              <a:latin typeface="Arial"/>
-              <a:ea typeface="Arial"/>
-              <a:cs typeface="Arial"/>
-              <a:sym typeface="Arial"/>
-            </a:endParaRPr>
-          </a:p>
-        </p:txBody>
-      </p:sp>
-      <p:sp>
-        <p:nvSpPr>
-          <p:cNvPr id="3" name="Google Shape;196;p7">
-            <a:extLst>
-              <a:ext uri="{FF2B5EF4-FFF2-40B4-BE49-F238E27FC236}">
-                <a16:creationId xmlns:a16="http://schemas.microsoft.com/office/drawing/2014/main" id="{9DBA3090-01C3-4E55-A462-82BFFFF28F2C}"/>
-              </a:ext>
-            </a:extLst>
-          </p:cNvPr>
-          <p:cNvSpPr txBox="1"/>
-          <p:nvPr/>
-        </p:nvSpPr>
-        <p:spPr>
-          <a:xfrm>
-            <a:off x="202473" y="5614169"/>
-            <a:ext cx="1775400" cy="898800"/>
-          </a:xfrm>
-          <a:prstGeom prst="rect">
-            <a:avLst/>
-          </a:prstGeom>
-          <a:solidFill>
-            <a:schemeClr val="tx1"/>
-          </a:solidFill>
-          <a:ln w="12700" cap="flat" cmpd="sng">
-            <a:solidFill>
-              <a:srgbClr val="FFF1FF"/>
-            </a:solidFill>
-            <a:prstDash val="solid"/>
-            <a:miter lim="800000"/>
-            <a:headEnd type="none" w="sm" len="sm"/>
-            <a:tailEnd type="none" w="sm" len="sm"/>
-          </a:ln>
-        </p:spPr>
-        <p:txBody>
-          <a:bodyPr spcFirstLastPara="1" wrap="square" lIns="91425" tIns="45700" rIns="91425" bIns="45700" anchor="ctr" anchorCtr="0">
-            <a:noAutofit/>
-          </a:bodyPr>
-          <a:lstStyle>
-            <a:defPPr marR="0" lvl="0" algn="l" rtl="0">
-              <a:lnSpc>
-                <a:spcPct val="100000"/>
-              </a:lnSpc>
-              <a:spcBef>
-                <a:spcPts val="0"/>
-              </a:spcBef>
-              <a:spcAft>
-                <a:spcPts val="0"/>
-              </a:spcAft>
-              <a:defRPr/>
-            </a:defPPr>
-            <a:lvl1pPr marL="0" indent="0" algn="ctr">
-              <a:buNone/>
-              <a:defRPr sz="2000">
-                <a:solidFill>
-                  <a:srgbClr val="FFD13F"/>
-                </a:solidFill>
-              </a:defRPr>
-            </a:lvl1pPr>
-          </a:lstStyle>
-          <a:p>
-            <a:fld id="{00000000-1234-1234-1234-123412341234}" type="slidenum">
-              <a:rPr lang="en-GB">
-                <a:solidFill>
-                  <a:srgbClr val="FFF1FF"/>
-                </a:solidFill>
-              </a:rPr>
-              <a:pPr/>
-              <a:t>21</a:t>
             </a:fld>
             <a:endParaRPr dirty="0">
               <a:solidFill>
@@ -24300,6 +23357,949 @@
 </p:sld>
 </file>
 
+<file path=ppt/slides/slide21.xml><?xml version="1.0" encoding="utf-8"?>
+<p:sld xmlns:a="http://schemas.openxmlformats.org/drawingml/2006/main" xmlns:r="http://schemas.openxmlformats.org/officeDocument/2006/relationships" xmlns:p="http://schemas.openxmlformats.org/presentationml/2006/main">
+  <p:cSld>
+    <p:bg>
+      <p:bgPr>
+        <a:blipFill dpi="0" rotWithShape="1">
+          <a:blip r:embed="rId3">
+            <a:lum/>
+          </a:blip>
+          <a:srcRect/>
+          <a:stretch>
+            <a:fillRect/>
+          </a:stretch>
+        </a:blipFill>
+        <a:effectLst/>
+      </p:bgPr>
+    </p:bg>
+    <p:spTree>
+      <p:nvGrpSpPr>
+        <p:cNvPr id="1" name="Shape 88"/>
+        <p:cNvGrpSpPr/>
+        <p:nvPr/>
+      </p:nvGrpSpPr>
+      <p:grpSpPr>
+        <a:xfrm>
+          <a:off x="0" y="0"/>
+          <a:ext cx="0" cy="0"/>
+          <a:chOff x="0" y="0"/>
+          <a:chExt cx="0" cy="0"/>
+        </a:xfrm>
+      </p:grpSpPr>
+      <p:sp>
+        <p:nvSpPr>
+          <p:cNvPr id="2" name="Google Shape;106;p2">
+            <a:extLst>
+              <a:ext uri="{FF2B5EF4-FFF2-40B4-BE49-F238E27FC236}">
+                <a16:creationId xmlns:a16="http://schemas.microsoft.com/office/drawing/2014/main" id="{96FFF3BD-A299-4DD3-888C-7149AB19FA4E}"/>
+              </a:ext>
+            </a:extLst>
+          </p:cNvPr>
+          <p:cNvSpPr txBox="1"/>
+          <p:nvPr/>
+        </p:nvSpPr>
+        <p:spPr>
+          <a:xfrm>
+            <a:off x="202473" y="345031"/>
+            <a:ext cx="1775400" cy="898800"/>
+          </a:xfrm>
+          <a:prstGeom prst="rect">
+            <a:avLst/>
+          </a:prstGeom>
+          <a:solidFill>
+            <a:schemeClr val="tx1"/>
+          </a:solidFill>
+          <a:ln w="12700" cap="flat" cmpd="sng">
+            <a:solidFill>
+              <a:srgbClr val="FFF1FF"/>
+            </a:solidFill>
+            <a:prstDash val="solid"/>
+            <a:miter lim="800000"/>
+            <a:headEnd type="none" w="sm" len="sm"/>
+            <a:tailEnd type="none" w="sm" len="sm"/>
+          </a:ln>
+        </p:spPr>
+        <p:txBody>
+          <a:bodyPr spcFirstLastPara="1" wrap="square" lIns="91425" tIns="45700" rIns="91425" bIns="45700" anchor="ctr" anchorCtr="0">
+            <a:noAutofit/>
+          </a:bodyPr>
+          <a:lstStyle/>
+          <a:p>
+            <a:pPr marL="0" marR="0" lvl="0" indent="0" algn="ctr" rtl="0">
+              <a:spcBef>
+                <a:spcPts val="0"/>
+              </a:spcBef>
+              <a:spcAft>
+                <a:spcPts val="0"/>
+              </a:spcAft>
+              <a:buNone/>
+            </a:pPr>
+            <a:r>
+              <a:rPr lang="en-GB" sz="1800" dirty="0">
+                <a:solidFill>
+                  <a:srgbClr val="FFF1FF"/>
+                </a:solidFill>
+              </a:rPr>
+              <a:t>Results &amp;</a:t>
+            </a:r>
+          </a:p>
+          <a:p>
+            <a:pPr marL="0" marR="0" lvl="0" indent="0" algn="ctr" rtl="0">
+              <a:spcBef>
+                <a:spcPts val="0"/>
+              </a:spcBef>
+              <a:spcAft>
+                <a:spcPts val="0"/>
+              </a:spcAft>
+              <a:buNone/>
+            </a:pPr>
+            <a:r>
+              <a:rPr lang="en-GB" sz="1800" dirty="0">
+                <a:solidFill>
+                  <a:srgbClr val="FFF1FF"/>
+                </a:solidFill>
+              </a:rPr>
+              <a:t>Discussion</a:t>
+            </a:r>
+            <a:endParaRPr lang="en-GB" sz="1800" b="0" i="0" u="none" strike="noStrike" cap="none" dirty="0">
+              <a:solidFill>
+                <a:srgbClr val="FFF1FF"/>
+              </a:solidFill>
+              <a:latin typeface="Arial"/>
+              <a:ea typeface="Arial"/>
+              <a:cs typeface="Arial"/>
+              <a:sym typeface="Arial"/>
+            </a:endParaRPr>
+          </a:p>
+        </p:txBody>
+      </p:sp>
+      <p:sp>
+        <p:nvSpPr>
+          <p:cNvPr id="3" name="Google Shape;196;p7">
+            <a:extLst>
+              <a:ext uri="{FF2B5EF4-FFF2-40B4-BE49-F238E27FC236}">
+                <a16:creationId xmlns:a16="http://schemas.microsoft.com/office/drawing/2014/main" id="{9DBA3090-01C3-4E55-A462-82BFFFF28F2C}"/>
+              </a:ext>
+            </a:extLst>
+          </p:cNvPr>
+          <p:cNvSpPr txBox="1"/>
+          <p:nvPr/>
+        </p:nvSpPr>
+        <p:spPr>
+          <a:xfrm>
+            <a:off x="202473" y="5614169"/>
+            <a:ext cx="1775400" cy="898800"/>
+          </a:xfrm>
+          <a:prstGeom prst="rect">
+            <a:avLst/>
+          </a:prstGeom>
+          <a:solidFill>
+            <a:schemeClr val="tx1"/>
+          </a:solidFill>
+          <a:ln w="12700" cap="flat" cmpd="sng">
+            <a:solidFill>
+              <a:srgbClr val="FFF1FF"/>
+            </a:solidFill>
+            <a:prstDash val="solid"/>
+            <a:miter lim="800000"/>
+            <a:headEnd type="none" w="sm" len="sm"/>
+            <a:tailEnd type="none" w="sm" len="sm"/>
+          </a:ln>
+        </p:spPr>
+        <p:txBody>
+          <a:bodyPr spcFirstLastPara="1" wrap="square" lIns="91425" tIns="45700" rIns="91425" bIns="45700" anchor="ctr" anchorCtr="0">
+            <a:noAutofit/>
+          </a:bodyPr>
+          <a:lstStyle>
+            <a:defPPr marR="0" lvl="0" algn="l" rtl="0">
+              <a:lnSpc>
+                <a:spcPct val="100000"/>
+              </a:lnSpc>
+              <a:spcBef>
+                <a:spcPts val="0"/>
+              </a:spcBef>
+              <a:spcAft>
+                <a:spcPts val="0"/>
+              </a:spcAft>
+              <a:defRPr/>
+            </a:defPPr>
+            <a:lvl1pPr marL="0" indent="0" algn="ctr">
+              <a:buNone/>
+              <a:defRPr sz="2000">
+                <a:solidFill>
+                  <a:srgbClr val="FFD13F"/>
+                </a:solidFill>
+              </a:defRPr>
+            </a:lvl1pPr>
+          </a:lstStyle>
+          <a:p>
+            <a:fld id="{00000000-1234-1234-1234-123412341234}" type="slidenum">
+              <a:rPr lang="en-GB">
+                <a:solidFill>
+                  <a:srgbClr val="FFF1FF"/>
+                </a:solidFill>
+              </a:rPr>
+              <a:pPr/>
+              <a:t>21</a:t>
+            </a:fld>
+            <a:endParaRPr dirty="0">
+              <a:solidFill>
+                <a:srgbClr val="FFF1FF"/>
+              </a:solidFill>
+            </a:endParaRPr>
+          </a:p>
+        </p:txBody>
+      </p:sp>
+      <p:sp>
+        <p:nvSpPr>
+          <p:cNvPr id="7" name="Google Shape;106;p2">
+            <a:extLst>
+              <a:ext uri="{FF2B5EF4-FFF2-40B4-BE49-F238E27FC236}">
+                <a16:creationId xmlns:a16="http://schemas.microsoft.com/office/drawing/2014/main" id="{7B56B33E-CAEC-4D6E-B6AC-0212E4DBFAEE}"/>
+              </a:ext>
+            </a:extLst>
+          </p:cNvPr>
+          <p:cNvSpPr txBox="1"/>
+          <p:nvPr/>
+        </p:nvSpPr>
+        <p:spPr>
+          <a:xfrm>
+            <a:off x="3538852" y="596835"/>
+            <a:ext cx="7282927" cy="1272158"/>
+          </a:xfrm>
+          <a:prstGeom prst="rect">
+            <a:avLst/>
+          </a:prstGeom>
+          <a:solidFill>
+            <a:schemeClr val="bg1"/>
+          </a:solidFill>
+          <a:ln w="28575" cap="flat" cmpd="sng">
+            <a:solidFill>
+              <a:schemeClr val="tx1"/>
+            </a:solidFill>
+            <a:prstDash val="solid"/>
+            <a:miter lim="800000"/>
+            <a:headEnd type="none" w="sm" len="sm"/>
+            <a:tailEnd type="none" w="sm" len="sm"/>
+          </a:ln>
+        </p:spPr>
+        <p:txBody>
+          <a:bodyPr spcFirstLastPara="1" wrap="square" lIns="91425" tIns="45700" rIns="91425" bIns="45700" anchor="ctr" anchorCtr="0">
+            <a:noAutofit/>
+          </a:bodyPr>
+          <a:lstStyle/>
+          <a:p>
+            <a:pPr algn="ctr">
+              <a:lnSpc>
+                <a:spcPct val="150000"/>
+              </a:lnSpc>
+              <a:spcAft>
+                <a:spcPts val="600"/>
+              </a:spcAft>
+            </a:pPr>
+            <a:endParaRPr lang="en-US" sz="1800" dirty="0">
+              <a:solidFill>
+                <a:srgbClr val="000000"/>
+              </a:solidFill>
+              <a:effectLst/>
+              <a:latin typeface="Calibri" panose="020F0502020204030204" pitchFamily="34" charset="0"/>
+              <a:ea typeface="Calibri" panose="020F0502020204030204" pitchFamily="34" charset="0"/>
+              <a:cs typeface="Calibri" panose="020F0502020204030204" pitchFamily="34" charset="0"/>
+            </a:endParaRPr>
+          </a:p>
+          <a:p>
+            <a:pPr algn="ctr">
+              <a:lnSpc>
+                <a:spcPct val="150000"/>
+              </a:lnSpc>
+              <a:spcAft>
+                <a:spcPts val="600"/>
+              </a:spcAft>
+            </a:pPr>
+            <a:r>
+              <a:rPr lang="en-US" sz="2200" dirty="0">
+                <a:solidFill>
+                  <a:srgbClr val="A3003C"/>
+                </a:solidFill>
+                <a:latin typeface="Bahnschrift SemiBold SemiConden" panose="020B0502040204020203" pitchFamily="34" charset="0"/>
+              </a:rPr>
+              <a:t>Topic 68</a:t>
+            </a:r>
+            <a:r>
+              <a:rPr lang="en-US" sz="2200" dirty="0">
+                <a:solidFill>
+                  <a:schemeClr val="tx1"/>
+                </a:solidFill>
+                <a:latin typeface="Bahnschrift SemiBold SemiConden" panose="020B0502040204020203" pitchFamily="34" charset="0"/>
+              </a:rPr>
+              <a:t>: </a:t>
+            </a:r>
+            <a:r>
+              <a:rPr lang="en-GB" sz="2200" dirty="0" err="1">
+                <a:solidFill>
+                  <a:schemeClr val="tx1"/>
+                </a:solidFill>
+                <a:latin typeface="Bahnschrift SemiBold SemiConden" panose="020B0502040204020203" pitchFamily="34" charset="0"/>
+              </a:rPr>
+              <a:t>ryuuen</a:t>
+            </a:r>
+            <a:r>
+              <a:rPr lang="en-GB" sz="2200" dirty="0">
+                <a:solidFill>
+                  <a:schemeClr val="tx1"/>
+                </a:solidFill>
+                <a:latin typeface="Bahnschrift SemiBold SemiConden" panose="020B0502040204020203" pitchFamily="34" charset="0"/>
+              </a:rPr>
+              <a:t>, </a:t>
+            </a:r>
+            <a:r>
+              <a:rPr lang="en-GB" sz="2200" dirty="0" err="1">
+                <a:solidFill>
+                  <a:schemeClr val="tx1"/>
+                </a:solidFill>
+                <a:latin typeface="Bahnschrift SemiBold SemiConden" panose="020B0502040204020203" pitchFamily="34" charset="0"/>
+              </a:rPr>
+              <a:t>nagumo</a:t>
+            </a:r>
+            <a:r>
+              <a:rPr lang="en-GB" sz="2200" dirty="0">
+                <a:solidFill>
+                  <a:schemeClr val="tx1"/>
+                </a:solidFill>
+                <a:latin typeface="Bahnschrift SemiBold SemiConden" panose="020B0502040204020203" pitchFamily="34" charset="0"/>
+              </a:rPr>
+              <a:t>, council, older, points</a:t>
+            </a:r>
+            <a:r>
+              <a:rPr lang="en-US" sz="2200" dirty="0">
+                <a:solidFill>
+                  <a:schemeClr val="tx1"/>
+                </a:solidFill>
+                <a:latin typeface="Bahnschrift SemiBold SemiConden" panose="020B0502040204020203" pitchFamily="34" charset="0"/>
+              </a:rPr>
+              <a:t>, …</a:t>
+            </a:r>
+          </a:p>
+        </p:txBody>
+      </p:sp>
+      <p:sp>
+        <p:nvSpPr>
+          <p:cNvPr id="11" name="Google Shape;106;p2">
+            <a:extLst>
+              <a:ext uri="{FF2B5EF4-FFF2-40B4-BE49-F238E27FC236}">
+                <a16:creationId xmlns:a16="http://schemas.microsoft.com/office/drawing/2014/main" id="{CA3F87FA-FBED-4E2B-861C-80BC01928B4F}"/>
+              </a:ext>
+            </a:extLst>
+          </p:cNvPr>
+          <p:cNvSpPr txBox="1"/>
+          <p:nvPr/>
+        </p:nvSpPr>
+        <p:spPr>
+          <a:xfrm>
+            <a:off x="202473" y="1421879"/>
+            <a:ext cx="1775400" cy="898800"/>
+          </a:xfrm>
+          <a:prstGeom prst="rect">
+            <a:avLst/>
+          </a:prstGeom>
+          <a:solidFill>
+            <a:schemeClr val="tx1"/>
+          </a:solidFill>
+          <a:ln w="12700" cap="flat" cmpd="sng">
+            <a:solidFill>
+              <a:srgbClr val="FFF1FF"/>
+            </a:solidFill>
+            <a:prstDash val="solid"/>
+            <a:miter lim="800000"/>
+            <a:headEnd type="none" w="sm" len="sm"/>
+            <a:tailEnd type="none" w="sm" len="sm"/>
+          </a:ln>
+        </p:spPr>
+        <p:txBody>
+          <a:bodyPr spcFirstLastPara="1" wrap="square" lIns="91425" tIns="45700" rIns="91425" bIns="45700" anchor="ctr" anchorCtr="0">
+            <a:noAutofit/>
+          </a:bodyPr>
+          <a:lstStyle/>
+          <a:p>
+            <a:pPr marL="0" marR="0" lvl="0" indent="0" algn="ctr" rtl="0">
+              <a:spcBef>
+                <a:spcPts val="0"/>
+              </a:spcBef>
+              <a:spcAft>
+                <a:spcPts val="0"/>
+              </a:spcAft>
+              <a:buNone/>
+            </a:pPr>
+            <a:r>
+              <a:rPr lang="en-GB" sz="1800" dirty="0">
+                <a:solidFill>
+                  <a:srgbClr val="FFF1FF"/>
+                </a:solidFill>
+              </a:rPr>
+              <a:t>Trimester 2</a:t>
+            </a:r>
+            <a:endParaRPr lang="en-GB" sz="1800" b="0" i="0" u="none" strike="noStrike" cap="none" dirty="0">
+              <a:solidFill>
+                <a:srgbClr val="FFF1FF"/>
+              </a:solidFill>
+              <a:latin typeface="Arial"/>
+              <a:ea typeface="Arial"/>
+              <a:cs typeface="Arial"/>
+              <a:sym typeface="Arial"/>
+            </a:endParaRPr>
+          </a:p>
+        </p:txBody>
+      </p:sp>
+      <p:sp>
+        <p:nvSpPr>
+          <p:cNvPr id="12" name="Google Shape;106;p2">
+            <a:extLst>
+              <a:ext uri="{FF2B5EF4-FFF2-40B4-BE49-F238E27FC236}">
+                <a16:creationId xmlns:a16="http://schemas.microsoft.com/office/drawing/2014/main" id="{43464C39-5F03-4E4E-ACCE-ADBC1E91BEDF}"/>
+              </a:ext>
+            </a:extLst>
+          </p:cNvPr>
+          <p:cNvSpPr txBox="1"/>
+          <p:nvPr/>
+        </p:nvSpPr>
+        <p:spPr>
+          <a:xfrm>
+            <a:off x="5417745" y="345031"/>
+            <a:ext cx="3525140" cy="750239"/>
+          </a:xfrm>
+          <a:prstGeom prst="rect">
+            <a:avLst/>
+          </a:prstGeom>
+          <a:solidFill>
+            <a:schemeClr val="tx1"/>
+          </a:solidFill>
+          <a:ln w="28575" cap="flat" cmpd="sng">
+            <a:solidFill>
+              <a:schemeClr val="tx1"/>
+            </a:solidFill>
+            <a:prstDash val="solid"/>
+            <a:miter lim="800000"/>
+            <a:headEnd type="none" w="sm" len="sm"/>
+            <a:tailEnd type="none" w="sm" len="sm"/>
+          </a:ln>
+        </p:spPr>
+        <p:txBody>
+          <a:bodyPr spcFirstLastPara="1" wrap="square" lIns="91425" tIns="45700" rIns="91425" bIns="45700" anchor="ctr" anchorCtr="0">
+            <a:noAutofit/>
+          </a:bodyPr>
+          <a:lstStyle/>
+          <a:p>
+            <a:pPr marR="0" lvl="0" algn="ctr" rtl="0">
+              <a:spcBef>
+                <a:spcPts val="0"/>
+              </a:spcBef>
+              <a:spcAft>
+                <a:spcPts val="0"/>
+              </a:spcAft>
+            </a:pPr>
+            <a:r>
+              <a:rPr lang="en-US" sz="2200" dirty="0">
+                <a:solidFill>
+                  <a:srgbClr val="E4007F"/>
+                </a:solidFill>
+                <a:latin typeface="Bahnschrift SemiBold SemiConden" panose="020B0502040204020203" pitchFamily="34" charset="0"/>
+              </a:rPr>
+              <a:t>T</a:t>
+            </a:r>
+            <a:r>
+              <a:rPr lang="en-US" sz="2200" dirty="0">
+                <a:solidFill>
+                  <a:schemeClr val="bg1"/>
+                </a:solidFill>
+                <a:latin typeface="Bahnschrift SemiBold SemiConden" panose="020B0502040204020203" pitchFamily="34" charset="0"/>
+              </a:rPr>
+              <a:t>op 5 Topic Clusters: </a:t>
+            </a:r>
+          </a:p>
+        </p:txBody>
+      </p:sp>
+      <p:sp>
+        <p:nvSpPr>
+          <p:cNvPr id="13" name="Google Shape;106;p2">
+            <a:extLst>
+              <a:ext uri="{FF2B5EF4-FFF2-40B4-BE49-F238E27FC236}">
+                <a16:creationId xmlns:a16="http://schemas.microsoft.com/office/drawing/2014/main" id="{19E299AC-801B-4772-A204-50C6AAAF4760}"/>
+              </a:ext>
+            </a:extLst>
+          </p:cNvPr>
+          <p:cNvSpPr txBox="1"/>
+          <p:nvPr/>
+        </p:nvSpPr>
+        <p:spPr>
+          <a:xfrm>
+            <a:off x="3538851" y="5572609"/>
+            <a:ext cx="7282927" cy="940360"/>
+          </a:xfrm>
+          <a:prstGeom prst="rect">
+            <a:avLst/>
+          </a:prstGeom>
+          <a:solidFill>
+            <a:schemeClr val="bg1"/>
+          </a:solidFill>
+          <a:ln w="28575" cap="flat" cmpd="sng">
+            <a:solidFill>
+              <a:schemeClr val="tx1"/>
+            </a:solidFill>
+            <a:prstDash val="solid"/>
+            <a:miter lim="800000"/>
+            <a:headEnd type="none" w="sm" len="sm"/>
+            <a:tailEnd type="none" w="sm" len="sm"/>
+          </a:ln>
+        </p:spPr>
+        <p:txBody>
+          <a:bodyPr spcFirstLastPara="1" wrap="square" lIns="91425" tIns="45700" rIns="91425" bIns="45700" anchor="ctr" anchorCtr="0">
+            <a:noAutofit/>
+          </a:bodyPr>
+          <a:lstStyle/>
+          <a:p>
+            <a:pPr algn="ctr">
+              <a:lnSpc>
+                <a:spcPct val="150000"/>
+              </a:lnSpc>
+              <a:spcAft>
+                <a:spcPts val="600"/>
+              </a:spcAft>
+            </a:pPr>
+            <a:r>
+              <a:rPr lang="en-US" sz="2100" dirty="0">
+                <a:solidFill>
+                  <a:srgbClr val="A3003C"/>
+                </a:solidFill>
+                <a:latin typeface="Bahnschrift SemiBold SemiConden" panose="020B0502040204020203" pitchFamily="34" charset="0"/>
+              </a:rPr>
+              <a:t>Topic 38</a:t>
+            </a:r>
+            <a:r>
+              <a:rPr lang="en-US" sz="2100" dirty="0">
+                <a:solidFill>
+                  <a:schemeClr val="tx1"/>
+                </a:solidFill>
+                <a:latin typeface="Bahnschrift SemiBold SemiConden" panose="020B0502040204020203" pitchFamily="34" charset="0"/>
+              </a:rPr>
+              <a:t>: </a:t>
+            </a:r>
+            <a:r>
+              <a:rPr lang="en-GB" sz="2100" dirty="0">
+                <a:solidFill>
+                  <a:schemeClr val="tx1"/>
+                </a:solidFill>
+                <a:latin typeface="Bahnschrift SemiBold SemiConden" panose="020B0502040204020203" pitchFamily="34" charset="0"/>
+              </a:rPr>
+              <a:t>months, importantly, reliable, </a:t>
+            </a:r>
+            <a:r>
+              <a:rPr lang="en-GB" sz="2100" dirty="0" err="1">
+                <a:solidFill>
+                  <a:schemeClr val="tx1"/>
+                </a:solidFill>
+                <a:latin typeface="Bahnschrift SemiBold SemiConden" panose="020B0502040204020203" pitchFamily="34" charset="0"/>
+              </a:rPr>
+              <a:t>kinugasa</a:t>
+            </a:r>
+            <a:r>
+              <a:rPr lang="en-GB" sz="2100" dirty="0">
+                <a:solidFill>
+                  <a:schemeClr val="tx1"/>
+                </a:solidFill>
+                <a:latin typeface="Bahnschrift SemiBold SemiConden" panose="020B0502040204020203" pitchFamily="34" charset="0"/>
+              </a:rPr>
+              <a:t>, refrain, …</a:t>
+            </a:r>
+            <a:endParaRPr lang="en-US" sz="2100" dirty="0">
+              <a:solidFill>
+                <a:schemeClr val="tx1"/>
+              </a:solidFill>
+              <a:latin typeface="Bahnschrift SemiBold SemiConden" panose="020B0502040204020203" pitchFamily="34" charset="0"/>
+            </a:endParaRPr>
+          </a:p>
+        </p:txBody>
+      </p:sp>
+      <p:sp>
+        <p:nvSpPr>
+          <p:cNvPr id="14" name="Google Shape;106;p2">
+            <a:extLst>
+              <a:ext uri="{FF2B5EF4-FFF2-40B4-BE49-F238E27FC236}">
+                <a16:creationId xmlns:a16="http://schemas.microsoft.com/office/drawing/2014/main" id="{EBACA58E-1256-46A7-A19B-9357228BE569}"/>
+              </a:ext>
+            </a:extLst>
+          </p:cNvPr>
+          <p:cNvSpPr txBox="1"/>
+          <p:nvPr/>
+        </p:nvSpPr>
+        <p:spPr>
+          <a:xfrm>
+            <a:off x="3538851" y="2120797"/>
+            <a:ext cx="7282927" cy="898800"/>
+          </a:xfrm>
+          <a:prstGeom prst="rect">
+            <a:avLst/>
+          </a:prstGeom>
+          <a:solidFill>
+            <a:schemeClr val="bg1"/>
+          </a:solidFill>
+          <a:ln w="28575" cap="flat" cmpd="sng">
+            <a:solidFill>
+              <a:schemeClr val="tx1"/>
+            </a:solidFill>
+            <a:prstDash val="solid"/>
+            <a:miter lim="800000"/>
+            <a:headEnd type="none" w="sm" len="sm"/>
+            <a:tailEnd type="none" w="sm" len="sm"/>
+          </a:ln>
+        </p:spPr>
+        <p:txBody>
+          <a:bodyPr spcFirstLastPara="1" wrap="square" lIns="91425" tIns="45700" rIns="91425" bIns="45700" anchor="ctr" anchorCtr="0">
+            <a:noAutofit/>
+          </a:bodyPr>
+          <a:lstStyle/>
+          <a:p>
+            <a:pPr algn="ctr">
+              <a:lnSpc>
+                <a:spcPct val="150000"/>
+              </a:lnSpc>
+              <a:spcAft>
+                <a:spcPts val="600"/>
+              </a:spcAft>
+            </a:pPr>
+            <a:r>
+              <a:rPr lang="en-US" sz="2200" dirty="0">
+                <a:solidFill>
+                  <a:srgbClr val="A3003C"/>
+                </a:solidFill>
+                <a:latin typeface="Bahnschrift SemiBold SemiConden" panose="020B0502040204020203" pitchFamily="34" charset="0"/>
+              </a:rPr>
+              <a:t>Topic 9</a:t>
+            </a:r>
+            <a:r>
+              <a:rPr lang="en-US" sz="2200" dirty="0">
+                <a:solidFill>
+                  <a:schemeClr val="tx1"/>
+                </a:solidFill>
+                <a:latin typeface="Bahnschrift SemiBold SemiConden" panose="020B0502040204020203" pitchFamily="34" charset="0"/>
+              </a:rPr>
+              <a:t>: karuizawa, </a:t>
+            </a:r>
+            <a:r>
+              <a:rPr lang="en-US" sz="2200" strike="sngStrike" dirty="0" err="1">
+                <a:solidFill>
+                  <a:schemeClr val="tx1"/>
+                </a:solidFill>
+                <a:latin typeface="Bahnschrift SemiBold SemiConden" panose="020B0502040204020203" pitchFamily="34" charset="0"/>
+              </a:rPr>
+              <a:t>nagumo</a:t>
+            </a:r>
+            <a:r>
+              <a:rPr lang="en-US" sz="2200" dirty="0">
+                <a:solidFill>
+                  <a:schemeClr val="tx1"/>
+                </a:solidFill>
+                <a:latin typeface="Bahnschrift SemiBold SemiConden" panose="020B0502040204020203" pitchFamily="34" charset="0"/>
+              </a:rPr>
+              <a:t>, </a:t>
+            </a:r>
+            <a:r>
+              <a:rPr lang="en-US" sz="2200" dirty="0" err="1">
+                <a:solidFill>
+                  <a:schemeClr val="tx1"/>
+                </a:solidFill>
+                <a:latin typeface="Bahnschrift SemiBold SemiConden" panose="020B0502040204020203" pitchFamily="34" charset="0"/>
+              </a:rPr>
+              <a:t>hirata</a:t>
+            </a:r>
+            <a:r>
+              <a:rPr lang="en-US" sz="2200" dirty="0">
+                <a:solidFill>
+                  <a:schemeClr val="tx1"/>
+                </a:solidFill>
+                <a:latin typeface="Bahnschrift SemiBold SemiConden" panose="020B0502040204020203" pitchFamily="34" charset="0"/>
+              </a:rPr>
+              <a:t>, date, love, …</a:t>
+            </a:r>
+          </a:p>
+        </p:txBody>
+      </p:sp>
+      <p:sp>
+        <p:nvSpPr>
+          <p:cNvPr id="15" name="Google Shape;106;p2">
+            <a:extLst>
+              <a:ext uri="{FF2B5EF4-FFF2-40B4-BE49-F238E27FC236}">
+                <a16:creationId xmlns:a16="http://schemas.microsoft.com/office/drawing/2014/main" id="{A4F1565C-CBDE-48D2-9629-1D300BB6168F}"/>
+              </a:ext>
+            </a:extLst>
+          </p:cNvPr>
+          <p:cNvSpPr txBox="1"/>
+          <p:nvPr/>
+        </p:nvSpPr>
+        <p:spPr>
+          <a:xfrm>
+            <a:off x="3538851" y="3271401"/>
+            <a:ext cx="7282927" cy="898800"/>
+          </a:xfrm>
+          <a:prstGeom prst="rect">
+            <a:avLst/>
+          </a:prstGeom>
+          <a:solidFill>
+            <a:schemeClr val="bg1"/>
+          </a:solidFill>
+          <a:ln w="28575" cap="flat" cmpd="sng">
+            <a:solidFill>
+              <a:schemeClr val="tx1"/>
+            </a:solidFill>
+            <a:prstDash val="solid"/>
+            <a:miter lim="800000"/>
+            <a:headEnd type="none" w="sm" len="sm"/>
+            <a:tailEnd type="none" w="sm" len="sm"/>
+          </a:ln>
+        </p:spPr>
+        <p:txBody>
+          <a:bodyPr spcFirstLastPara="1" wrap="square" lIns="91425" tIns="45700" rIns="91425" bIns="45700" anchor="ctr" anchorCtr="0">
+            <a:noAutofit/>
+          </a:bodyPr>
+          <a:lstStyle/>
+          <a:p>
+            <a:pPr algn="ctr">
+              <a:lnSpc>
+                <a:spcPct val="150000"/>
+              </a:lnSpc>
+              <a:spcAft>
+                <a:spcPts val="600"/>
+              </a:spcAft>
+            </a:pPr>
+            <a:r>
+              <a:rPr lang="en-US" sz="2100" dirty="0">
+                <a:solidFill>
+                  <a:srgbClr val="A3003C"/>
+                </a:solidFill>
+                <a:latin typeface="Bahnschrift SemiBold SemiConden" panose="020B0502040204020203" pitchFamily="34" charset="0"/>
+              </a:rPr>
+              <a:t>Topic 72</a:t>
+            </a:r>
+            <a:r>
+              <a:rPr lang="en-US" sz="2100" dirty="0">
+                <a:solidFill>
+                  <a:schemeClr val="tx1"/>
+                </a:solidFill>
+                <a:latin typeface="Bahnschrift SemiBold SemiConden" panose="020B0502040204020203" pitchFamily="34" charset="0"/>
+              </a:rPr>
+              <a:t>: </a:t>
+            </a:r>
+            <a:r>
+              <a:rPr lang="fr-FR" sz="2100" dirty="0">
+                <a:solidFill>
+                  <a:schemeClr val="tx1"/>
+                </a:solidFill>
+                <a:latin typeface="Bahnschrift SemiBold SemiConden" panose="020B0502040204020203" pitchFamily="34" charset="0"/>
+              </a:rPr>
+              <a:t>sensei, </a:t>
+            </a:r>
+            <a:r>
+              <a:rPr lang="fr-FR" sz="2100" dirty="0" err="1">
+                <a:solidFill>
+                  <a:schemeClr val="tx1"/>
+                </a:solidFill>
+                <a:latin typeface="Bahnschrift SemiBold SemiConden" panose="020B0502040204020203" pitchFamily="34" charset="0"/>
+              </a:rPr>
+              <a:t>reception</a:t>
+            </a:r>
+            <a:r>
+              <a:rPr lang="fr-FR" sz="2100" dirty="0">
+                <a:solidFill>
+                  <a:schemeClr val="tx1"/>
+                </a:solidFill>
+                <a:latin typeface="Bahnschrift SemiBold SemiConden" panose="020B0502040204020203" pitchFamily="34" charset="0"/>
+              </a:rPr>
+              <a:t>, </a:t>
+            </a:r>
+            <a:r>
+              <a:rPr lang="fr-FR" sz="2100" dirty="0" err="1">
+                <a:solidFill>
+                  <a:schemeClr val="tx1"/>
+                </a:solidFill>
+                <a:latin typeface="Bahnschrift SemiBold SemiConden" panose="020B0502040204020203" pitchFamily="34" charset="0"/>
+              </a:rPr>
+              <a:t>ayanokouji</a:t>
+            </a:r>
+            <a:r>
+              <a:rPr lang="fr-FR" sz="2100" dirty="0">
+                <a:solidFill>
+                  <a:schemeClr val="tx1"/>
+                </a:solidFill>
+                <a:latin typeface="Bahnschrift SemiBold SemiConden" panose="020B0502040204020203" pitchFamily="34" charset="0"/>
+              </a:rPr>
+              <a:t>, </a:t>
+            </a:r>
+            <a:r>
+              <a:rPr lang="fr-FR" sz="2100" dirty="0" err="1">
+                <a:solidFill>
+                  <a:schemeClr val="tx1"/>
+                </a:solidFill>
+                <a:latin typeface="Bahnschrift SemiBold SemiConden" panose="020B0502040204020203" pitchFamily="34" charset="0"/>
+              </a:rPr>
+              <a:t>sakayanagi</a:t>
+            </a:r>
+            <a:r>
+              <a:rPr lang="fr-FR" sz="2100" dirty="0">
+                <a:solidFill>
+                  <a:schemeClr val="tx1"/>
+                </a:solidFill>
+                <a:latin typeface="Bahnschrift SemiBold SemiConden" panose="020B0502040204020203" pitchFamily="34" charset="0"/>
+              </a:rPr>
+              <a:t>, permission</a:t>
+            </a:r>
+            <a:r>
+              <a:rPr lang="en-US" sz="2100" dirty="0">
+                <a:solidFill>
+                  <a:schemeClr val="tx1"/>
+                </a:solidFill>
+                <a:latin typeface="Bahnschrift SemiBold SemiConden" panose="020B0502040204020203" pitchFamily="34" charset="0"/>
+              </a:rPr>
+              <a:t>, …</a:t>
+            </a:r>
+          </a:p>
+        </p:txBody>
+      </p:sp>
+      <p:sp>
+        <p:nvSpPr>
+          <p:cNvPr id="18" name="Google Shape;106;p2">
+            <a:extLst>
+              <a:ext uri="{FF2B5EF4-FFF2-40B4-BE49-F238E27FC236}">
+                <a16:creationId xmlns:a16="http://schemas.microsoft.com/office/drawing/2014/main" id="{0194DBE3-5116-4561-A7F6-9F56CAAC1A87}"/>
+              </a:ext>
+            </a:extLst>
+          </p:cNvPr>
+          <p:cNvSpPr txBox="1"/>
+          <p:nvPr/>
+        </p:nvSpPr>
+        <p:spPr>
+          <a:xfrm>
+            <a:off x="3538851" y="4422005"/>
+            <a:ext cx="7282927" cy="898800"/>
+          </a:xfrm>
+          <a:prstGeom prst="rect">
+            <a:avLst/>
+          </a:prstGeom>
+          <a:solidFill>
+            <a:schemeClr val="bg1"/>
+          </a:solidFill>
+          <a:ln w="28575" cap="flat" cmpd="sng">
+            <a:solidFill>
+              <a:schemeClr val="tx1"/>
+            </a:solidFill>
+            <a:prstDash val="solid"/>
+            <a:miter lim="800000"/>
+            <a:headEnd type="none" w="sm" len="sm"/>
+            <a:tailEnd type="none" w="sm" len="sm"/>
+          </a:ln>
+        </p:spPr>
+        <p:txBody>
+          <a:bodyPr spcFirstLastPara="1" wrap="square" lIns="91425" tIns="45700" rIns="91425" bIns="45700" anchor="ctr" anchorCtr="0">
+            <a:noAutofit/>
+          </a:bodyPr>
+          <a:lstStyle/>
+          <a:p>
+            <a:pPr algn="ctr">
+              <a:lnSpc>
+                <a:spcPct val="150000"/>
+              </a:lnSpc>
+              <a:spcAft>
+                <a:spcPts val="600"/>
+              </a:spcAft>
+            </a:pPr>
+            <a:r>
+              <a:rPr lang="en-US" sz="2200" dirty="0">
+                <a:solidFill>
+                  <a:srgbClr val="A3003C"/>
+                </a:solidFill>
+                <a:latin typeface="Bahnschrift SemiBold SemiConden" panose="020B0502040204020203" pitchFamily="34" charset="0"/>
+              </a:rPr>
+              <a:t>Topic 7</a:t>
+            </a:r>
+            <a:r>
+              <a:rPr lang="en-US" sz="2200" dirty="0">
+                <a:solidFill>
+                  <a:schemeClr val="tx1"/>
+                </a:solidFill>
+                <a:latin typeface="Bahnschrift SemiBold SemiConden" panose="020B0502040204020203" pitchFamily="34" charset="0"/>
+              </a:rPr>
+              <a:t>: sudou, </a:t>
+            </a:r>
+            <a:r>
+              <a:rPr lang="en-US" sz="2200" dirty="0" err="1">
+                <a:solidFill>
+                  <a:schemeClr val="tx1"/>
+                </a:solidFill>
+                <a:latin typeface="Bahnschrift SemiBold SemiConden" panose="020B0502040204020203" pitchFamily="34" charset="0"/>
+              </a:rPr>
+              <a:t>ike</a:t>
+            </a:r>
+            <a:r>
+              <a:rPr lang="en-US" sz="2200" dirty="0">
+                <a:solidFill>
+                  <a:schemeClr val="tx1"/>
+                </a:solidFill>
+                <a:latin typeface="Bahnschrift SemiBold SemiConden" panose="020B0502040204020203" pitchFamily="34" charset="0"/>
+              </a:rPr>
+              <a:t>, </a:t>
+            </a:r>
+            <a:r>
+              <a:rPr lang="en-US" sz="2200" dirty="0" err="1">
+                <a:solidFill>
+                  <a:schemeClr val="tx1"/>
+                </a:solidFill>
+                <a:latin typeface="Bahnschrift SemiBold SemiConden" panose="020B0502040204020203" pitchFamily="34" charset="0"/>
+              </a:rPr>
+              <a:t>yamauchi</a:t>
+            </a:r>
+            <a:r>
+              <a:rPr lang="en-US" sz="2200" dirty="0">
+                <a:solidFill>
+                  <a:schemeClr val="tx1"/>
+                </a:solidFill>
+                <a:latin typeface="Bahnschrift SemiBold SemiConden" panose="020B0502040204020203" pitchFamily="34" charset="0"/>
+              </a:rPr>
+              <a:t>, council, </a:t>
+            </a:r>
+            <a:r>
+              <a:rPr lang="en-US" sz="2200" strike="sngStrike" dirty="0">
+                <a:solidFill>
+                  <a:schemeClr val="tx1"/>
+                </a:solidFill>
+                <a:latin typeface="Bahnschrift SemiBold SemiConden" panose="020B0502040204020203" pitchFamily="34" charset="0"/>
+              </a:rPr>
+              <a:t>birthday</a:t>
+            </a:r>
+            <a:r>
+              <a:rPr lang="en-US" sz="2200" dirty="0">
+                <a:solidFill>
+                  <a:schemeClr val="tx1"/>
+                </a:solidFill>
+                <a:latin typeface="Bahnschrift SemiBold SemiConden" panose="020B0502040204020203" pitchFamily="34" charset="0"/>
+              </a:rPr>
+              <a:t>, …</a:t>
+            </a:r>
+          </a:p>
+        </p:txBody>
+      </p:sp>
+    </p:spTree>
+    <p:extLst>
+      <p:ext uri="{BB962C8B-B14F-4D97-AF65-F5344CB8AC3E}">
+        <p14:creationId xmlns:p14="http://schemas.microsoft.com/office/powerpoint/2010/main" val="3759906730"/>
+      </p:ext>
+    </p:extLst>
+  </p:cSld>
+  <p:clrMapOvr>
+    <a:masterClrMapping/>
+  </p:clrMapOvr>
+</p:sld>
+</file>
+
 <file path=ppt/slides/slide22.xml><?xml version="1.0" encoding="utf-8"?>
 <p:sld xmlns:a="http://schemas.openxmlformats.org/drawingml/2006/main" xmlns:r="http://schemas.openxmlformats.org/officeDocument/2006/relationships" xmlns:p="http://schemas.openxmlformats.org/presentationml/2006/main">
   <p:cSld>
@@ -24486,925 +24486,6 @@
               </a:rPr>
               <a:pPr/>
               <a:t>22</a:t>
-            </a:fld>
-            <a:endParaRPr dirty="0">
-              <a:solidFill>
-                <a:srgbClr val="FFF1FF"/>
-              </a:solidFill>
-            </a:endParaRPr>
-          </a:p>
-        </p:txBody>
-      </p:sp>
-      <p:sp>
-        <p:nvSpPr>
-          <p:cNvPr id="7" name="Google Shape;106;p2">
-            <a:extLst>
-              <a:ext uri="{FF2B5EF4-FFF2-40B4-BE49-F238E27FC236}">
-                <a16:creationId xmlns:a16="http://schemas.microsoft.com/office/drawing/2014/main" id="{7B56B33E-CAEC-4D6E-B6AC-0212E4DBFAEE}"/>
-              </a:ext>
-            </a:extLst>
-          </p:cNvPr>
-          <p:cNvSpPr txBox="1"/>
-          <p:nvPr/>
-        </p:nvSpPr>
-        <p:spPr>
-          <a:xfrm>
-            <a:off x="3538852" y="596835"/>
-            <a:ext cx="7282927" cy="1272158"/>
-          </a:xfrm>
-          <a:prstGeom prst="rect">
-            <a:avLst/>
-          </a:prstGeom>
-          <a:solidFill>
-            <a:schemeClr val="bg1"/>
-          </a:solidFill>
-          <a:ln w="28575" cap="flat" cmpd="sng">
-            <a:solidFill>
-              <a:schemeClr val="tx1"/>
-            </a:solidFill>
-            <a:prstDash val="solid"/>
-            <a:miter lim="800000"/>
-            <a:headEnd type="none" w="sm" len="sm"/>
-            <a:tailEnd type="none" w="sm" len="sm"/>
-          </a:ln>
-        </p:spPr>
-        <p:txBody>
-          <a:bodyPr spcFirstLastPara="1" wrap="square" lIns="91425" tIns="45700" rIns="91425" bIns="45700" anchor="ctr" anchorCtr="0">
-            <a:noAutofit/>
-          </a:bodyPr>
-          <a:lstStyle/>
-          <a:p>
-            <a:pPr algn="ctr">
-              <a:lnSpc>
-                <a:spcPct val="150000"/>
-              </a:lnSpc>
-              <a:spcAft>
-                <a:spcPts val="600"/>
-              </a:spcAft>
-            </a:pPr>
-            <a:endParaRPr lang="en-US" sz="1800" dirty="0">
-              <a:solidFill>
-                <a:srgbClr val="000000"/>
-              </a:solidFill>
-              <a:effectLst/>
-              <a:latin typeface="Calibri" panose="020F0502020204030204" pitchFamily="34" charset="0"/>
-              <a:ea typeface="Calibri" panose="020F0502020204030204" pitchFamily="34" charset="0"/>
-              <a:cs typeface="Calibri" panose="020F0502020204030204" pitchFamily="34" charset="0"/>
-            </a:endParaRPr>
-          </a:p>
-          <a:p>
-            <a:pPr algn="ctr">
-              <a:lnSpc>
-                <a:spcPct val="150000"/>
-              </a:lnSpc>
-              <a:spcAft>
-                <a:spcPts val="600"/>
-              </a:spcAft>
-            </a:pPr>
-            <a:r>
-              <a:rPr lang="en-US" sz="2200" dirty="0">
-                <a:solidFill>
-                  <a:srgbClr val="A3003C"/>
-                </a:solidFill>
-                <a:latin typeface="Bahnschrift SemiBold SemiConden" panose="020B0502040204020203" pitchFamily="34" charset="0"/>
-              </a:rPr>
-              <a:t>Topic 68</a:t>
-            </a:r>
-            <a:r>
-              <a:rPr lang="en-US" sz="2200" dirty="0">
-                <a:solidFill>
-                  <a:schemeClr val="tx1"/>
-                </a:solidFill>
-                <a:latin typeface="Bahnschrift SemiBold SemiConden" panose="020B0502040204020203" pitchFamily="34" charset="0"/>
-              </a:rPr>
-              <a:t>: </a:t>
-            </a:r>
-            <a:r>
-              <a:rPr lang="en-GB" sz="2200" dirty="0" err="1">
-                <a:solidFill>
-                  <a:schemeClr val="tx1"/>
-                </a:solidFill>
-                <a:latin typeface="Bahnschrift SemiBold SemiConden" panose="020B0502040204020203" pitchFamily="34" charset="0"/>
-              </a:rPr>
-              <a:t>ryuuen</a:t>
-            </a:r>
-            <a:r>
-              <a:rPr lang="en-GB" sz="2200" dirty="0">
-                <a:solidFill>
-                  <a:schemeClr val="tx1"/>
-                </a:solidFill>
-                <a:latin typeface="Bahnschrift SemiBold SemiConden" panose="020B0502040204020203" pitchFamily="34" charset="0"/>
-              </a:rPr>
-              <a:t>, </a:t>
-            </a:r>
-            <a:r>
-              <a:rPr lang="en-GB" sz="2200" dirty="0" err="1">
-                <a:solidFill>
-                  <a:schemeClr val="tx1"/>
-                </a:solidFill>
-                <a:latin typeface="Bahnschrift SemiBold SemiConden" panose="020B0502040204020203" pitchFamily="34" charset="0"/>
-              </a:rPr>
-              <a:t>nagumo</a:t>
-            </a:r>
-            <a:r>
-              <a:rPr lang="en-GB" sz="2200" dirty="0">
-                <a:solidFill>
-                  <a:schemeClr val="tx1"/>
-                </a:solidFill>
-                <a:latin typeface="Bahnschrift SemiBold SemiConden" panose="020B0502040204020203" pitchFamily="34" charset="0"/>
-              </a:rPr>
-              <a:t>, council, older, points</a:t>
-            </a:r>
-            <a:r>
-              <a:rPr lang="en-US" sz="2200" dirty="0">
-                <a:solidFill>
-                  <a:schemeClr val="tx1"/>
-                </a:solidFill>
-                <a:latin typeface="Bahnschrift SemiBold SemiConden" panose="020B0502040204020203" pitchFamily="34" charset="0"/>
-              </a:rPr>
-              <a:t>, …</a:t>
-            </a:r>
-          </a:p>
-        </p:txBody>
-      </p:sp>
-      <p:sp>
-        <p:nvSpPr>
-          <p:cNvPr id="11" name="Google Shape;106;p2">
-            <a:extLst>
-              <a:ext uri="{FF2B5EF4-FFF2-40B4-BE49-F238E27FC236}">
-                <a16:creationId xmlns:a16="http://schemas.microsoft.com/office/drawing/2014/main" id="{CA3F87FA-FBED-4E2B-861C-80BC01928B4F}"/>
-              </a:ext>
-            </a:extLst>
-          </p:cNvPr>
-          <p:cNvSpPr txBox="1"/>
-          <p:nvPr/>
-        </p:nvSpPr>
-        <p:spPr>
-          <a:xfrm>
-            <a:off x="202473" y="1421879"/>
-            <a:ext cx="1775400" cy="898800"/>
-          </a:xfrm>
-          <a:prstGeom prst="rect">
-            <a:avLst/>
-          </a:prstGeom>
-          <a:solidFill>
-            <a:schemeClr val="tx1"/>
-          </a:solidFill>
-          <a:ln w="12700" cap="flat" cmpd="sng">
-            <a:solidFill>
-              <a:srgbClr val="FFF1FF"/>
-            </a:solidFill>
-            <a:prstDash val="solid"/>
-            <a:miter lim="800000"/>
-            <a:headEnd type="none" w="sm" len="sm"/>
-            <a:tailEnd type="none" w="sm" len="sm"/>
-          </a:ln>
-        </p:spPr>
-        <p:txBody>
-          <a:bodyPr spcFirstLastPara="1" wrap="square" lIns="91425" tIns="45700" rIns="91425" bIns="45700" anchor="ctr" anchorCtr="0">
-            <a:noAutofit/>
-          </a:bodyPr>
-          <a:lstStyle/>
-          <a:p>
-            <a:pPr marL="0" marR="0" lvl="0" indent="0" algn="ctr" rtl="0">
-              <a:spcBef>
-                <a:spcPts val="0"/>
-              </a:spcBef>
-              <a:spcAft>
-                <a:spcPts val="0"/>
-              </a:spcAft>
-              <a:buNone/>
-            </a:pPr>
-            <a:r>
-              <a:rPr lang="en-GB" sz="1800" dirty="0">
-                <a:solidFill>
-                  <a:srgbClr val="FFF1FF"/>
-                </a:solidFill>
-              </a:rPr>
-              <a:t>Trimester 2</a:t>
-            </a:r>
-            <a:endParaRPr lang="en-GB" sz="1800" b="0" i="0" u="none" strike="noStrike" cap="none" dirty="0">
-              <a:solidFill>
-                <a:srgbClr val="FFF1FF"/>
-              </a:solidFill>
-              <a:latin typeface="Arial"/>
-              <a:ea typeface="Arial"/>
-              <a:cs typeface="Arial"/>
-              <a:sym typeface="Arial"/>
-            </a:endParaRPr>
-          </a:p>
-        </p:txBody>
-      </p:sp>
-      <p:sp>
-        <p:nvSpPr>
-          <p:cNvPr id="12" name="Google Shape;106;p2">
-            <a:extLst>
-              <a:ext uri="{FF2B5EF4-FFF2-40B4-BE49-F238E27FC236}">
-                <a16:creationId xmlns:a16="http://schemas.microsoft.com/office/drawing/2014/main" id="{43464C39-5F03-4E4E-ACCE-ADBC1E91BEDF}"/>
-              </a:ext>
-            </a:extLst>
-          </p:cNvPr>
-          <p:cNvSpPr txBox="1"/>
-          <p:nvPr/>
-        </p:nvSpPr>
-        <p:spPr>
-          <a:xfrm>
-            <a:off x="5417745" y="345031"/>
-            <a:ext cx="3525140" cy="750239"/>
-          </a:xfrm>
-          <a:prstGeom prst="rect">
-            <a:avLst/>
-          </a:prstGeom>
-          <a:solidFill>
-            <a:schemeClr val="tx1"/>
-          </a:solidFill>
-          <a:ln w="28575" cap="flat" cmpd="sng">
-            <a:solidFill>
-              <a:schemeClr val="tx1"/>
-            </a:solidFill>
-            <a:prstDash val="solid"/>
-            <a:miter lim="800000"/>
-            <a:headEnd type="none" w="sm" len="sm"/>
-            <a:tailEnd type="none" w="sm" len="sm"/>
-          </a:ln>
-        </p:spPr>
-        <p:txBody>
-          <a:bodyPr spcFirstLastPara="1" wrap="square" lIns="91425" tIns="45700" rIns="91425" bIns="45700" anchor="ctr" anchorCtr="0">
-            <a:noAutofit/>
-          </a:bodyPr>
-          <a:lstStyle/>
-          <a:p>
-            <a:pPr marR="0" lvl="0" algn="ctr" rtl="0">
-              <a:spcBef>
-                <a:spcPts val="0"/>
-              </a:spcBef>
-              <a:spcAft>
-                <a:spcPts val="0"/>
-              </a:spcAft>
-            </a:pPr>
-            <a:r>
-              <a:rPr lang="en-US" sz="2200" dirty="0">
-                <a:solidFill>
-                  <a:srgbClr val="E4007F"/>
-                </a:solidFill>
-                <a:latin typeface="Bahnschrift SemiBold SemiConden" panose="020B0502040204020203" pitchFamily="34" charset="0"/>
-              </a:rPr>
-              <a:t>T</a:t>
-            </a:r>
-            <a:r>
-              <a:rPr lang="en-US" sz="2200" dirty="0">
-                <a:solidFill>
-                  <a:schemeClr val="bg1"/>
-                </a:solidFill>
-                <a:latin typeface="Bahnschrift SemiBold SemiConden" panose="020B0502040204020203" pitchFamily="34" charset="0"/>
-              </a:rPr>
-              <a:t>op 5 Topic Clusters: </a:t>
-            </a:r>
-          </a:p>
-        </p:txBody>
-      </p:sp>
-      <p:sp>
-        <p:nvSpPr>
-          <p:cNvPr id="13" name="Google Shape;106;p2">
-            <a:extLst>
-              <a:ext uri="{FF2B5EF4-FFF2-40B4-BE49-F238E27FC236}">
-                <a16:creationId xmlns:a16="http://schemas.microsoft.com/office/drawing/2014/main" id="{19E299AC-801B-4772-A204-50C6AAAF4760}"/>
-              </a:ext>
-            </a:extLst>
-          </p:cNvPr>
-          <p:cNvSpPr txBox="1"/>
-          <p:nvPr/>
-        </p:nvSpPr>
-        <p:spPr>
-          <a:xfrm>
-            <a:off x="3538851" y="5572609"/>
-            <a:ext cx="7282927" cy="940360"/>
-          </a:xfrm>
-          <a:prstGeom prst="rect">
-            <a:avLst/>
-          </a:prstGeom>
-          <a:solidFill>
-            <a:schemeClr val="bg1"/>
-          </a:solidFill>
-          <a:ln w="28575" cap="flat" cmpd="sng">
-            <a:solidFill>
-              <a:schemeClr val="tx1"/>
-            </a:solidFill>
-            <a:prstDash val="solid"/>
-            <a:miter lim="800000"/>
-            <a:headEnd type="none" w="sm" len="sm"/>
-            <a:tailEnd type="none" w="sm" len="sm"/>
-          </a:ln>
-        </p:spPr>
-        <p:txBody>
-          <a:bodyPr spcFirstLastPara="1" wrap="square" lIns="91425" tIns="45700" rIns="91425" bIns="45700" anchor="ctr" anchorCtr="0">
-            <a:noAutofit/>
-          </a:bodyPr>
-          <a:lstStyle/>
-          <a:p>
-            <a:pPr algn="ctr">
-              <a:lnSpc>
-                <a:spcPct val="150000"/>
-              </a:lnSpc>
-              <a:spcAft>
-                <a:spcPts val="600"/>
-              </a:spcAft>
-            </a:pPr>
-            <a:r>
-              <a:rPr lang="en-US" sz="2100" dirty="0">
-                <a:solidFill>
-                  <a:srgbClr val="A3003C"/>
-                </a:solidFill>
-                <a:latin typeface="Bahnschrift SemiBold SemiConden" panose="020B0502040204020203" pitchFamily="34" charset="0"/>
-              </a:rPr>
-              <a:t>Topic 49</a:t>
-            </a:r>
-            <a:r>
-              <a:rPr lang="en-US" sz="2100" dirty="0">
-                <a:solidFill>
-                  <a:schemeClr val="tx1"/>
-                </a:solidFill>
-                <a:latin typeface="Bahnschrift SemiBold SemiConden" panose="020B0502040204020203" pitchFamily="34" charset="0"/>
-              </a:rPr>
-              <a:t>: </a:t>
-            </a:r>
-            <a:r>
-              <a:rPr lang="en-GB" sz="2100" dirty="0" err="1">
-                <a:solidFill>
-                  <a:schemeClr val="tx1"/>
-                </a:solidFill>
-                <a:latin typeface="Bahnschrift SemiBold SemiConden" panose="020B0502040204020203" pitchFamily="34" charset="0"/>
-              </a:rPr>
-              <a:t>ayanokouji</a:t>
-            </a:r>
-            <a:r>
-              <a:rPr lang="en-GB" sz="2100" dirty="0">
-                <a:solidFill>
-                  <a:schemeClr val="tx1"/>
-                </a:solidFill>
-                <a:latin typeface="Bahnschrift SemiBold SemiConden" panose="020B0502040204020203" pitchFamily="34" charset="0"/>
-              </a:rPr>
-              <a:t>, boy, amazing, cup, formidable, …</a:t>
-            </a:r>
-            <a:endParaRPr lang="en-US" sz="2100" dirty="0">
-              <a:solidFill>
-                <a:schemeClr val="tx1"/>
-              </a:solidFill>
-              <a:latin typeface="Bahnschrift SemiBold SemiConden" panose="020B0502040204020203" pitchFamily="34" charset="0"/>
-            </a:endParaRPr>
-          </a:p>
-        </p:txBody>
-      </p:sp>
-      <p:sp>
-        <p:nvSpPr>
-          <p:cNvPr id="14" name="Google Shape;106;p2">
-            <a:extLst>
-              <a:ext uri="{FF2B5EF4-FFF2-40B4-BE49-F238E27FC236}">
-                <a16:creationId xmlns:a16="http://schemas.microsoft.com/office/drawing/2014/main" id="{EBACA58E-1256-46A7-A19B-9357228BE569}"/>
-              </a:ext>
-            </a:extLst>
-          </p:cNvPr>
-          <p:cNvSpPr txBox="1"/>
-          <p:nvPr/>
-        </p:nvSpPr>
-        <p:spPr>
-          <a:xfrm>
-            <a:off x="3538851" y="2120797"/>
-            <a:ext cx="7282927" cy="898800"/>
-          </a:xfrm>
-          <a:prstGeom prst="rect">
-            <a:avLst/>
-          </a:prstGeom>
-          <a:solidFill>
-            <a:schemeClr val="bg1"/>
-          </a:solidFill>
-          <a:ln w="28575" cap="flat" cmpd="sng">
-            <a:solidFill>
-              <a:schemeClr val="tx1"/>
-            </a:solidFill>
-            <a:prstDash val="solid"/>
-            <a:miter lim="800000"/>
-            <a:headEnd type="none" w="sm" len="sm"/>
-            <a:tailEnd type="none" w="sm" len="sm"/>
-          </a:ln>
-        </p:spPr>
-        <p:txBody>
-          <a:bodyPr spcFirstLastPara="1" wrap="square" lIns="91425" tIns="45700" rIns="91425" bIns="45700" anchor="ctr" anchorCtr="0">
-            <a:noAutofit/>
-          </a:bodyPr>
-          <a:lstStyle/>
-          <a:p>
-            <a:pPr algn="ctr">
-              <a:lnSpc>
-                <a:spcPct val="150000"/>
-              </a:lnSpc>
-              <a:spcAft>
-                <a:spcPts val="600"/>
-              </a:spcAft>
-            </a:pPr>
-            <a:r>
-              <a:rPr lang="en-US" sz="2200" dirty="0">
-                <a:solidFill>
-                  <a:srgbClr val="A3003C"/>
-                </a:solidFill>
-                <a:latin typeface="Bahnschrift SemiBold SemiConden" panose="020B0502040204020203" pitchFamily="34" charset="0"/>
-              </a:rPr>
-              <a:t>Topic 9</a:t>
-            </a:r>
-            <a:r>
-              <a:rPr lang="en-US" sz="2200" dirty="0">
-                <a:solidFill>
-                  <a:schemeClr val="tx1"/>
-                </a:solidFill>
-                <a:latin typeface="Bahnschrift SemiBold SemiConden" panose="020B0502040204020203" pitchFamily="34" charset="0"/>
-              </a:rPr>
-              <a:t>: karuizawa, </a:t>
-            </a:r>
-            <a:r>
-              <a:rPr lang="en-US" sz="2200" strike="sngStrike" dirty="0" err="1">
-                <a:solidFill>
-                  <a:schemeClr val="tx1"/>
-                </a:solidFill>
-                <a:latin typeface="Bahnschrift SemiBold SemiConden" panose="020B0502040204020203" pitchFamily="34" charset="0"/>
-              </a:rPr>
-              <a:t>nagumo</a:t>
-            </a:r>
-            <a:r>
-              <a:rPr lang="en-US" sz="2200" dirty="0">
-                <a:solidFill>
-                  <a:schemeClr val="tx1"/>
-                </a:solidFill>
-                <a:latin typeface="Bahnschrift SemiBold SemiConden" panose="020B0502040204020203" pitchFamily="34" charset="0"/>
-              </a:rPr>
-              <a:t>, </a:t>
-            </a:r>
-            <a:r>
-              <a:rPr lang="en-US" sz="2200" dirty="0" err="1">
-                <a:solidFill>
-                  <a:schemeClr val="tx1"/>
-                </a:solidFill>
-                <a:latin typeface="Bahnschrift SemiBold SemiConden" panose="020B0502040204020203" pitchFamily="34" charset="0"/>
-              </a:rPr>
-              <a:t>hirata</a:t>
-            </a:r>
-            <a:r>
-              <a:rPr lang="en-US" sz="2200" dirty="0">
-                <a:solidFill>
-                  <a:schemeClr val="tx1"/>
-                </a:solidFill>
-                <a:latin typeface="Bahnschrift SemiBold SemiConden" panose="020B0502040204020203" pitchFamily="34" charset="0"/>
-              </a:rPr>
-              <a:t>, date, love, …</a:t>
-            </a:r>
-          </a:p>
-        </p:txBody>
-      </p:sp>
-      <p:sp>
-        <p:nvSpPr>
-          <p:cNvPr id="15" name="Google Shape;106;p2">
-            <a:extLst>
-              <a:ext uri="{FF2B5EF4-FFF2-40B4-BE49-F238E27FC236}">
-                <a16:creationId xmlns:a16="http://schemas.microsoft.com/office/drawing/2014/main" id="{A4F1565C-CBDE-48D2-9629-1D300BB6168F}"/>
-              </a:ext>
-            </a:extLst>
-          </p:cNvPr>
-          <p:cNvSpPr txBox="1"/>
-          <p:nvPr/>
-        </p:nvSpPr>
-        <p:spPr>
-          <a:xfrm>
-            <a:off x="3538851" y="3271401"/>
-            <a:ext cx="7282927" cy="898800"/>
-          </a:xfrm>
-          <a:prstGeom prst="rect">
-            <a:avLst/>
-          </a:prstGeom>
-          <a:solidFill>
-            <a:schemeClr val="bg1"/>
-          </a:solidFill>
-          <a:ln w="28575" cap="flat" cmpd="sng">
-            <a:solidFill>
-              <a:schemeClr val="tx1"/>
-            </a:solidFill>
-            <a:prstDash val="solid"/>
-            <a:miter lim="800000"/>
-            <a:headEnd type="none" w="sm" len="sm"/>
-            <a:tailEnd type="none" w="sm" len="sm"/>
-          </a:ln>
-        </p:spPr>
-        <p:txBody>
-          <a:bodyPr spcFirstLastPara="1" wrap="square" lIns="91425" tIns="45700" rIns="91425" bIns="45700" anchor="ctr" anchorCtr="0">
-            <a:noAutofit/>
-          </a:bodyPr>
-          <a:lstStyle/>
-          <a:p>
-            <a:pPr algn="ctr">
-              <a:lnSpc>
-                <a:spcPct val="150000"/>
-              </a:lnSpc>
-              <a:spcAft>
-                <a:spcPts val="600"/>
-              </a:spcAft>
-            </a:pPr>
-            <a:r>
-              <a:rPr lang="en-US" sz="2100" dirty="0">
-                <a:solidFill>
-                  <a:srgbClr val="A3003C"/>
-                </a:solidFill>
-                <a:latin typeface="Bahnschrift SemiBold SemiConden" panose="020B0502040204020203" pitchFamily="34" charset="0"/>
-              </a:rPr>
-              <a:t>Topic 65</a:t>
-            </a:r>
-            <a:r>
-              <a:rPr lang="en-US" sz="2100" dirty="0">
-                <a:solidFill>
-                  <a:schemeClr val="tx1"/>
-                </a:solidFill>
-                <a:latin typeface="Bahnschrift SemiBold SemiConden" panose="020B0502040204020203" pitchFamily="34" charset="0"/>
-              </a:rPr>
-              <a:t>: </a:t>
-            </a:r>
-            <a:r>
-              <a:rPr lang="en-GB" sz="2100" dirty="0" err="1">
-                <a:solidFill>
-                  <a:schemeClr val="tx1"/>
-                </a:solidFill>
-                <a:latin typeface="Bahnschrift SemiBold SemiConden" panose="020B0502040204020203" pitchFamily="34" charset="0"/>
-              </a:rPr>
-              <a:t>sakayanagi</a:t>
-            </a:r>
-            <a:r>
-              <a:rPr lang="en-GB" sz="2100" dirty="0">
-                <a:solidFill>
-                  <a:schemeClr val="tx1"/>
-                </a:solidFill>
-                <a:latin typeface="Bahnschrift SemiBold SemiConden" panose="020B0502040204020203" pitchFamily="34" charset="0"/>
-              </a:rPr>
-              <a:t>, </a:t>
-            </a:r>
-            <a:r>
-              <a:rPr lang="en-GB" sz="2100" dirty="0" err="1">
-                <a:solidFill>
-                  <a:schemeClr val="tx1"/>
-                </a:solidFill>
-                <a:latin typeface="Bahnschrift SemiBold SemiConden" panose="020B0502040204020203" pitchFamily="34" charset="0"/>
-              </a:rPr>
-              <a:t>ichinose</a:t>
-            </a:r>
-            <a:r>
-              <a:rPr lang="en-GB" sz="2100" dirty="0">
-                <a:solidFill>
-                  <a:schemeClr val="tx1"/>
-                </a:solidFill>
-                <a:latin typeface="Bahnschrift SemiBold SemiConden" panose="020B0502040204020203" pitchFamily="34" charset="0"/>
-              </a:rPr>
-              <a:t>, </a:t>
-            </a:r>
-            <a:r>
-              <a:rPr lang="en-GB" sz="2100" dirty="0" err="1">
-                <a:solidFill>
-                  <a:schemeClr val="tx1"/>
-                </a:solidFill>
-                <a:latin typeface="Bahnschrift SemiBold SemiConden" panose="020B0502040204020203" pitchFamily="34" charset="0"/>
-              </a:rPr>
-              <a:t>ryuuen</a:t>
-            </a:r>
-            <a:r>
-              <a:rPr lang="en-GB" sz="2100" dirty="0">
-                <a:solidFill>
-                  <a:schemeClr val="tx1"/>
-                </a:solidFill>
-                <a:latin typeface="Bahnschrift SemiBold SemiConden" panose="020B0502040204020203" pitchFamily="34" charset="0"/>
-              </a:rPr>
-              <a:t>, watch, </a:t>
-            </a:r>
-            <a:r>
-              <a:rPr lang="en-GB" sz="2100" dirty="0" err="1">
-                <a:solidFill>
-                  <a:schemeClr val="tx1"/>
-                </a:solidFill>
-                <a:latin typeface="Bahnschrift SemiBold SemiConden" panose="020B0502040204020203" pitchFamily="34" charset="0"/>
-              </a:rPr>
-              <a:t>theater</a:t>
-            </a:r>
-            <a:r>
-              <a:rPr lang="en-GB" sz="2100" dirty="0">
-                <a:solidFill>
-                  <a:schemeClr val="tx1"/>
-                </a:solidFill>
-                <a:latin typeface="Bahnschrift SemiBold SemiConden" panose="020B0502040204020203" pitchFamily="34" charset="0"/>
-              </a:rPr>
-              <a:t>, …</a:t>
-            </a:r>
-            <a:endParaRPr lang="en-US" sz="2100" dirty="0">
-              <a:solidFill>
-                <a:schemeClr val="tx1"/>
-              </a:solidFill>
-              <a:latin typeface="Bahnschrift SemiBold SemiConden" panose="020B0502040204020203" pitchFamily="34" charset="0"/>
-            </a:endParaRPr>
-          </a:p>
-        </p:txBody>
-      </p:sp>
-      <p:sp>
-        <p:nvSpPr>
-          <p:cNvPr id="18" name="Google Shape;106;p2">
-            <a:extLst>
-              <a:ext uri="{FF2B5EF4-FFF2-40B4-BE49-F238E27FC236}">
-                <a16:creationId xmlns:a16="http://schemas.microsoft.com/office/drawing/2014/main" id="{0194DBE3-5116-4561-A7F6-9F56CAAC1A87}"/>
-              </a:ext>
-            </a:extLst>
-          </p:cNvPr>
-          <p:cNvSpPr txBox="1"/>
-          <p:nvPr/>
-        </p:nvSpPr>
-        <p:spPr>
-          <a:xfrm>
-            <a:off x="3538851" y="4422005"/>
-            <a:ext cx="7282927" cy="898800"/>
-          </a:xfrm>
-          <a:prstGeom prst="rect">
-            <a:avLst/>
-          </a:prstGeom>
-          <a:solidFill>
-            <a:schemeClr val="bg1"/>
-          </a:solidFill>
-          <a:ln w="28575" cap="flat" cmpd="sng">
-            <a:solidFill>
-              <a:schemeClr val="tx1"/>
-            </a:solidFill>
-            <a:prstDash val="solid"/>
-            <a:miter lim="800000"/>
-            <a:headEnd type="none" w="sm" len="sm"/>
-            <a:tailEnd type="none" w="sm" len="sm"/>
-          </a:ln>
-        </p:spPr>
-        <p:txBody>
-          <a:bodyPr spcFirstLastPara="1" wrap="square" lIns="91425" tIns="45700" rIns="91425" bIns="45700" anchor="ctr" anchorCtr="0">
-            <a:noAutofit/>
-          </a:bodyPr>
-          <a:lstStyle/>
-          <a:p>
-            <a:pPr algn="ctr">
-              <a:lnSpc>
-                <a:spcPct val="150000"/>
-              </a:lnSpc>
-              <a:spcAft>
-                <a:spcPts val="600"/>
-              </a:spcAft>
-            </a:pPr>
-            <a:r>
-              <a:rPr lang="en-US" sz="2200" dirty="0">
-                <a:solidFill>
-                  <a:srgbClr val="A3003C"/>
-                </a:solidFill>
-                <a:latin typeface="Bahnschrift SemiBold SemiConden" panose="020B0502040204020203" pitchFamily="34" charset="0"/>
-              </a:rPr>
-              <a:t>Topic 55</a:t>
-            </a:r>
-            <a:r>
-              <a:rPr lang="en-US" sz="2200" dirty="0">
-                <a:solidFill>
-                  <a:schemeClr val="tx1"/>
-                </a:solidFill>
-                <a:latin typeface="Bahnschrift SemiBold SemiConden" panose="020B0502040204020203" pitchFamily="34" charset="0"/>
-              </a:rPr>
-              <a:t>: </a:t>
-            </a:r>
-            <a:r>
-              <a:rPr lang="en-GB" sz="2200" dirty="0">
-                <a:solidFill>
-                  <a:schemeClr val="tx1"/>
-                </a:solidFill>
-                <a:latin typeface="Bahnschrift SemiBold SemiConden" panose="020B0502040204020203" pitchFamily="34" charset="0"/>
-              </a:rPr>
-              <a:t>council, </a:t>
-            </a:r>
-            <a:r>
-              <a:rPr lang="en-GB" sz="2200" dirty="0" err="1">
-                <a:solidFill>
-                  <a:schemeClr val="tx1"/>
-                </a:solidFill>
-                <a:latin typeface="Bahnschrift SemiBold SemiConden" panose="020B0502040204020203" pitchFamily="34" charset="0"/>
-              </a:rPr>
-              <a:t>nagumo</a:t>
-            </a:r>
-            <a:r>
-              <a:rPr lang="en-GB" sz="2200" dirty="0">
-                <a:solidFill>
-                  <a:schemeClr val="tx1"/>
-                </a:solidFill>
-                <a:latin typeface="Bahnschrift SemiBold SemiConden" panose="020B0502040204020203" pitchFamily="34" charset="0"/>
-              </a:rPr>
-              <a:t>, brother, join, president, …</a:t>
-            </a:r>
-            <a:endParaRPr lang="en-US" sz="2200" dirty="0">
-              <a:solidFill>
-                <a:schemeClr val="tx1"/>
-              </a:solidFill>
-              <a:latin typeface="Bahnschrift SemiBold SemiConden" panose="020B0502040204020203" pitchFamily="34" charset="0"/>
-            </a:endParaRPr>
-          </a:p>
-        </p:txBody>
-      </p:sp>
-    </p:spTree>
-    <p:extLst>
-      <p:ext uri="{BB962C8B-B14F-4D97-AF65-F5344CB8AC3E}">
-        <p14:creationId xmlns:p14="http://schemas.microsoft.com/office/powerpoint/2010/main" val="2979393032"/>
-      </p:ext>
-    </p:extLst>
-  </p:cSld>
-  <p:clrMapOvr>
-    <a:masterClrMapping/>
-  </p:clrMapOvr>
-</p:sld>
-</file>
-
-<file path=ppt/slides/slide23.xml><?xml version="1.0" encoding="utf-8"?>
-<p:sld xmlns:a="http://schemas.openxmlformats.org/drawingml/2006/main" xmlns:r="http://schemas.openxmlformats.org/officeDocument/2006/relationships" xmlns:p="http://schemas.openxmlformats.org/presentationml/2006/main">
-  <p:cSld>
-    <p:bg>
-      <p:bgPr>
-        <a:blipFill dpi="0" rotWithShape="1">
-          <a:blip r:embed="rId3">
-            <a:lum/>
-          </a:blip>
-          <a:srcRect/>
-          <a:stretch>
-            <a:fillRect/>
-          </a:stretch>
-        </a:blipFill>
-        <a:effectLst/>
-      </p:bgPr>
-    </p:bg>
-    <p:spTree>
-      <p:nvGrpSpPr>
-        <p:cNvPr id="1" name="Shape 88"/>
-        <p:cNvGrpSpPr/>
-        <p:nvPr/>
-      </p:nvGrpSpPr>
-      <p:grpSpPr>
-        <a:xfrm>
-          <a:off x="0" y="0"/>
-          <a:ext cx="0" cy="0"/>
-          <a:chOff x="0" y="0"/>
-          <a:chExt cx="0" cy="0"/>
-        </a:xfrm>
-      </p:grpSpPr>
-      <p:sp>
-        <p:nvSpPr>
-          <p:cNvPr id="2" name="Google Shape;106;p2">
-            <a:extLst>
-              <a:ext uri="{FF2B5EF4-FFF2-40B4-BE49-F238E27FC236}">
-                <a16:creationId xmlns:a16="http://schemas.microsoft.com/office/drawing/2014/main" id="{96FFF3BD-A299-4DD3-888C-7149AB19FA4E}"/>
-              </a:ext>
-            </a:extLst>
-          </p:cNvPr>
-          <p:cNvSpPr txBox="1"/>
-          <p:nvPr/>
-        </p:nvSpPr>
-        <p:spPr>
-          <a:xfrm>
-            <a:off x="202473" y="345031"/>
-            <a:ext cx="1775400" cy="898800"/>
-          </a:xfrm>
-          <a:prstGeom prst="rect">
-            <a:avLst/>
-          </a:prstGeom>
-          <a:solidFill>
-            <a:schemeClr val="tx1"/>
-          </a:solidFill>
-          <a:ln w="12700" cap="flat" cmpd="sng">
-            <a:solidFill>
-              <a:srgbClr val="FFF1FF"/>
-            </a:solidFill>
-            <a:prstDash val="solid"/>
-            <a:miter lim="800000"/>
-            <a:headEnd type="none" w="sm" len="sm"/>
-            <a:tailEnd type="none" w="sm" len="sm"/>
-          </a:ln>
-        </p:spPr>
-        <p:txBody>
-          <a:bodyPr spcFirstLastPara="1" wrap="square" lIns="91425" tIns="45700" rIns="91425" bIns="45700" anchor="ctr" anchorCtr="0">
-            <a:noAutofit/>
-          </a:bodyPr>
-          <a:lstStyle/>
-          <a:p>
-            <a:pPr marL="0" marR="0" lvl="0" indent="0" algn="ctr" rtl="0">
-              <a:spcBef>
-                <a:spcPts val="0"/>
-              </a:spcBef>
-              <a:spcAft>
-                <a:spcPts val="0"/>
-              </a:spcAft>
-              <a:buNone/>
-            </a:pPr>
-            <a:r>
-              <a:rPr lang="en-GB" sz="1800" dirty="0">
-                <a:solidFill>
-                  <a:srgbClr val="FFF1FF"/>
-                </a:solidFill>
-              </a:rPr>
-              <a:t>Results &amp;</a:t>
-            </a:r>
-          </a:p>
-          <a:p>
-            <a:pPr marL="0" marR="0" lvl="0" indent="0" algn="ctr" rtl="0">
-              <a:spcBef>
-                <a:spcPts val="0"/>
-              </a:spcBef>
-              <a:spcAft>
-                <a:spcPts val="0"/>
-              </a:spcAft>
-              <a:buNone/>
-            </a:pPr>
-            <a:r>
-              <a:rPr lang="en-GB" sz="1800" dirty="0">
-                <a:solidFill>
-                  <a:srgbClr val="FFF1FF"/>
-                </a:solidFill>
-              </a:rPr>
-              <a:t>Discussion</a:t>
-            </a:r>
-            <a:endParaRPr lang="en-GB" sz="1800" b="0" i="0" u="none" strike="noStrike" cap="none" dirty="0">
-              <a:solidFill>
-                <a:srgbClr val="FFF1FF"/>
-              </a:solidFill>
-              <a:latin typeface="Arial"/>
-              <a:ea typeface="Arial"/>
-              <a:cs typeface="Arial"/>
-              <a:sym typeface="Arial"/>
-            </a:endParaRPr>
-          </a:p>
-        </p:txBody>
-      </p:sp>
-      <p:sp>
-        <p:nvSpPr>
-          <p:cNvPr id="3" name="Google Shape;196;p7">
-            <a:extLst>
-              <a:ext uri="{FF2B5EF4-FFF2-40B4-BE49-F238E27FC236}">
-                <a16:creationId xmlns:a16="http://schemas.microsoft.com/office/drawing/2014/main" id="{9DBA3090-01C3-4E55-A462-82BFFFF28F2C}"/>
-              </a:ext>
-            </a:extLst>
-          </p:cNvPr>
-          <p:cNvSpPr txBox="1"/>
-          <p:nvPr/>
-        </p:nvSpPr>
-        <p:spPr>
-          <a:xfrm>
-            <a:off x="202473" y="5614169"/>
-            <a:ext cx="1775400" cy="898800"/>
-          </a:xfrm>
-          <a:prstGeom prst="rect">
-            <a:avLst/>
-          </a:prstGeom>
-          <a:solidFill>
-            <a:schemeClr val="tx1"/>
-          </a:solidFill>
-          <a:ln w="12700" cap="flat" cmpd="sng">
-            <a:solidFill>
-              <a:srgbClr val="FFF1FF"/>
-            </a:solidFill>
-            <a:prstDash val="solid"/>
-            <a:miter lim="800000"/>
-            <a:headEnd type="none" w="sm" len="sm"/>
-            <a:tailEnd type="none" w="sm" len="sm"/>
-          </a:ln>
-        </p:spPr>
-        <p:txBody>
-          <a:bodyPr spcFirstLastPara="1" wrap="square" lIns="91425" tIns="45700" rIns="91425" bIns="45700" anchor="ctr" anchorCtr="0">
-            <a:noAutofit/>
-          </a:bodyPr>
-          <a:lstStyle>
-            <a:defPPr marR="0" lvl="0" algn="l" rtl="0">
-              <a:lnSpc>
-                <a:spcPct val="100000"/>
-              </a:lnSpc>
-              <a:spcBef>
-                <a:spcPts val="0"/>
-              </a:spcBef>
-              <a:spcAft>
-                <a:spcPts val="0"/>
-              </a:spcAft>
-              <a:defRPr/>
-            </a:defPPr>
-            <a:lvl1pPr marL="0" indent="0" algn="ctr">
-              <a:buNone/>
-              <a:defRPr sz="2000">
-                <a:solidFill>
-                  <a:srgbClr val="FFD13F"/>
-                </a:solidFill>
-              </a:defRPr>
-            </a:lvl1pPr>
-          </a:lstStyle>
-          <a:p>
-            <a:fld id="{00000000-1234-1234-1234-123412341234}" type="slidenum">
-              <a:rPr lang="en-GB">
-                <a:solidFill>
-                  <a:srgbClr val="FFF1FF"/>
-                </a:solidFill>
-              </a:rPr>
-              <a:pPr/>
-              <a:t>23</a:t>
             </a:fld>
             <a:endParaRPr dirty="0">
               <a:solidFill>
@@ -25792,6 +24873,925 @@
 </p:sld>
 </file>
 
+<file path=ppt/slides/slide23.xml><?xml version="1.0" encoding="utf-8"?>
+<p:sld xmlns:a="http://schemas.openxmlformats.org/drawingml/2006/main" xmlns:r="http://schemas.openxmlformats.org/officeDocument/2006/relationships" xmlns:p="http://schemas.openxmlformats.org/presentationml/2006/main">
+  <p:cSld>
+    <p:bg>
+      <p:bgPr>
+        <a:blipFill dpi="0" rotWithShape="1">
+          <a:blip r:embed="rId3">
+            <a:lum/>
+          </a:blip>
+          <a:srcRect/>
+          <a:stretch>
+            <a:fillRect/>
+          </a:stretch>
+        </a:blipFill>
+        <a:effectLst/>
+      </p:bgPr>
+    </p:bg>
+    <p:spTree>
+      <p:nvGrpSpPr>
+        <p:cNvPr id="1" name="Shape 88"/>
+        <p:cNvGrpSpPr/>
+        <p:nvPr/>
+      </p:nvGrpSpPr>
+      <p:grpSpPr>
+        <a:xfrm>
+          <a:off x="0" y="0"/>
+          <a:ext cx="0" cy="0"/>
+          <a:chOff x="0" y="0"/>
+          <a:chExt cx="0" cy="0"/>
+        </a:xfrm>
+      </p:grpSpPr>
+      <p:sp>
+        <p:nvSpPr>
+          <p:cNvPr id="2" name="Google Shape;106;p2">
+            <a:extLst>
+              <a:ext uri="{FF2B5EF4-FFF2-40B4-BE49-F238E27FC236}">
+                <a16:creationId xmlns:a16="http://schemas.microsoft.com/office/drawing/2014/main" id="{96FFF3BD-A299-4DD3-888C-7149AB19FA4E}"/>
+              </a:ext>
+            </a:extLst>
+          </p:cNvPr>
+          <p:cNvSpPr txBox="1"/>
+          <p:nvPr/>
+        </p:nvSpPr>
+        <p:spPr>
+          <a:xfrm>
+            <a:off x="202473" y="345031"/>
+            <a:ext cx="1775400" cy="898800"/>
+          </a:xfrm>
+          <a:prstGeom prst="rect">
+            <a:avLst/>
+          </a:prstGeom>
+          <a:solidFill>
+            <a:schemeClr val="tx1"/>
+          </a:solidFill>
+          <a:ln w="12700" cap="flat" cmpd="sng">
+            <a:solidFill>
+              <a:srgbClr val="FFF1FF"/>
+            </a:solidFill>
+            <a:prstDash val="solid"/>
+            <a:miter lim="800000"/>
+            <a:headEnd type="none" w="sm" len="sm"/>
+            <a:tailEnd type="none" w="sm" len="sm"/>
+          </a:ln>
+        </p:spPr>
+        <p:txBody>
+          <a:bodyPr spcFirstLastPara="1" wrap="square" lIns="91425" tIns="45700" rIns="91425" bIns="45700" anchor="ctr" anchorCtr="0">
+            <a:noAutofit/>
+          </a:bodyPr>
+          <a:lstStyle/>
+          <a:p>
+            <a:pPr marL="0" marR="0" lvl="0" indent="0" algn="ctr" rtl="0">
+              <a:spcBef>
+                <a:spcPts val="0"/>
+              </a:spcBef>
+              <a:spcAft>
+                <a:spcPts val="0"/>
+              </a:spcAft>
+              <a:buNone/>
+            </a:pPr>
+            <a:r>
+              <a:rPr lang="en-GB" sz="1800" dirty="0">
+                <a:solidFill>
+                  <a:srgbClr val="FFF1FF"/>
+                </a:solidFill>
+              </a:rPr>
+              <a:t>Results &amp;</a:t>
+            </a:r>
+          </a:p>
+          <a:p>
+            <a:pPr marL="0" marR="0" lvl="0" indent="0" algn="ctr" rtl="0">
+              <a:spcBef>
+                <a:spcPts val="0"/>
+              </a:spcBef>
+              <a:spcAft>
+                <a:spcPts val="0"/>
+              </a:spcAft>
+              <a:buNone/>
+            </a:pPr>
+            <a:r>
+              <a:rPr lang="en-GB" sz="1800" dirty="0">
+                <a:solidFill>
+                  <a:srgbClr val="FFF1FF"/>
+                </a:solidFill>
+              </a:rPr>
+              <a:t>Discussion</a:t>
+            </a:r>
+            <a:endParaRPr lang="en-GB" sz="1800" b="0" i="0" u="none" strike="noStrike" cap="none" dirty="0">
+              <a:solidFill>
+                <a:srgbClr val="FFF1FF"/>
+              </a:solidFill>
+              <a:latin typeface="Arial"/>
+              <a:ea typeface="Arial"/>
+              <a:cs typeface="Arial"/>
+              <a:sym typeface="Arial"/>
+            </a:endParaRPr>
+          </a:p>
+        </p:txBody>
+      </p:sp>
+      <p:sp>
+        <p:nvSpPr>
+          <p:cNvPr id="3" name="Google Shape;196;p7">
+            <a:extLst>
+              <a:ext uri="{FF2B5EF4-FFF2-40B4-BE49-F238E27FC236}">
+                <a16:creationId xmlns:a16="http://schemas.microsoft.com/office/drawing/2014/main" id="{9DBA3090-01C3-4E55-A462-82BFFFF28F2C}"/>
+              </a:ext>
+            </a:extLst>
+          </p:cNvPr>
+          <p:cNvSpPr txBox="1"/>
+          <p:nvPr/>
+        </p:nvSpPr>
+        <p:spPr>
+          <a:xfrm>
+            <a:off x="202473" y="5614169"/>
+            <a:ext cx="1775400" cy="898800"/>
+          </a:xfrm>
+          <a:prstGeom prst="rect">
+            <a:avLst/>
+          </a:prstGeom>
+          <a:solidFill>
+            <a:schemeClr val="tx1"/>
+          </a:solidFill>
+          <a:ln w="12700" cap="flat" cmpd="sng">
+            <a:solidFill>
+              <a:srgbClr val="FFF1FF"/>
+            </a:solidFill>
+            <a:prstDash val="solid"/>
+            <a:miter lim="800000"/>
+            <a:headEnd type="none" w="sm" len="sm"/>
+            <a:tailEnd type="none" w="sm" len="sm"/>
+          </a:ln>
+        </p:spPr>
+        <p:txBody>
+          <a:bodyPr spcFirstLastPara="1" wrap="square" lIns="91425" tIns="45700" rIns="91425" bIns="45700" anchor="ctr" anchorCtr="0">
+            <a:noAutofit/>
+          </a:bodyPr>
+          <a:lstStyle>
+            <a:defPPr marR="0" lvl="0" algn="l" rtl="0">
+              <a:lnSpc>
+                <a:spcPct val="100000"/>
+              </a:lnSpc>
+              <a:spcBef>
+                <a:spcPts val="0"/>
+              </a:spcBef>
+              <a:spcAft>
+                <a:spcPts val="0"/>
+              </a:spcAft>
+              <a:defRPr/>
+            </a:defPPr>
+            <a:lvl1pPr marL="0" indent="0" algn="ctr">
+              <a:buNone/>
+              <a:defRPr sz="2000">
+                <a:solidFill>
+                  <a:srgbClr val="FFD13F"/>
+                </a:solidFill>
+              </a:defRPr>
+            </a:lvl1pPr>
+          </a:lstStyle>
+          <a:p>
+            <a:fld id="{00000000-1234-1234-1234-123412341234}" type="slidenum">
+              <a:rPr lang="en-GB">
+                <a:solidFill>
+                  <a:srgbClr val="FFF1FF"/>
+                </a:solidFill>
+              </a:rPr>
+              <a:pPr/>
+              <a:t>23</a:t>
+            </a:fld>
+            <a:endParaRPr dirty="0">
+              <a:solidFill>
+                <a:srgbClr val="FFF1FF"/>
+              </a:solidFill>
+            </a:endParaRPr>
+          </a:p>
+        </p:txBody>
+      </p:sp>
+      <p:sp>
+        <p:nvSpPr>
+          <p:cNvPr id="7" name="Google Shape;106;p2">
+            <a:extLst>
+              <a:ext uri="{FF2B5EF4-FFF2-40B4-BE49-F238E27FC236}">
+                <a16:creationId xmlns:a16="http://schemas.microsoft.com/office/drawing/2014/main" id="{7B56B33E-CAEC-4D6E-B6AC-0212E4DBFAEE}"/>
+              </a:ext>
+            </a:extLst>
+          </p:cNvPr>
+          <p:cNvSpPr txBox="1"/>
+          <p:nvPr/>
+        </p:nvSpPr>
+        <p:spPr>
+          <a:xfrm>
+            <a:off x="3538852" y="596835"/>
+            <a:ext cx="7282927" cy="1272158"/>
+          </a:xfrm>
+          <a:prstGeom prst="rect">
+            <a:avLst/>
+          </a:prstGeom>
+          <a:solidFill>
+            <a:schemeClr val="bg1"/>
+          </a:solidFill>
+          <a:ln w="28575" cap="flat" cmpd="sng">
+            <a:solidFill>
+              <a:schemeClr val="tx1"/>
+            </a:solidFill>
+            <a:prstDash val="solid"/>
+            <a:miter lim="800000"/>
+            <a:headEnd type="none" w="sm" len="sm"/>
+            <a:tailEnd type="none" w="sm" len="sm"/>
+          </a:ln>
+        </p:spPr>
+        <p:txBody>
+          <a:bodyPr spcFirstLastPara="1" wrap="square" lIns="91425" tIns="45700" rIns="91425" bIns="45700" anchor="ctr" anchorCtr="0">
+            <a:noAutofit/>
+          </a:bodyPr>
+          <a:lstStyle/>
+          <a:p>
+            <a:pPr algn="ctr">
+              <a:lnSpc>
+                <a:spcPct val="150000"/>
+              </a:lnSpc>
+              <a:spcAft>
+                <a:spcPts val="600"/>
+              </a:spcAft>
+            </a:pPr>
+            <a:endParaRPr lang="en-US" sz="1800" dirty="0">
+              <a:solidFill>
+                <a:srgbClr val="000000"/>
+              </a:solidFill>
+              <a:effectLst/>
+              <a:latin typeface="Calibri" panose="020F0502020204030204" pitchFamily="34" charset="0"/>
+              <a:ea typeface="Calibri" panose="020F0502020204030204" pitchFamily="34" charset="0"/>
+              <a:cs typeface="Calibri" panose="020F0502020204030204" pitchFamily="34" charset="0"/>
+            </a:endParaRPr>
+          </a:p>
+          <a:p>
+            <a:pPr algn="ctr">
+              <a:lnSpc>
+                <a:spcPct val="150000"/>
+              </a:lnSpc>
+              <a:spcAft>
+                <a:spcPts val="600"/>
+              </a:spcAft>
+            </a:pPr>
+            <a:r>
+              <a:rPr lang="en-US" sz="2200" dirty="0">
+                <a:solidFill>
+                  <a:srgbClr val="A3003C"/>
+                </a:solidFill>
+                <a:latin typeface="Bahnschrift SemiBold SemiConden" panose="020B0502040204020203" pitchFamily="34" charset="0"/>
+              </a:rPr>
+              <a:t>Topic 68</a:t>
+            </a:r>
+            <a:r>
+              <a:rPr lang="en-US" sz="2200" dirty="0">
+                <a:solidFill>
+                  <a:schemeClr val="tx1"/>
+                </a:solidFill>
+                <a:latin typeface="Bahnschrift SemiBold SemiConden" panose="020B0502040204020203" pitchFamily="34" charset="0"/>
+              </a:rPr>
+              <a:t>: </a:t>
+            </a:r>
+            <a:r>
+              <a:rPr lang="en-GB" sz="2200" dirty="0" err="1">
+                <a:solidFill>
+                  <a:schemeClr val="tx1"/>
+                </a:solidFill>
+                <a:latin typeface="Bahnschrift SemiBold SemiConden" panose="020B0502040204020203" pitchFamily="34" charset="0"/>
+              </a:rPr>
+              <a:t>ryuuen</a:t>
+            </a:r>
+            <a:r>
+              <a:rPr lang="en-GB" sz="2200" dirty="0">
+                <a:solidFill>
+                  <a:schemeClr val="tx1"/>
+                </a:solidFill>
+                <a:latin typeface="Bahnschrift SemiBold SemiConden" panose="020B0502040204020203" pitchFamily="34" charset="0"/>
+              </a:rPr>
+              <a:t>, </a:t>
+            </a:r>
+            <a:r>
+              <a:rPr lang="en-GB" sz="2200" dirty="0" err="1">
+                <a:solidFill>
+                  <a:schemeClr val="tx1"/>
+                </a:solidFill>
+                <a:latin typeface="Bahnschrift SemiBold SemiConden" panose="020B0502040204020203" pitchFamily="34" charset="0"/>
+              </a:rPr>
+              <a:t>nagumo</a:t>
+            </a:r>
+            <a:r>
+              <a:rPr lang="en-GB" sz="2200" dirty="0">
+                <a:solidFill>
+                  <a:schemeClr val="tx1"/>
+                </a:solidFill>
+                <a:latin typeface="Bahnschrift SemiBold SemiConden" panose="020B0502040204020203" pitchFamily="34" charset="0"/>
+              </a:rPr>
+              <a:t>, council, older, points</a:t>
+            </a:r>
+            <a:r>
+              <a:rPr lang="en-US" sz="2200" dirty="0">
+                <a:solidFill>
+                  <a:schemeClr val="tx1"/>
+                </a:solidFill>
+                <a:latin typeface="Bahnschrift SemiBold SemiConden" panose="020B0502040204020203" pitchFamily="34" charset="0"/>
+              </a:rPr>
+              <a:t>, …</a:t>
+            </a:r>
+          </a:p>
+        </p:txBody>
+      </p:sp>
+      <p:sp>
+        <p:nvSpPr>
+          <p:cNvPr id="11" name="Google Shape;106;p2">
+            <a:extLst>
+              <a:ext uri="{FF2B5EF4-FFF2-40B4-BE49-F238E27FC236}">
+                <a16:creationId xmlns:a16="http://schemas.microsoft.com/office/drawing/2014/main" id="{CA3F87FA-FBED-4E2B-861C-80BC01928B4F}"/>
+              </a:ext>
+            </a:extLst>
+          </p:cNvPr>
+          <p:cNvSpPr txBox="1"/>
+          <p:nvPr/>
+        </p:nvSpPr>
+        <p:spPr>
+          <a:xfrm>
+            <a:off x="202473" y="1421879"/>
+            <a:ext cx="1775400" cy="898800"/>
+          </a:xfrm>
+          <a:prstGeom prst="rect">
+            <a:avLst/>
+          </a:prstGeom>
+          <a:solidFill>
+            <a:schemeClr val="tx1"/>
+          </a:solidFill>
+          <a:ln w="12700" cap="flat" cmpd="sng">
+            <a:solidFill>
+              <a:srgbClr val="FFF1FF"/>
+            </a:solidFill>
+            <a:prstDash val="solid"/>
+            <a:miter lim="800000"/>
+            <a:headEnd type="none" w="sm" len="sm"/>
+            <a:tailEnd type="none" w="sm" len="sm"/>
+          </a:ln>
+        </p:spPr>
+        <p:txBody>
+          <a:bodyPr spcFirstLastPara="1" wrap="square" lIns="91425" tIns="45700" rIns="91425" bIns="45700" anchor="ctr" anchorCtr="0">
+            <a:noAutofit/>
+          </a:bodyPr>
+          <a:lstStyle/>
+          <a:p>
+            <a:pPr marL="0" marR="0" lvl="0" indent="0" algn="ctr" rtl="0">
+              <a:spcBef>
+                <a:spcPts val="0"/>
+              </a:spcBef>
+              <a:spcAft>
+                <a:spcPts val="0"/>
+              </a:spcAft>
+              <a:buNone/>
+            </a:pPr>
+            <a:r>
+              <a:rPr lang="en-GB" sz="1800" dirty="0">
+                <a:solidFill>
+                  <a:srgbClr val="FFF1FF"/>
+                </a:solidFill>
+              </a:rPr>
+              <a:t>Trimester 3</a:t>
+            </a:r>
+            <a:endParaRPr lang="en-GB" sz="1800" b="0" i="0" u="none" strike="noStrike" cap="none" dirty="0">
+              <a:solidFill>
+                <a:srgbClr val="FFF1FF"/>
+              </a:solidFill>
+              <a:latin typeface="Arial"/>
+              <a:ea typeface="Arial"/>
+              <a:cs typeface="Arial"/>
+              <a:sym typeface="Arial"/>
+            </a:endParaRPr>
+          </a:p>
+        </p:txBody>
+      </p:sp>
+      <p:sp>
+        <p:nvSpPr>
+          <p:cNvPr id="12" name="Google Shape;106;p2">
+            <a:extLst>
+              <a:ext uri="{FF2B5EF4-FFF2-40B4-BE49-F238E27FC236}">
+                <a16:creationId xmlns:a16="http://schemas.microsoft.com/office/drawing/2014/main" id="{43464C39-5F03-4E4E-ACCE-ADBC1E91BEDF}"/>
+              </a:ext>
+            </a:extLst>
+          </p:cNvPr>
+          <p:cNvSpPr txBox="1"/>
+          <p:nvPr/>
+        </p:nvSpPr>
+        <p:spPr>
+          <a:xfrm>
+            <a:off x="5417745" y="345031"/>
+            <a:ext cx="3525140" cy="750239"/>
+          </a:xfrm>
+          <a:prstGeom prst="rect">
+            <a:avLst/>
+          </a:prstGeom>
+          <a:solidFill>
+            <a:schemeClr val="tx1"/>
+          </a:solidFill>
+          <a:ln w="28575" cap="flat" cmpd="sng">
+            <a:solidFill>
+              <a:schemeClr val="tx1"/>
+            </a:solidFill>
+            <a:prstDash val="solid"/>
+            <a:miter lim="800000"/>
+            <a:headEnd type="none" w="sm" len="sm"/>
+            <a:tailEnd type="none" w="sm" len="sm"/>
+          </a:ln>
+        </p:spPr>
+        <p:txBody>
+          <a:bodyPr spcFirstLastPara="1" wrap="square" lIns="91425" tIns="45700" rIns="91425" bIns="45700" anchor="ctr" anchorCtr="0">
+            <a:noAutofit/>
+          </a:bodyPr>
+          <a:lstStyle/>
+          <a:p>
+            <a:pPr marR="0" lvl="0" algn="ctr" rtl="0">
+              <a:spcBef>
+                <a:spcPts val="0"/>
+              </a:spcBef>
+              <a:spcAft>
+                <a:spcPts val="0"/>
+              </a:spcAft>
+            </a:pPr>
+            <a:r>
+              <a:rPr lang="en-US" sz="2200" dirty="0">
+                <a:solidFill>
+                  <a:srgbClr val="E4007F"/>
+                </a:solidFill>
+                <a:latin typeface="Bahnschrift SemiBold SemiConden" panose="020B0502040204020203" pitchFamily="34" charset="0"/>
+              </a:rPr>
+              <a:t>T</a:t>
+            </a:r>
+            <a:r>
+              <a:rPr lang="en-US" sz="2200" dirty="0">
+                <a:solidFill>
+                  <a:schemeClr val="bg1"/>
+                </a:solidFill>
+                <a:latin typeface="Bahnschrift SemiBold SemiConden" panose="020B0502040204020203" pitchFamily="34" charset="0"/>
+              </a:rPr>
+              <a:t>op 5 Topic Clusters: </a:t>
+            </a:r>
+          </a:p>
+        </p:txBody>
+      </p:sp>
+      <p:sp>
+        <p:nvSpPr>
+          <p:cNvPr id="13" name="Google Shape;106;p2">
+            <a:extLst>
+              <a:ext uri="{FF2B5EF4-FFF2-40B4-BE49-F238E27FC236}">
+                <a16:creationId xmlns:a16="http://schemas.microsoft.com/office/drawing/2014/main" id="{19E299AC-801B-4772-A204-50C6AAAF4760}"/>
+              </a:ext>
+            </a:extLst>
+          </p:cNvPr>
+          <p:cNvSpPr txBox="1"/>
+          <p:nvPr/>
+        </p:nvSpPr>
+        <p:spPr>
+          <a:xfrm>
+            <a:off x="3538851" y="5572609"/>
+            <a:ext cx="7282927" cy="940360"/>
+          </a:xfrm>
+          <a:prstGeom prst="rect">
+            <a:avLst/>
+          </a:prstGeom>
+          <a:solidFill>
+            <a:schemeClr val="bg1"/>
+          </a:solidFill>
+          <a:ln w="28575" cap="flat" cmpd="sng">
+            <a:solidFill>
+              <a:schemeClr val="tx1"/>
+            </a:solidFill>
+            <a:prstDash val="solid"/>
+            <a:miter lim="800000"/>
+            <a:headEnd type="none" w="sm" len="sm"/>
+            <a:tailEnd type="none" w="sm" len="sm"/>
+          </a:ln>
+        </p:spPr>
+        <p:txBody>
+          <a:bodyPr spcFirstLastPara="1" wrap="square" lIns="91425" tIns="45700" rIns="91425" bIns="45700" anchor="ctr" anchorCtr="0">
+            <a:noAutofit/>
+          </a:bodyPr>
+          <a:lstStyle/>
+          <a:p>
+            <a:pPr algn="ctr">
+              <a:lnSpc>
+                <a:spcPct val="150000"/>
+              </a:lnSpc>
+              <a:spcAft>
+                <a:spcPts val="600"/>
+              </a:spcAft>
+            </a:pPr>
+            <a:r>
+              <a:rPr lang="en-US" sz="2100" dirty="0">
+                <a:solidFill>
+                  <a:srgbClr val="A3003C"/>
+                </a:solidFill>
+                <a:latin typeface="Bahnschrift SemiBold SemiConden" panose="020B0502040204020203" pitchFamily="34" charset="0"/>
+              </a:rPr>
+              <a:t>Topic 49</a:t>
+            </a:r>
+            <a:r>
+              <a:rPr lang="en-US" sz="2100" dirty="0">
+                <a:solidFill>
+                  <a:schemeClr val="tx1"/>
+                </a:solidFill>
+                <a:latin typeface="Bahnschrift SemiBold SemiConden" panose="020B0502040204020203" pitchFamily="34" charset="0"/>
+              </a:rPr>
+              <a:t>: </a:t>
+            </a:r>
+            <a:r>
+              <a:rPr lang="en-GB" sz="2100" dirty="0" err="1">
+                <a:solidFill>
+                  <a:schemeClr val="tx1"/>
+                </a:solidFill>
+                <a:latin typeface="Bahnschrift SemiBold SemiConden" panose="020B0502040204020203" pitchFamily="34" charset="0"/>
+              </a:rPr>
+              <a:t>ayanokouji</a:t>
+            </a:r>
+            <a:r>
+              <a:rPr lang="en-GB" sz="2100" dirty="0">
+                <a:solidFill>
+                  <a:schemeClr val="tx1"/>
+                </a:solidFill>
+                <a:latin typeface="Bahnschrift SemiBold SemiConden" panose="020B0502040204020203" pitchFamily="34" charset="0"/>
+              </a:rPr>
+              <a:t>, boy, amazing, cup, formidable, …</a:t>
+            </a:r>
+            <a:endParaRPr lang="en-US" sz="2100" dirty="0">
+              <a:solidFill>
+                <a:schemeClr val="tx1"/>
+              </a:solidFill>
+              <a:latin typeface="Bahnschrift SemiBold SemiConden" panose="020B0502040204020203" pitchFamily="34" charset="0"/>
+            </a:endParaRPr>
+          </a:p>
+        </p:txBody>
+      </p:sp>
+      <p:sp>
+        <p:nvSpPr>
+          <p:cNvPr id="14" name="Google Shape;106;p2">
+            <a:extLst>
+              <a:ext uri="{FF2B5EF4-FFF2-40B4-BE49-F238E27FC236}">
+                <a16:creationId xmlns:a16="http://schemas.microsoft.com/office/drawing/2014/main" id="{EBACA58E-1256-46A7-A19B-9357228BE569}"/>
+              </a:ext>
+            </a:extLst>
+          </p:cNvPr>
+          <p:cNvSpPr txBox="1"/>
+          <p:nvPr/>
+        </p:nvSpPr>
+        <p:spPr>
+          <a:xfrm>
+            <a:off x="3538851" y="2120797"/>
+            <a:ext cx="7282927" cy="898800"/>
+          </a:xfrm>
+          <a:prstGeom prst="rect">
+            <a:avLst/>
+          </a:prstGeom>
+          <a:solidFill>
+            <a:schemeClr val="bg1"/>
+          </a:solidFill>
+          <a:ln w="28575" cap="flat" cmpd="sng">
+            <a:solidFill>
+              <a:schemeClr val="tx1"/>
+            </a:solidFill>
+            <a:prstDash val="solid"/>
+            <a:miter lim="800000"/>
+            <a:headEnd type="none" w="sm" len="sm"/>
+            <a:tailEnd type="none" w="sm" len="sm"/>
+          </a:ln>
+        </p:spPr>
+        <p:txBody>
+          <a:bodyPr spcFirstLastPara="1" wrap="square" lIns="91425" tIns="45700" rIns="91425" bIns="45700" anchor="ctr" anchorCtr="0">
+            <a:noAutofit/>
+          </a:bodyPr>
+          <a:lstStyle/>
+          <a:p>
+            <a:pPr algn="ctr">
+              <a:lnSpc>
+                <a:spcPct val="150000"/>
+              </a:lnSpc>
+              <a:spcAft>
+                <a:spcPts val="600"/>
+              </a:spcAft>
+            </a:pPr>
+            <a:r>
+              <a:rPr lang="en-US" sz="2200" dirty="0">
+                <a:solidFill>
+                  <a:srgbClr val="A3003C"/>
+                </a:solidFill>
+                <a:latin typeface="Bahnschrift SemiBold SemiConden" panose="020B0502040204020203" pitchFamily="34" charset="0"/>
+              </a:rPr>
+              <a:t>Topic 9</a:t>
+            </a:r>
+            <a:r>
+              <a:rPr lang="en-US" sz="2200" dirty="0">
+                <a:solidFill>
+                  <a:schemeClr val="tx1"/>
+                </a:solidFill>
+                <a:latin typeface="Bahnschrift SemiBold SemiConden" panose="020B0502040204020203" pitchFamily="34" charset="0"/>
+              </a:rPr>
+              <a:t>: karuizawa, </a:t>
+            </a:r>
+            <a:r>
+              <a:rPr lang="en-US" sz="2200" strike="sngStrike" dirty="0" err="1">
+                <a:solidFill>
+                  <a:schemeClr val="tx1"/>
+                </a:solidFill>
+                <a:latin typeface="Bahnschrift SemiBold SemiConden" panose="020B0502040204020203" pitchFamily="34" charset="0"/>
+              </a:rPr>
+              <a:t>nagumo</a:t>
+            </a:r>
+            <a:r>
+              <a:rPr lang="en-US" sz="2200" dirty="0">
+                <a:solidFill>
+                  <a:schemeClr val="tx1"/>
+                </a:solidFill>
+                <a:latin typeface="Bahnschrift SemiBold SemiConden" panose="020B0502040204020203" pitchFamily="34" charset="0"/>
+              </a:rPr>
+              <a:t>, </a:t>
+            </a:r>
+            <a:r>
+              <a:rPr lang="en-US" sz="2200" dirty="0" err="1">
+                <a:solidFill>
+                  <a:schemeClr val="tx1"/>
+                </a:solidFill>
+                <a:latin typeface="Bahnschrift SemiBold SemiConden" panose="020B0502040204020203" pitchFamily="34" charset="0"/>
+              </a:rPr>
+              <a:t>hirata</a:t>
+            </a:r>
+            <a:r>
+              <a:rPr lang="en-US" sz="2200" dirty="0">
+                <a:solidFill>
+                  <a:schemeClr val="tx1"/>
+                </a:solidFill>
+                <a:latin typeface="Bahnschrift SemiBold SemiConden" panose="020B0502040204020203" pitchFamily="34" charset="0"/>
+              </a:rPr>
+              <a:t>, date, love, …</a:t>
+            </a:r>
+          </a:p>
+        </p:txBody>
+      </p:sp>
+      <p:sp>
+        <p:nvSpPr>
+          <p:cNvPr id="15" name="Google Shape;106;p2">
+            <a:extLst>
+              <a:ext uri="{FF2B5EF4-FFF2-40B4-BE49-F238E27FC236}">
+                <a16:creationId xmlns:a16="http://schemas.microsoft.com/office/drawing/2014/main" id="{A4F1565C-CBDE-48D2-9629-1D300BB6168F}"/>
+              </a:ext>
+            </a:extLst>
+          </p:cNvPr>
+          <p:cNvSpPr txBox="1"/>
+          <p:nvPr/>
+        </p:nvSpPr>
+        <p:spPr>
+          <a:xfrm>
+            <a:off x="3538851" y="3271401"/>
+            <a:ext cx="7282927" cy="898800"/>
+          </a:xfrm>
+          <a:prstGeom prst="rect">
+            <a:avLst/>
+          </a:prstGeom>
+          <a:solidFill>
+            <a:schemeClr val="bg1"/>
+          </a:solidFill>
+          <a:ln w="28575" cap="flat" cmpd="sng">
+            <a:solidFill>
+              <a:schemeClr val="tx1"/>
+            </a:solidFill>
+            <a:prstDash val="solid"/>
+            <a:miter lim="800000"/>
+            <a:headEnd type="none" w="sm" len="sm"/>
+            <a:tailEnd type="none" w="sm" len="sm"/>
+          </a:ln>
+        </p:spPr>
+        <p:txBody>
+          <a:bodyPr spcFirstLastPara="1" wrap="square" lIns="91425" tIns="45700" rIns="91425" bIns="45700" anchor="ctr" anchorCtr="0">
+            <a:noAutofit/>
+          </a:bodyPr>
+          <a:lstStyle/>
+          <a:p>
+            <a:pPr algn="ctr">
+              <a:lnSpc>
+                <a:spcPct val="150000"/>
+              </a:lnSpc>
+              <a:spcAft>
+                <a:spcPts val="600"/>
+              </a:spcAft>
+            </a:pPr>
+            <a:r>
+              <a:rPr lang="en-US" sz="2100" dirty="0">
+                <a:solidFill>
+                  <a:srgbClr val="A3003C"/>
+                </a:solidFill>
+                <a:latin typeface="Bahnschrift SemiBold SemiConden" panose="020B0502040204020203" pitchFamily="34" charset="0"/>
+              </a:rPr>
+              <a:t>Topic 65</a:t>
+            </a:r>
+            <a:r>
+              <a:rPr lang="en-US" sz="2100" dirty="0">
+                <a:solidFill>
+                  <a:schemeClr val="tx1"/>
+                </a:solidFill>
+                <a:latin typeface="Bahnschrift SemiBold SemiConden" panose="020B0502040204020203" pitchFamily="34" charset="0"/>
+              </a:rPr>
+              <a:t>: </a:t>
+            </a:r>
+            <a:r>
+              <a:rPr lang="en-GB" sz="2100" dirty="0" err="1">
+                <a:solidFill>
+                  <a:schemeClr val="tx1"/>
+                </a:solidFill>
+                <a:latin typeface="Bahnschrift SemiBold SemiConden" panose="020B0502040204020203" pitchFamily="34" charset="0"/>
+              </a:rPr>
+              <a:t>sakayanagi</a:t>
+            </a:r>
+            <a:r>
+              <a:rPr lang="en-GB" sz="2100" dirty="0">
+                <a:solidFill>
+                  <a:schemeClr val="tx1"/>
+                </a:solidFill>
+                <a:latin typeface="Bahnschrift SemiBold SemiConden" panose="020B0502040204020203" pitchFamily="34" charset="0"/>
+              </a:rPr>
+              <a:t>, </a:t>
+            </a:r>
+            <a:r>
+              <a:rPr lang="en-GB" sz="2100" dirty="0" err="1">
+                <a:solidFill>
+                  <a:schemeClr val="tx1"/>
+                </a:solidFill>
+                <a:latin typeface="Bahnschrift SemiBold SemiConden" panose="020B0502040204020203" pitchFamily="34" charset="0"/>
+              </a:rPr>
+              <a:t>ichinose</a:t>
+            </a:r>
+            <a:r>
+              <a:rPr lang="en-GB" sz="2100" dirty="0">
+                <a:solidFill>
+                  <a:schemeClr val="tx1"/>
+                </a:solidFill>
+                <a:latin typeface="Bahnschrift SemiBold SemiConden" panose="020B0502040204020203" pitchFamily="34" charset="0"/>
+              </a:rPr>
+              <a:t>, </a:t>
+            </a:r>
+            <a:r>
+              <a:rPr lang="en-GB" sz="2100" dirty="0" err="1">
+                <a:solidFill>
+                  <a:schemeClr val="tx1"/>
+                </a:solidFill>
+                <a:latin typeface="Bahnschrift SemiBold SemiConden" panose="020B0502040204020203" pitchFamily="34" charset="0"/>
+              </a:rPr>
+              <a:t>ryuuen</a:t>
+            </a:r>
+            <a:r>
+              <a:rPr lang="en-GB" sz="2100" dirty="0">
+                <a:solidFill>
+                  <a:schemeClr val="tx1"/>
+                </a:solidFill>
+                <a:latin typeface="Bahnschrift SemiBold SemiConden" panose="020B0502040204020203" pitchFamily="34" charset="0"/>
+              </a:rPr>
+              <a:t>, watch, </a:t>
+            </a:r>
+            <a:r>
+              <a:rPr lang="en-GB" sz="2100" dirty="0" err="1">
+                <a:solidFill>
+                  <a:schemeClr val="tx1"/>
+                </a:solidFill>
+                <a:latin typeface="Bahnschrift SemiBold SemiConden" panose="020B0502040204020203" pitchFamily="34" charset="0"/>
+              </a:rPr>
+              <a:t>theater</a:t>
+            </a:r>
+            <a:r>
+              <a:rPr lang="en-GB" sz="2100" dirty="0">
+                <a:solidFill>
+                  <a:schemeClr val="tx1"/>
+                </a:solidFill>
+                <a:latin typeface="Bahnschrift SemiBold SemiConden" panose="020B0502040204020203" pitchFamily="34" charset="0"/>
+              </a:rPr>
+              <a:t>, …</a:t>
+            </a:r>
+            <a:endParaRPr lang="en-US" sz="2100" dirty="0">
+              <a:solidFill>
+                <a:schemeClr val="tx1"/>
+              </a:solidFill>
+              <a:latin typeface="Bahnschrift SemiBold SemiConden" panose="020B0502040204020203" pitchFamily="34" charset="0"/>
+            </a:endParaRPr>
+          </a:p>
+        </p:txBody>
+      </p:sp>
+      <p:sp>
+        <p:nvSpPr>
+          <p:cNvPr id="18" name="Google Shape;106;p2">
+            <a:extLst>
+              <a:ext uri="{FF2B5EF4-FFF2-40B4-BE49-F238E27FC236}">
+                <a16:creationId xmlns:a16="http://schemas.microsoft.com/office/drawing/2014/main" id="{0194DBE3-5116-4561-A7F6-9F56CAAC1A87}"/>
+              </a:ext>
+            </a:extLst>
+          </p:cNvPr>
+          <p:cNvSpPr txBox="1"/>
+          <p:nvPr/>
+        </p:nvSpPr>
+        <p:spPr>
+          <a:xfrm>
+            <a:off x="3538851" y="4422005"/>
+            <a:ext cx="7282927" cy="898800"/>
+          </a:xfrm>
+          <a:prstGeom prst="rect">
+            <a:avLst/>
+          </a:prstGeom>
+          <a:solidFill>
+            <a:schemeClr val="bg1"/>
+          </a:solidFill>
+          <a:ln w="28575" cap="flat" cmpd="sng">
+            <a:solidFill>
+              <a:schemeClr val="tx1"/>
+            </a:solidFill>
+            <a:prstDash val="solid"/>
+            <a:miter lim="800000"/>
+            <a:headEnd type="none" w="sm" len="sm"/>
+            <a:tailEnd type="none" w="sm" len="sm"/>
+          </a:ln>
+        </p:spPr>
+        <p:txBody>
+          <a:bodyPr spcFirstLastPara="1" wrap="square" lIns="91425" tIns="45700" rIns="91425" bIns="45700" anchor="ctr" anchorCtr="0">
+            <a:noAutofit/>
+          </a:bodyPr>
+          <a:lstStyle/>
+          <a:p>
+            <a:pPr algn="ctr">
+              <a:lnSpc>
+                <a:spcPct val="150000"/>
+              </a:lnSpc>
+              <a:spcAft>
+                <a:spcPts val="600"/>
+              </a:spcAft>
+            </a:pPr>
+            <a:r>
+              <a:rPr lang="en-US" sz="2200" dirty="0">
+                <a:solidFill>
+                  <a:srgbClr val="A3003C"/>
+                </a:solidFill>
+                <a:latin typeface="Bahnschrift SemiBold SemiConden" panose="020B0502040204020203" pitchFamily="34" charset="0"/>
+              </a:rPr>
+              <a:t>Topic 55</a:t>
+            </a:r>
+            <a:r>
+              <a:rPr lang="en-US" sz="2200" dirty="0">
+                <a:solidFill>
+                  <a:schemeClr val="tx1"/>
+                </a:solidFill>
+                <a:latin typeface="Bahnschrift SemiBold SemiConden" panose="020B0502040204020203" pitchFamily="34" charset="0"/>
+              </a:rPr>
+              <a:t>: </a:t>
+            </a:r>
+            <a:r>
+              <a:rPr lang="en-GB" sz="2200" dirty="0">
+                <a:solidFill>
+                  <a:schemeClr val="tx1"/>
+                </a:solidFill>
+                <a:latin typeface="Bahnschrift SemiBold SemiConden" panose="020B0502040204020203" pitchFamily="34" charset="0"/>
+              </a:rPr>
+              <a:t>council, </a:t>
+            </a:r>
+            <a:r>
+              <a:rPr lang="en-GB" sz="2200" dirty="0" err="1">
+                <a:solidFill>
+                  <a:schemeClr val="tx1"/>
+                </a:solidFill>
+                <a:latin typeface="Bahnschrift SemiBold SemiConden" panose="020B0502040204020203" pitchFamily="34" charset="0"/>
+              </a:rPr>
+              <a:t>nagumo</a:t>
+            </a:r>
+            <a:r>
+              <a:rPr lang="en-GB" sz="2200" dirty="0">
+                <a:solidFill>
+                  <a:schemeClr val="tx1"/>
+                </a:solidFill>
+                <a:latin typeface="Bahnschrift SemiBold SemiConden" panose="020B0502040204020203" pitchFamily="34" charset="0"/>
+              </a:rPr>
+              <a:t>, brother, join, president, …</a:t>
+            </a:r>
+            <a:endParaRPr lang="en-US" sz="2200" dirty="0">
+              <a:solidFill>
+                <a:schemeClr val="tx1"/>
+              </a:solidFill>
+              <a:latin typeface="Bahnschrift SemiBold SemiConden" panose="020B0502040204020203" pitchFamily="34" charset="0"/>
+            </a:endParaRPr>
+          </a:p>
+        </p:txBody>
+      </p:sp>
+    </p:spTree>
+    <p:extLst>
+      <p:ext uri="{BB962C8B-B14F-4D97-AF65-F5344CB8AC3E}">
+        <p14:creationId xmlns:p14="http://schemas.microsoft.com/office/powerpoint/2010/main" val="2979393032"/>
+      </p:ext>
+    </p:extLst>
+  </p:cSld>
+  <p:clrMapOvr>
+    <a:masterClrMapping/>
+  </p:clrMapOvr>
+</p:sld>
+</file>
+
 <file path=ppt/slides/slide24.xml><?xml version="1.0" encoding="utf-8"?>
 <p:sld xmlns:a="http://schemas.openxmlformats.org/drawingml/2006/main" xmlns:r="http://schemas.openxmlformats.org/officeDocument/2006/relationships" xmlns:p="http://schemas.openxmlformats.org/presentationml/2006/main">
   <p:cSld>
@@ -25978,757 +25978,6 @@
               </a:rPr>
               <a:pPr/>
               <a:t>24</a:t>
-            </a:fld>
-            <a:endParaRPr dirty="0">
-              <a:solidFill>
-                <a:srgbClr val="FFF1FF"/>
-              </a:solidFill>
-            </a:endParaRPr>
-          </a:p>
-        </p:txBody>
-      </p:sp>
-      <p:sp>
-        <p:nvSpPr>
-          <p:cNvPr id="7" name="Google Shape;106;p2">
-            <a:extLst>
-              <a:ext uri="{FF2B5EF4-FFF2-40B4-BE49-F238E27FC236}">
-                <a16:creationId xmlns:a16="http://schemas.microsoft.com/office/drawing/2014/main" id="{7B56B33E-CAEC-4D6E-B6AC-0212E4DBFAEE}"/>
-              </a:ext>
-            </a:extLst>
-          </p:cNvPr>
-          <p:cNvSpPr txBox="1"/>
-          <p:nvPr/>
-        </p:nvSpPr>
-        <p:spPr>
-          <a:xfrm>
-            <a:off x="3538852" y="596835"/>
-            <a:ext cx="7282927" cy="1272158"/>
-          </a:xfrm>
-          <a:prstGeom prst="rect">
-            <a:avLst/>
-          </a:prstGeom>
-          <a:solidFill>
-            <a:schemeClr val="bg1"/>
-          </a:solidFill>
-          <a:ln w="28575" cap="flat" cmpd="sng">
-            <a:solidFill>
-              <a:schemeClr val="tx1"/>
-            </a:solidFill>
-            <a:prstDash val="solid"/>
-            <a:miter lim="800000"/>
-            <a:headEnd type="none" w="sm" len="sm"/>
-            <a:tailEnd type="none" w="sm" len="sm"/>
-          </a:ln>
-        </p:spPr>
-        <p:txBody>
-          <a:bodyPr spcFirstLastPara="1" wrap="square" lIns="91425" tIns="45700" rIns="91425" bIns="45700" anchor="ctr" anchorCtr="0">
-            <a:noAutofit/>
-          </a:bodyPr>
-          <a:lstStyle/>
-          <a:p>
-            <a:pPr algn="ctr">
-              <a:lnSpc>
-                <a:spcPct val="150000"/>
-              </a:lnSpc>
-              <a:spcAft>
-                <a:spcPts val="600"/>
-              </a:spcAft>
-            </a:pPr>
-            <a:endParaRPr lang="en-US" sz="1800" dirty="0">
-              <a:solidFill>
-                <a:srgbClr val="000000"/>
-              </a:solidFill>
-              <a:effectLst/>
-              <a:latin typeface="Calibri" panose="020F0502020204030204" pitchFamily="34" charset="0"/>
-              <a:ea typeface="Calibri" panose="020F0502020204030204" pitchFamily="34" charset="0"/>
-              <a:cs typeface="Calibri" panose="020F0502020204030204" pitchFamily="34" charset="0"/>
-            </a:endParaRPr>
-          </a:p>
-          <a:p>
-            <a:pPr algn="ctr">
-              <a:lnSpc>
-                <a:spcPct val="150000"/>
-              </a:lnSpc>
-              <a:spcAft>
-                <a:spcPts val="600"/>
-              </a:spcAft>
-            </a:pPr>
-            <a:r>
-              <a:rPr lang="en-US" sz="2200" dirty="0">
-                <a:solidFill>
-                  <a:srgbClr val="A3003C"/>
-                </a:solidFill>
-                <a:latin typeface="Bahnschrift SemiBold SemiConden" panose="020B0502040204020203" pitchFamily="34" charset="0"/>
-              </a:rPr>
-              <a:t>Topic 69</a:t>
-            </a:r>
-            <a:r>
-              <a:rPr lang="en-US" sz="2200" dirty="0">
-                <a:solidFill>
-                  <a:schemeClr val="tx1"/>
-                </a:solidFill>
-                <a:latin typeface="Bahnschrift SemiBold SemiConden" panose="020B0502040204020203" pitchFamily="34" charset="0"/>
-              </a:rPr>
-              <a:t>: senpai, understood, detail, human, ayanokouji, …</a:t>
-            </a:r>
-          </a:p>
-        </p:txBody>
-      </p:sp>
-      <p:sp>
-        <p:nvSpPr>
-          <p:cNvPr id="11" name="Google Shape;106;p2">
-            <a:extLst>
-              <a:ext uri="{FF2B5EF4-FFF2-40B4-BE49-F238E27FC236}">
-                <a16:creationId xmlns:a16="http://schemas.microsoft.com/office/drawing/2014/main" id="{CA3F87FA-FBED-4E2B-861C-80BC01928B4F}"/>
-              </a:ext>
-            </a:extLst>
-          </p:cNvPr>
-          <p:cNvSpPr txBox="1"/>
-          <p:nvPr/>
-        </p:nvSpPr>
-        <p:spPr>
-          <a:xfrm>
-            <a:off x="202473" y="1421879"/>
-            <a:ext cx="1775400" cy="898800"/>
-          </a:xfrm>
-          <a:prstGeom prst="rect">
-            <a:avLst/>
-          </a:prstGeom>
-          <a:solidFill>
-            <a:schemeClr val="tx1"/>
-          </a:solidFill>
-          <a:ln w="12700" cap="flat" cmpd="sng">
-            <a:solidFill>
-              <a:srgbClr val="FFF1FF"/>
-            </a:solidFill>
-            <a:prstDash val="solid"/>
-            <a:miter lim="800000"/>
-            <a:headEnd type="none" w="sm" len="sm"/>
-            <a:tailEnd type="none" w="sm" len="sm"/>
-          </a:ln>
-        </p:spPr>
-        <p:txBody>
-          <a:bodyPr spcFirstLastPara="1" wrap="square" lIns="91425" tIns="45700" rIns="91425" bIns="45700" anchor="ctr" anchorCtr="0">
-            <a:noAutofit/>
-          </a:bodyPr>
-          <a:lstStyle/>
-          <a:p>
-            <a:pPr marL="0" marR="0" lvl="0" indent="0" algn="ctr" rtl="0">
-              <a:spcBef>
-                <a:spcPts val="0"/>
-              </a:spcBef>
-              <a:spcAft>
-                <a:spcPts val="0"/>
-              </a:spcAft>
-              <a:buNone/>
-            </a:pPr>
-            <a:r>
-              <a:rPr lang="en-GB" sz="1800" dirty="0">
-                <a:solidFill>
-                  <a:srgbClr val="FFF1FF"/>
-                </a:solidFill>
-              </a:rPr>
-              <a:t>Trimester 4</a:t>
-            </a:r>
-            <a:endParaRPr lang="en-GB" sz="1800" b="0" i="0" u="none" strike="noStrike" cap="none" dirty="0">
-              <a:solidFill>
-                <a:srgbClr val="FFF1FF"/>
-              </a:solidFill>
-              <a:latin typeface="Arial"/>
-              <a:ea typeface="Arial"/>
-              <a:cs typeface="Arial"/>
-              <a:sym typeface="Arial"/>
-            </a:endParaRPr>
-          </a:p>
-        </p:txBody>
-      </p:sp>
-      <p:sp>
-        <p:nvSpPr>
-          <p:cNvPr id="12" name="Google Shape;106;p2">
-            <a:extLst>
-              <a:ext uri="{FF2B5EF4-FFF2-40B4-BE49-F238E27FC236}">
-                <a16:creationId xmlns:a16="http://schemas.microsoft.com/office/drawing/2014/main" id="{43464C39-5F03-4E4E-ACCE-ADBC1E91BEDF}"/>
-              </a:ext>
-            </a:extLst>
-          </p:cNvPr>
-          <p:cNvSpPr txBox="1"/>
-          <p:nvPr/>
-        </p:nvSpPr>
-        <p:spPr>
-          <a:xfrm>
-            <a:off x="5417745" y="345031"/>
-            <a:ext cx="3525140" cy="750239"/>
-          </a:xfrm>
-          <a:prstGeom prst="rect">
-            <a:avLst/>
-          </a:prstGeom>
-          <a:solidFill>
-            <a:schemeClr val="tx1"/>
-          </a:solidFill>
-          <a:ln w="28575" cap="flat" cmpd="sng">
-            <a:solidFill>
-              <a:schemeClr val="tx1"/>
-            </a:solidFill>
-            <a:prstDash val="solid"/>
-            <a:miter lim="800000"/>
-            <a:headEnd type="none" w="sm" len="sm"/>
-            <a:tailEnd type="none" w="sm" len="sm"/>
-          </a:ln>
-        </p:spPr>
-        <p:txBody>
-          <a:bodyPr spcFirstLastPara="1" wrap="square" lIns="91425" tIns="45700" rIns="91425" bIns="45700" anchor="ctr" anchorCtr="0">
-            <a:noAutofit/>
-          </a:bodyPr>
-          <a:lstStyle/>
-          <a:p>
-            <a:pPr marR="0" lvl="0" algn="ctr" rtl="0">
-              <a:spcBef>
-                <a:spcPts val="0"/>
-              </a:spcBef>
-              <a:spcAft>
-                <a:spcPts val="0"/>
-              </a:spcAft>
-            </a:pPr>
-            <a:r>
-              <a:rPr lang="en-US" sz="2200" dirty="0">
-                <a:solidFill>
-                  <a:srgbClr val="E4007F"/>
-                </a:solidFill>
-                <a:latin typeface="Bahnschrift SemiBold SemiConden" panose="020B0502040204020203" pitchFamily="34" charset="0"/>
-              </a:rPr>
-              <a:t>T</a:t>
-            </a:r>
-            <a:r>
-              <a:rPr lang="en-US" sz="2200" dirty="0">
-                <a:solidFill>
-                  <a:schemeClr val="bg1"/>
-                </a:solidFill>
-                <a:latin typeface="Bahnschrift SemiBold SemiConden" panose="020B0502040204020203" pitchFamily="34" charset="0"/>
-              </a:rPr>
-              <a:t>op 5 Topic Clusters: </a:t>
-            </a:r>
-          </a:p>
-        </p:txBody>
-      </p:sp>
-      <p:sp>
-        <p:nvSpPr>
-          <p:cNvPr id="13" name="Google Shape;106;p2">
-            <a:extLst>
-              <a:ext uri="{FF2B5EF4-FFF2-40B4-BE49-F238E27FC236}">
-                <a16:creationId xmlns:a16="http://schemas.microsoft.com/office/drawing/2014/main" id="{19E299AC-801B-4772-A204-50C6AAAF4760}"/>
-              </a:ext>
-            </a:extLst>
-          </p:cNvPr>
-          <p:cNvSpPr txBox="1"/>
-          <p:nvPr/>
-        </p:nvSpPr>
-        <p:spPr>
-          <a:xfrm>
-            <a:off x="3538851" y="5572609"/>
-            <a:ext cx="7282927" cy="940360"/>
-          </a:xfrm>
-          <a:prstGeom prst="rect">
-            <a:avLst/>
-          </a:prstGeom>
-          <a:solidFill>
-            <a:schemeClr val="bg1"/>
-          </a:solidFill>
-          <a:ln w="28575" cap="flat" cmpd="sng">
-            <a:solidFill>
-              <a:schemeClr val="tx1"/>
-            </a:solidFill>
-            <a:prstDash val="solid"/>
-            <a:miter lim="800000"/>
-            <a:headEnd type="none" w="sm" len="sm"/>
-            <a:tailEnd type="none" w="sm" len="sm"/>
-          </a:ln>
-        </p:spPr>
-        <p:txBody>
-          <a:bodyPr spcFirstLastPara="1" wrap="square" lIns="91425" tIns="45700" rIns="91425" bIns="45700" anchor="ctr" anchorCtr="0">
-            <a:noAutofit/>
-          </a:bodyPr>
-          <a:lstStyle/>
-          <a:p>
-            <a:pPr algn="ctr">
-              <a:lnSpc>
-                <a:spcPct val="150000"/>
-              </a:lnSpc>
-              <a:spcAft>
-                <a:spcPts val="600"/>
-              </a:spcAft>
-            </a:pPr>
-            <a:r>
-              <a:rPr lang="en-US" sz="2200" dirty="0">
-                <a:solidFill>
-                  <a:srgbClr val="A3003C"/>
-                </a:solidFill>
-                <a:latin typeface="Bahnschrift SemiBold SemiConden" panose="020B0502040204020203" pitchFamily="34" charset="0"/>
-              </a:rPr>
-              <a:t>Topic 5</a:t>
-            </a:r>
-            <a:r>
-              <a:rPr lang="en-US" sz="2200" dirty="0">
-                <a:solidFill>
-                  <a:schemeClr val="tx1"/>
-                </a:solidFill>
-                <a:latin typeface="Bahnschrift SemiBold SemiConden" panose="020B0502040204020203" pitchFamily="34" charset="0"/>
-              </a:rPr>
-              <a:t>: senpai, ayanokouji, beach, win, flag, …</a:t>
-            </a:r>
-          </a:p>
-        </p:txBody>
-      </p:sp>
-      <p:sp>
-        <p:nvSpPr>
-          <p:cNvPr id="14" name="Google Shape;106;p2">
-            <a:extLst>
-              <a:ext uri="{FF2B5EF4-FFF2-40B4-BE49-F238E27FC236}">
-                <a16:creationId xmlns:a16="http://schemas.microsoft.com/office/drawing/2014/main" id="{EBACA58E-1256-46A7-A19B-9357228BE569}"/>
-              </a:ext>
-            </a:extLst>
-          </p:cNvPr>
-          <p:cNvSpPr txBox="1"/>
-          <p:nvPr/>
-        </p:nvSpPr>
-        <p:spPr>
-          <a:xfrm>
-            <a:off x="3538851" y="2120797"/>
-            <a:ext cx="7282927" cy="898800"/>
-          </a:xfrm>
-          <a:prstGeom prst="rect">
-            <a:avLst/>
-          </a:prstGeom>
-          <a:solidFill>
-            <a:schemeClr val="bg1"/>
-          </a:solidFill>
-          <a:ln w="28575" cap="flat" cmpd="sng">
-            <a:solidFill>
-              <a:schemeClr val="tx1"/>
-            </a:solidFill>
-            <a:prstDash val="solid"/>
-            <a:miter lim="800000"/>
-            <a:headEnd type="none" w="sm" len="sm"/>
-            <a:tailEnd type="none" w="sm" len="sm"/>
-          </a:ln>
-        </p:spPr>
-        <p:txBody>
-          <a:bodyPr spcFirstLastPara="1" wrap="square" lIns="91425" tIns="45700" rIns="91425" bIns="45700" anchor="ctr" anchorCtr="0">
-            <a:noAutofit/>
-          </a:bodyPr>
-          <a:lstStyle/>
-          <a:p>
-            <a:pPr algn="ctr">
-              <a:lnSpc>
-                <a:spcPct val="150000"/>
-              </a:lnSpc>
-              <a:spcAft>
-                <a:spcPts val="600"/>
-              </a:spcAft>
-            </a:pPr>
-            <a:r>
-              <a:rPr lang="en-US" sz="2200" dirty="0">
-                <a:solidFill>
-                  <a:srgbClr val="A3003C"/>
-                </a:solidFill>
-                <a:latin typeface="Bahnschrift SemiBold SemiConden" panose="020B0502040204020203" pitchFamily="34" charset="0"/>
-              </a:rPr>
-              <a:t>Topic 57</a:t>
-            </a:r>
-            <a:r>
-              <a:rPr lang="en-US" sz="2200" dirty="0">
-                <a:solidFill>
-                  <a:schemeClr val="tx1"/>
-                </a:solidFill>
-                <a:latin typeface="Bahnschrift SemiBold SemiConden" panose="020B0502040204020203" pitchFamily="34" charset="0"/>
-              </a:rPr>
-              <a:t>: senpai, ayanokouji, answering, partners, okay, …</a:t>
-            </a:r>
-          </a:p>
-        </p:txBody>
-      </p:sp>
-      <p:sp>
-        <p:nvSpPr>
-          <p:cNvPr id="15" name="Google Shape;106;p2">
-            <a:extLst>
-              <a:ext uri="{FF2B5EF4-FFF2-40B4-BE49-F238E27FC236}">
-                <a16:creationId xmlns:a16="http://schemas.microsoft.com/office/drawing/2014/main" id="{A4F1565C-CBDE-48D2-9629-1D300BB6168F}"/>
-              </a:ext>
-            </a:extLst>
-          </p:cNvPr>
-          <p:cNvSpPr txBox="1"/>
-          <p:nvPr/>
-        </p:nvSpPr>
-        <p:spPr>
-          <a:xfrm>
-            <a:off x="3538851" y="3271401"/>
-            <a:ext cx="7282927" cy="898800"/>
-          </a:xfrm>
-          <a:prstGeom prst="rect">
-            <a:avLst/>
-          </a:prstGeom>
-          <a:solidFill>
-            <a:schemeClr val="bg1"/>
-          </a:solidFill>
-          <a:ln w="28575" cap="flat" cmpd="sng">
-            <a:solidFill>
-              <a:schemeClr val="tx1"/>
-            </a:solidFill>
-            <a:prstDash val="solid"/>
-            <a:miter lim="800000"/>
-            <a:headEnd type="none" w="sm" len="sm"/>
-            <a:tailEnd type="none" w="sm" len="sm"/>
-          </a:ln>
-        </p:spPr>
-        <p:txBody>
-          <a:bodyPr spcFirstLastPara="1" wrap="square" lIns="91425" tIns="45700" rIns="91425" bIns="45700" anchor="ctr" anchorCtr="0">
-            <a:noAutofit/>
-          </a:bodyPr>
-          <a:lstStyle/>
-          <a:p>
-            <a:pPr algn="ctr">
-              <a:lnSpc>
-                <a:spcPct val="150000"/>
-              </a:lnSpc>
-              <a:spcAft>
-                <a:spcPts val="600"/>
-              </a:spcAft>
-            </a:pPr>
-            <a:r>
-              <a:rPr lang="en-US" sz="2200" dirty="0">
-                <a:solidFill>
-                  <a:srgbClr val="A3003C"/>
-                </a:solidFill>
-                <a:latin typeface="Bahnschrift SemiBold SemiConden" panose="020B0502040204020203" pitchFamily="34" charset="0"/>
-              </a:rPr>
-              <a:t>Topic 55</a:t>
-            </a:r>
-            <a:r>
-              <a:rPr lang="en-US" sz="2200" dirty="0">
-                <a:solidFill>
-                  <a:schemeClr val="tx1"/>
-                </a:solidFill>
-                <a:latin typeface="Bahnschrift SemiBold SemiConden" panose="020B0502040204020203" pitchFamily="34" charset="0"/>
-              </a:rPr>
-              <a:t>: </a:t>
-            </a:r>
-            <a:r>
-              <a:rPr lang="en-GB" sz="2200" dirty="0">
-                <a:solidFill>
-                  <a:schemeClr val="tx1"/>
-                </a:solidFill>
-                <a:latin typeface="Bahnschrift SemiBold SemiConden" panose="020B0502040204020203" pitchFamily="34" charset="0"/>
-              </a:rPr>
-              <a:t>council, </a:t>
-            </a:r>
-            <a:r>
-              <a:rPr lang="en-GB" sz="2200" dirty="0" err="1">
-                <a:solidFill>
-                  <a:schemeClr val="tx1"/>
-                </a:solidFill>
-                <a:latin typeface="Bahnschrift SemiBold SemiConden" panose="020B0502040204020203" pitchFamily="34" charset="0"/>
-              </a:rPr>
-              <a:t>nagumo</a:t>
-            </a:r>
-            <a:r>
-              <a:rPr lang="en-GB" sz="2200" dirty="0">
-                <a:solidFill>
-                  <a:schemeClr val="tx1"/>
-                </a:solidFill>
-                <a:latin typeface="Bahnschrift SemiBold SemiConden" panose="020B0502040204020203" pitchFamily="34" charset="0"/>
-              </a:rPr>
-              <a:t>, brother, join, president, … </a:t>
-            </a:r>
-            <a:endParaRPr lang="en-US" sz="2200" dirty="0">
-              <a:solidFill>
-                <a:schemeClr val="tx1"/>
-              </a:solidFill>
-              <a:latin typeface="Bahnschrift SemiBold SemiConden" panose="020B0502040204020203" pitchFamily="34" charset="0"/>
-            </a:endParaRPr>
-          </a:p>
-        </p:txBody>
-      </p:sp>
-      <p:sp>
-        <p:nvSpPr>
-          <p:cNvPr id="16" name="Google Shape;106;p2">
-            <a:extLst>
-              <a:ext uri="{FF2B5EF4-FFF2-40B4-BE49-F238E27FC236}">
-                <a16:creationId xmlns:a16="http://schemas.microsoft.com/office/drawing/2014/main" id="{522027D1-58C3-4EC3-AB51-7ED7CF236577}"/>
-              </a:ext>
-            </a:extLst>
-          </p:cNvPr>
-          <p:cNvSpPr txBox="1"/>
-          <p:nvPr/>
-        </p:nvSpPr>
-        <p:spPr>
-          <a:xfrm>
-            <a:off x="3538851" y="4422005"/>
-            <a:ext cx="7282927" cy="898800"/>
-          </a:xfrm>
-          <a:prstGeom prst="rect">
-            <a:avLst/>
-          </a:prstGeom>
-          <a:solidFill>
-            <a:schemeClr val="bg1"/>
-          </a:solidFill>
-          <a:ln w="28575" cap="flat" cmpd="sng">
-            <a:solidFill>
-              <a:schemeClr val="tx1"/>
-            </a:solidFill>
-            <a:prstDash val="solid"/>
-            <a:miter lim="800000"/>
-            <a:headEnd type="none" w="sm" len="sm"/>
-            <a:tailEnd type="none" w="sm" len="sm"/>
-          </a:ln>
-        </p:spPr>
-        <p:txBody>
-          <a:bodyPr spcFirstLastPara="1" wrap="square" lIns="91425" tIns="45700" rIns="91425" bIns="45700" anchor="ctr" anchorCtr="0">
-            <a:noAutofit/>
-          </a:bodyPr>
-          <a:lstStyle/>
-          <a:p>
-            <a:pPr algn="ctr">
-              <a:lnSpc>
-                <a:spcPct val="150000"/>
-              </a:lnSpc>
-              <a:spcAft>
-                <a:spcPts val="600"/>
-              </a:spcAft>
-            </a:pPr>
-            <a:r>
-              <a:rPr lang="en-US" sz="2200" dirty="0">
-                <a:solidFill>
-                  <a:srgbClr val="A3003C"/>
-                </a:solidFill>
-                <a:latin typeface="Bahnschrift SemiBold SemiConden" panose="020B0502040204020203" pitchFamily="34" charset="0"/>
-              </a:rPr>
-              <a:t>Topic </a:t>
-            </a:r>
-            <a:r>
-              <a:rPr lang="en-GB" sz="2200" dirty="0">
-                <a:solidFill>
-                  <a:srgbClr val="A3003C"/>
-                </a:solidFill>
-                <a:latin typeface="Bahnschrift SemiBold SemiConden" panose="020B0502040204020203" pitchFamily="34" charset="0"/>
-              </a:rPr>
-              <a:t>48</a:t>
-            </a:r>
-            <a:r>
-              <a:rPr lang="en-GB" sz="2200" dirty="0">
-                <a:solidFill>
-                  <a:schemeClr val="tx1"/>
-                </a:solidFill>
-                <a:latin typeface="Bahnschrift SemiBold SemiConden" panose="020B0502040204020203" pitchFamily="34" charset="0"/>
-              </a:rPr>
-              <a:t>: senpai, climbing, catch, definitely, ayanokouji, …</a:t>
-            </a:r>
-            <a:endParaRPr lang="en-US" sz="2200" dirty="0">
-              <a:solidFill>
-                <a:schemeClr val="tx1"/>
-              </a:solidFill>
-              <a:latin typeface="Bahnschrift SemiBold SemiConden" panose="020B0502040204020203" pitchFamily="34" charset="0"/>
-            </a:endParaRPr>
-          </a:p>
-        </p:txBody>
-      </p:sp>
-    </p:spTree>
-    <p:extLst>
-      <p:ext uri="{BB962C8B-B14F-4D97-AF65-F5344CB8AC3E}">
-        <p14:creationId xmlns:p14="http://schemas.microsoft.com/office/powerpoint/2010/main" val="878143556"/>
-      </p:ext>
-    </p:extLst>
-  </p:cSld>
-  <p:clrMapOvr>
-    <a:masterClrMapping/>
-  </p:clrMapOvr>
-</p:sld>
-</file>
-
-<file path=ppt/slides/slide25.xml><?xml version="1.0" encoding="utf-8"?>
-<p:sld xmlns:a="http://schemas.openxmlformats.org/drawingml/2006/main" xmlns:r="http://schemas.openxmlformats.org/officeDocument/2006/relationships" xmlns:p="http://schemas.openxmlformats.org/presentationml/2006/main">
-  <p:cSld>
-    <p:bg>
-      <p:bgPr>
-        <a:blipFill dpi="0" rotWithShape="1">
-          <a:blip r:embed="rId3">
-            <a:lum/>
-          </a:blip>
-          <a:srcRect/>
-          <a:stretch>
-            <a:fillRect/>
-          </a:stretch>
-        </a:blipFill>
-        <a:effectLst/>
-      </p:bgPr>
-    </p:bg>
-    <p:spTree>
-      <p:nvGrpSpPr>
-        <p:cNvPr id="1" name="Shape 88"/>
-        <p:cNvGrpSpPr/>
-        <p:nvPr/>
-      </p:nvGrpSpPr>
-      <p:grpSpPr>
-        <a:xfrm>
-          <a:off x="0" y="0"/>
-          <a:ext cx="0" cy="0"/>
-          <a:chOff x="0" y="0"/>
-          <a:chExt cx="0" cy="0"/>
-        </a:xfrm>
-      </p:grpSpPr>
-      <p:sp>
-        <p:nvSpPr>
-          <p:cNvPr id="2" name="Google Shape;106;p2">
-            <a:extLst>
-              <a:ext uri="{FF2B5EF4-FFF2-40B4-BE49-F238E27FC236}">
-                <a16:creationId xmlns:a16="http://schemas.microsoft.com/office/drawing/2014/main" id="{96FFF3BD-A299-4DD3-888C-7149AB19FA4E}"/>
-              </a:ext>
-            </a:extLst>
-          </p:cNvPr>
-          <p:cNvSpPr txBox="1"/>
-          <p:nvPr/>
-        </p:nvSpPr>
-        <p:spPr>
-          <a:xfrm>
-            <a:off x="202473" y="345031"/>
-            <a:ext cx="1775400" cy="898800"/>
-          </a:xfrm>
-          <a:prstGeom prst="rect">
-            <a:avLst/>
-          </a:prstGeom>
-          <a:solidFill>
-            <a:schemeClr val="tx1"/>
-          </a:solidFill>
-          <a:ln w="12700" cap="flat" cmpd="sng">
-            <a:solidFill>
-              <a:srgbClr val="FFF1FF"/>
-            </a:solidFill>
-            <a:prstDash val="solid"/>
-            <a:miter lim="800000"/>
-            <a:headEnd type="none" w="sm" len="sm"/>
-            <a:tailEnd type="none" w="sm" len="sm"/>
-          </a:ln>
-        </p:spPr>
-        <p:txBody>
-          <a:bodyPr spcFirstLastPara="1" wrap="square" lIns="91425" tIns="45700" rIns="91425" bIns="45700" anchor="ctr" anchorCtr="0">
-            <a:noAutofit/>
-          </a:bodyPr>
-          <a:lstStyle/>
-          <a:p>
-            <a:pPr marL="0" marR="0" lvl="0" indent="0" algn="ctr" rtl="0">
-              <a:spcBef>
-                <a:spcPts val="0"/>
-              </a:spcBef>
-              <a:spcAft>
-                <a:spcPts val="0"/>
-              </a:spcAft>
-              <a:buNone/>
-            </a:pPr>
-            <a:r>
-              <a:rPr lang="en-GB" sz="1800" dirty="0">
-                <a:solidFill>
-                  <a:srgbClr val="FFF1FF"/>
-                </a:solidFill>
-              </a:rPr>
-              <a:t>Results &amp;</a:t>
-            </a:r>
-          </a:p>
-          <a:p>
-            <a:pPr marL="0" marR="0" lvl="0" indent="0" algn="ctr" rtl="0">
-              <a:spcBef>
-                <a:spcPts val="0"/>
-              </a:spcBef>
-              <a:spcAft>
-                <a:spcPts val="0"/>
-              </a:spcAft>
-              <a:buNone/>
-            </a:pPr>
-            <a:r>
-              <a:rPr lang="en-GB" sz="1800" dirty="0">
-                <a:solidFill>
-                  <a:srgbClr val="FFF1FF"/>
-                </a:solidFill>
-              </a:rPr>
-              <a:t>Discussion</a:t>
-            </a:r>
-            <a:endParaRPr lang="en-GB" sz="1800" b="0" i="0" u="none" strike="noStrike" cap="none" dirty="0">
-              <a:solidFill>
-                <a:srgbClr val="FFF1FF"/>
-              </a:solidFill>
-              <a:latin typeface="Arial"/>
-              <a:ea typeface="Arial"/>
-              <a:cs typeface="Arial"/>
-              <a:sym typeface="Arial"/>
-            </a:endParaRPr>
-          </a:p>
-        </p:txBody>
-      </p:sp>
-      <p:sp>
-        <p:nvSpPr>
-          <p:cNvPr id="3" name="Google Shape;196;p7">
-            <a:extLst>
-              <a:ext uri="{FF2B5EF4-FFF2-40B4-BE49-F238E27FC236}">
-                <a16:creationId xmlns:a16="http://schemas.microsoft.com/office/drawing/2014/main" id="{9DBA3090-01C3-4E55-A462-82BFFFF28F2C}"/>
-              </a:ext>
-            </a:extLst>
-          </p:cNvPr>
-          <p:cNvSpPr txBox="1"/>
-          <p:nvPr/>
-        </p:nvSpPr>
-        <p:spPr>
-          <a:xfrm>
-            <a:off x="202473" y="5614169"/>
-            <a:ext cx="1775400" cy="898800"/>
-          </a:xfrm>
-          <a:prstGeom prst="rect">
-            <a:avLst/>
-          </a:prstGeom>
-          <a:solidFill>
-            <a:schemeClr val="tx1"/>
-          </a:solidFill>
-          <a:ln w="12700" cap="flat" cmpd="sng">
-            <a:solidFill>
-              <a:srgbClr val="FFF1FF"/>
-            </a:solidFill>
-            <a:prstDash val="solid"/>
-            <a:miter lim="800000"/>
-            <a:headEnd type="none" w="sm" len="sm"/>
-            <a:tailEnd type="none" w="sm" len="sm"/>
-          </a:ln>
-        </p:spPr>
-        <p:txBody>
-          <a:bodyPr spcFirstLastPara="1" wrap="square" lIns="91425" tIns="45700" rIns="91425" bIns="45700" anchor="ctr" anchorCtr="0">
-            <a:noAutofit/>
-          </a:bodyPr>
-          <a:lstStyle>
-            <a:defPPr marR="0" lvl="0" algn="l" rtl="0">
-              <a:lnSpc>
-                <a:spcPct val="100000"/>
-              </a:lnSpc>
-              <a:spcBef>
-                <a:spcPts val="0"/>
-              </a:spcBef>
-              <a:spcAft>
-                <a:spcPts val="0"/>
-              </a:spcAft>
-              <a:defRPr/>
-            </a:defPPr>
-            <a:lvl1pPr marL="0" indent="0" algn="ctr">
-              <a:buNone/>
-              <a:defRPr sz="2000">
-                <a:solidFill>
-                  <a:srgbClr val="FFD13F"/>
-                </a:solidFill>
-              </a:defRPr>
-            </a:lvl1pPr>
-          </a:lstStyle>
-          <a:p>
-            <a:fld id="{00000000-1234-1234-1234-123412341234}" type="slidenum">
-              <a:rPr lang="en-GB">
-                <a:solidFill>
-                  <a:srgbClr val="FFF1FF"/>
-                </a:solidFill>
-              </a:rPr>
-              <a:pPr/>
-              <a:t>25</a:t>
             </a:fld>
             <a:endParaRPr dirty="0">
               <a:solidFill>
@@ -27254,6 +26503,757 @@
       <p:bldP spid="6" grpId="0" animBg="1"/>
     </p:bldLst>
   </p:timing>
+</p:sld>
+</file>
+
+<file path=ppt/slides/slide25.xml><?xml version="1.0" encoding="utf-8"?>
+<p:sld xmlns:a="http://schemas.openxmlformats.org/drawingml/2006/main" xmlns:r="http://schemas.openxmlformats.org/officeDocument/2006/relationships" xmlns:p="http://schemas.openxmlformats.org/presentationml/2006/main">
+  <p:cSld>
+    <p:bg>
+      <p:bgPr>
+        <a:blipFill dpi="0" rotWithShape="1">
+          <a:blip r:embed="rId3">
+            <a:lum/>
+          </a:blip>
+          <a:srcRect/>
+          <a:stretch>
+            <a:fillRect/>
+          </a:stretch>
+        </a:blipFill>
+        <a:effectLst/>
+      </p:bgPr>
+    </p:bg>
+    <p:spTree>
+      <p:nvGrpSpPr>
+        <p:cNvPr id="1" name="Shape 88"/>
+        <p:cNvGrpSpPr/>
+        <p:nvPr/>
+      </p:nvGrpSpPr>
+      <p:grpSpPr>
+        <a:xfrm>
+          <a:off x="0" y="0"/>
+          <a:ext cx="0" cy="0"/>
+          <a:chOff x="0" y="0"/>
+          <a:chExt cx="0" cy="0"/>
+        </a:xfrm>
+      </p:grpSpPr>
+      <p:sp>
+        <p:nvSpPr>
+          <p:cNvPr id="2" name="Google Shape;106;p2">
+            <a:extLst>
+              <a:ext uri="{FF2B5EF4-FFF2-40B4-BE49-F238E27FC236}">
+                <a16:creationId xmlns:a16="http://schemas.microsoft.com/office/drawing/2014/main" id="{96FFF3BD-A299-4DD3-888C-7149AB19FA4E}"/>
+              </a:ext>
+            </a:extLst>
+          </p:cNvPr>
+          <p:cNvSpPr txBox="1"/>
+          <p:nvPr/>
+        </p:nvSpPr>
+        <p:spPr>
+          <a:xfrm>
+            <a:off x="202473" y="345031"/>
+            <a:ext cx="1775400" cy="898800"/>
+          </a:xfrm>
+          <a:prstGeom prst="rect">
+            <a:avLst/>
+          </a:prstGeom>
+          <a:solidFill>
+            <a:schemeClr val="tx1"/>
+          </a:solidFill>
+          <a:ln w="12700" cap="flat" cmpd="sng">
+            <a:solidFill>
+              <a:srgbClr val="FFF1FF"/>
+            </a:solidFill>
+            <a:prstDash val="solid"/>
+            <a:miter lim="800000"/>
+            <a:headEnd type="none" w="sm" len="sm"/>
+            <a:tailEnd type="none" w="sm" len="sm"/>
+          </a:ln>
+        </p:spPr>
+        <p:txBody>
+          <a:bodyPr spcFirstLastPara="1" wrap="square" lIns="91425" tIns="45700" rIns="91425" bIns="45700" anchor="ctr" anchorCtr="0">
+            <a:noAutofit/>
+          </a:bodyPr>
+          <a:lstStyle/>
+          <a:p>
+            <a:pPr marL="0" marR="0" lvl="0" indent="0" algn="ctr" rtl="0">
+              <a:spcBef>
+                <a:spcPts val="0"/>
+              </a:spcBef>
+              <a:spcAft>
+                <a:spcPts val="0"/>
+              </a:spcAft>
+              <a:buNone/>
+            </a:pPr>
+            <a:r>
+              <a:rPr lang="en-GB" sz="1800" dirty="0">
+                <a:solidFill>
+                  <a:srgbClr val="FFF1FF"/>
+                </a:solidFill>
+              </a:rPr>
+              <a:t>Results &amp;</a:t>
+            </a:r>
+          </a:p>
+          <a:p>
+            <a:pPr marL="0" marR="0" lvl="0" indent="0" algn="ctr" rtl="0">
+              <a:spcBef>
+                <a:spcPts val="0"/>
+              </a:spcBef>
+              <a:spcAft>
+                <a:spcPts val="0"/>
+              </a:spcAft>
+              <a:buNone/>
+            </a:pPr>
+            <a:r>
+              <a:rPr lang="en-GB" sz="1800" dirty="0">
+                <a:solidFill>
+                  <a:srgbClr val="FFF1FF"/>
+                </a:solidFill>
+              </a:rPr>
+              <a:t>Discussion</a:t>
+            </a:r>
+            <a:endParaRPr lang="en-GB" sz="1800" b="0" i="0" u="none" strike="noStrike" cap="none" dirty="0">
+              <a:solidFill>
+                <a:srgbClr val="FFF1FF"/>
+              </a:solidFill>
+              <a:latin typeface="Arial"/>
+              <a:ea typeface="Arial"/>
+              <a:cs typeface="Arial"/>
+              <a:sym typeface="Arial"/>
+            </a:endParaRPr>
+          </a:p>
+        </p:txBody>
+      </p:sp>
+      <p:sp>
+        <p:nvSpPr>
+          <p:cNvPr id="3" name="Google Shape;196;p7">
+            <a:extLst>
+              <a:ext uri="{FF2B5EF4-FFF2-40B4-BE49-F238E27FC236}">
+                <a16:creationId xmlns:a16="http://schemas.microsoft.com/office/drawing/2014/main" id="{9DBA3090-01C3-4E55-A462-82BFFFF28F2C}"/>
+              </a:ext>
+            </a:extLst>
+          </p:cNvPr>
+          <p:cNvSpPr txBox="1"/>
+          <p:nvPr/>
+        </p:nvSpPr>
+        <p:spPr>
+          <a:xfrm>
+            <a:off x="202473" y="5614169"/>
+            <a:ext cx="1775400" cy="898800"/>
+          </a:xfrm>
+          <a:prstGeom prst="rect">
+            <a:avLst/>
+          </a:prstGeom>
+          <a:solidFill>
+            <a:schemeClr val="tx1"/>
+          </a:solidFill>
+          <a:ln w="12700" cap="flat" cmpd="sng">
+            <a:solidFill>
+              <a:srgbClr val="FFF1FF"/>
+            </a:solidFill>
+            <a:prstDash val="solid"/>
+            <a:miter lim="800000"/>
+            <a:headEnd type="none" w="sm" len="sm"/>
+            <a:tailEnd type="none" w="sm" len="sm"/>
+          </a:ln>
+        </p:spPr>
+        <p:txBody>
+          <a:bodyPr spcFirstLastPara="1" wrap="square" lIns="91425" tIns="45700" rIns="91425" bIns="45700" anchor="ctr" anchorCtr="0">
+            <a:noAutofit/>
+          </a:bodyPr>
+          <a:lstStyle>
+            <a:defPPr marR="0" lvl="0" algn="l" rtl="0">
+              <a:lnSpc>
+                <a:spcPct val="100000"/>
+              </a:lnSpc>
+              <a:spcBef>
+                <a:spcPts val="0"/>
+              </a:spcBef>
+              <a:spcAft>
+                <a:spcPts val="0"/>
+              </a:spcAft>
+              <a:defRPr/>
+            </a:defPPr>
+            <a:lvl1pPr marL="0" indent="0" algn="ctr">
+              <a:buNone/>
+              <a:defRPr sz="2000">
+                <a:solidFill>
+                  <a:srgbClr val="FFD13F"/>
+                </a:solidFill>
+              </a:defRPr>
+            </a:lvl1pPr>
+          </a:lstStyle>
+          <a:p>
+            <a:fld id="{00000000-1234-1234-1234-123412341234}" type="slidenum">
+              <a:rPr lang="en-GB">
+                <a:solidFill>
+                  <a:srgbClr val="FFF1FF"/>
+                </a:solidFill>
+              </a:rPr>
+              <a:pPr/>
+              <a:t>25</a:t>
+            </a:fld>
+            <a:endParaRPr dirty="0">
+              <a:solidFill>
+                <a:srgbClr val="FFF1FF"/>
+              </a:solidFill>
+            </a:endParaRPr>
+          </a:p>
+        </p:txBody>
+      </p:sp>
+      <p:sp>
+        <p:nvSpPr>
+          <p:cNvPr id="7" name="Google Shape;106;p2">
+            <a:extLst>
+              <a:ext uri="{FF2B5EF4-FFF2-40B4-BE49-F238E27FC236}">
+                <a16:creationId xmlns:a16="http://schemas.microsoft.com/office/drawing/2014/main" id="{7B56B33E-CAEC-4D6E-B6AC-0212E4DBFAEE}"/>
+              </a:ext>
+            </a:extLst>
+          </p:cNvPr>
+          <p:cNvSpPr txBox="1"/>
+          <p:nvPr/>
+        </p:nvSpPr>
+        <p:spPr>
+          <a:xfrm>
+            <a:off x="3538852" y="596835"/>
+            <a:ext cx="7282927" cy="1272158"/>
+          </a:xfrm>
+          <a:prstGeom prst="rect">
+            <a:avLst/>
+          </a:prstGeom>
+          <a:solidFill>
+            <a:schemeClr val="bg1"/>
+          </a:solidFill>
+          <a:ln w="28575" cap="flat" cmpd="sng">
+            <a:solidFill>
+              <a:schemeClr val="tx1"/>
+            </a:solidFill>
+            <a:prstDash val="solid"/>
+            <a:miter lim="800000"/>
+            <a:headEnd type="none" w="sm" len="sm"/>
+            <a:tailEnd type="none" w="sm" len="sm"/>
+          </a:ln>
+        </p:spPr>
+        <p:txBody>
+          <a:bodyPr spcFirstLastPara="1" wrap="square" lIns="91425" tIns="45700" rIns="91425" bIns="45700" anchor="ctr" anchorCtr="0">
+            <a:noAutofit/>
+          </a:bodyPr>
+          <a:lstStyle/>
+          <a:p>
+            <a:pPr algn="ctr">
+              <a:lnSpc>
+                <a:spcPct val="150000"/>
+              </a:lnSpc>
+              <a:spcAft>
+                <a:spcPts val="600"/>
+              </a:spcAft>
+            </a:pPr>
+            <a:endParaRPr lang="en-US" sz="1800" dirty="0">
+              <a:solidFill>
+                <a:srgbClr val="000000"/>
+              </a:solidFill>
+              <a:effectLst/>
+              <a:latin typeface="Calibri" panose="020F0502020204030204" pitchFamily="34" charset="0"/>
+              <a:ea typeface="Calibri" panose="020F0502020204030204" pitchFamily="34" charset="0"/>
+              <a:cs typeface="Calibri" panose="020F0502020204030204" pitchFamily="34" charset="0"/>
+            </a:endParaRPr>
+          </a:p>
+          <a:p>
+            <a:pPr algn="ctr">
+              <a:lnSpc>
+                <a:spcPct val="150000"/>
+              </a:lnSpc>
+              <a:spcAft>
+                <a:spcPts val="600"/>
+              </a:spcAft>
+            </a:pPr>
+            <a:r>
+              <a:rPr lang="en-US" sz="2200" dirty="0">
+                <a:solidFill>
+                  <a:srgbClr val="A3003C"/>
+                </a:solidFill>
+                <a:latin typeface="Bahnschrift SemiBold SemiConden" panose="020B0502040204020203" pitchFamily="34" charset="0"/>
+              </a:rPr>
+              <a:t>Topic 69</a:t>
+            </a:r>
+            <a:r>
+              <a:rPr lang="en-US" sz="2200" dirty="0">
+                <a:solidFill>
+                  <a:schemeClr val="tx1"/>
+                </a:solidFill>
+                <a:latin typeface="Bahnschrift SemiBold SemiConden" panose="020B0502040204020203" pitchFamily="34" charset="0"/>
+              </a:rPr>
+              <a:t>: senpai, understood, detail, human, ayanokouji, …</a:t>
+            </a:r>
+          </a:p>
+        </p:txBody>
+      </p:sp>
+      <p:sp>
+        <p:nvSpPr>
+          <p:cNvPr id="11" name="Google Shape;106;p2">
+            <a:extLst>
+              <a:ext uri="{FF2B5EF4-FFF2-40B4-BE49-F238E27FC236}">
+                <a16:creationId xmlns:a16="http://schemas.microsoft.com/office/drawing/2014/main" id="{CA3F87FA-FBED-4E2B-861C-80BC01928B4F}"/>
+              </a:ext>
+            </a:extLst>
+          </p:cNvPr>
+          <p:cNvSpPr txBox="1"/>
+          <p:nvPr/>
+        </p:nvSpPr>
+        <p:spPr>
+          <a:xfrm>
+            <a:off x="202473" y="1421879"/>
+            <a:ext cx="1775400" cy="898800"/>
+          </a:xfrm>
+          <a:prstGeom prst="rect">
+            <a:avLst/>
+          </a:prstGeom>
+          <a:solidFill>
+            <a:schemeClr val="tx1"/>
+          </a:solidFill>
+          <a:ln w="12700" cap="flat" cmpd="sng">
+            <a:solidFill>
+              <a:srgbClr val="FFF1FF"/>
+            </a:solidFill>
+            <a:prstDash val="solid"/>
+            <a:miter lim="800000"/>
+            <a:headEnd type="none" w="sm" len="sm"/>
+            <a:tailEnd type="none" w="sm" len="sm"/>
+          </a:ln>
+        </p:spPr>
+        <p:txBody>
+          <a:bodyPr spcFirstLastPara="1" wrap="square" lIns="91425" tIns="45700" rIns="91425" bIns="45700" anchor="ctr" anchorCtr="0">
+            <a:noAutofit/>
+          </a:bodyPr>
+          <a:lstStyle/>
+          <a:p>
+            <a:pPr marL="0" marR="0" lvl="0" indent="0" algn="ctr" rtl="0">
+              <a:spcBef>
+                <a:spcPts val="0"/>
+              </a:spcBef>
+              <a:spcAft>
+                <a:spcPts val="0"/>
+              </a:spcAft>
+              <a:buNone/>
+            </a:pPr>
+            <a:r>
+              <a:rPr lang="en-GB" sz="1800" dirty="0">
+                <a:solidFill>
+                  <a:srgbClr val="FFF1FF"/>
+                </a:solidFill>
+              </a:rPr>
+              <a:t>Trimester 4</a:t>
+            </a:r>
+            <a:endParaRPr lang="en-GB" sz="1800" b="0" i="0" u="none" strike="noStrike" cap="none" dirty="0">
+              <a:solidFill>
+                <a:srgbClr val="FFF1FF"/>
+              </a:solidFill>
+              <a:latin typeface="Arial"/>
+              <a:ea typeface="Arial"/>
+              <a:cs typeface="Arial"/>
+              <a:sym typeface="Arial"/>
+            </a:endParaRPr>
+          </a:p>
+        </p:txBody>
+      </p:sp>
+      <p:sp>
+        <p:nvSpPr>
+          <p:cNvPr id="12" name="Google Shape;106;p2">
+            <a:extLst>
+              <a:ext uri="{FF2B5EF4-FFF2-40B4-BE49-F238E27FC236}">
+                <a16:creationId xmlns:a16="http://schemas.microsoft.com/office/drawing/2014/main" id="{43464C39-5F03-4E4E-ACCE-ADBC1E91BEDF}"/>
+              </a:ext>
+            </a:extLst>
+          </p:cNvPr>
+          <p:cNvSpPr txBox="1"/>
+          <p:nvPr/>
+        </p:nvSpPr>
+        <p:spPr>
+          <a:xfrm>
+            <a:off x="5417745" y="345031"/>
+            <a:ext cx="3525140" cy="750239"/>
+          </a:xfrm>
+          <a:prstGeom prst="rect">
+            <a:avLst/>
+          </a:prstGeom>
+          <a:solidFill>
+            <a:schemeClr val="tx1"/>
+          </a:solidFill>
+          <a:ln w="28575" cap="flat" cmpd="sng">
+            <a:solidFill>
+              <a:schemeClr val="tx1"/>
+            </a:solidFill>
+            <a:prstDash val="solid"/>
+            <a:miter lim="800000"/>
+            <a:headEnd type="none" w="sm" len="sm"/>
+            <a:tailEnd type="none" w="sm" len="sm"/>
+          </a:ln>
+        </p:spPr>
+        <p:txBody>
+          <a:bodyPr spcFirstLastPara="1" wrap="square" lIns="91425" tIns="45700" rIns="91425" bIns="45700" anchor="ctr" anchorCtr="0">
+            <a:noAutofit/>
+          </a:bodyPr>
+          <a:lstStyle/>
+          <a:p>
+            <a:pPr marR="0" lvl="0" algn="ctr" rtl="0">
+              <a:spcBef>
+                <a:spcPts val="0"/>
+              </a:spcBef>
+              <a:spcAft>
+                <a:spcPts val="0"/>
+              </a:spcAft>
+            </a:pPr>
+            <a:r>
+              <a:rPr lang="en-US" sz="2200" dirty="0">
+                <a:solidFill>
+                  <a:srgbClr val="E4007F"/>
+                </a:solidFill>
+                <a:latin typeface="Bahnschrift SemiBold SemiConden" panose="020B0502040204020203" pitchFamily="34" charset="0"/>
+              </a:rPr>
+              <a:t>T</a:t>
+            </a:r>
+            <a:r>
+              <a:rPr lang="en-US" sz="2200" dirty="0">
+                <a:solidFill>
+                  <a:schemeClr val="bg1"/>
+                </a:solidFill>
+                <a:latin typeface="Bahnschrift SemiBold SemiConden" panose="020B0502040204020203" pitchFamily="34" charset="0"/>
+              </a:rPr>
+              <a:t>op 5 Topic Clusters: </a:t>
+            </a:r>
+          </a:p>
+        </p:txBody>
+      </p:sp>
+      <p:sp>
+        <p:nvSpPr>
+          <p:cNvPr id="13" name="Google Shape;106;p2">
+            <a:extLst>
+              <a:ext uri="{FF2B5EF4-FFF2-40B4-BE49-F238E27FC236}">
+                <a16:creationId xmlns:a16="http://schemas.microsoft.com/office/drawing/2014/main" id="{19E299AC-801B-4772-A204-50C6AAAF4760}"/>
+              </a:ext>
+            </a:extLst>
+          </p:cNvPr>
+          <p:cNvSpPr txBox="1"/>
+          <p:nvPr/>
+        </p:nvSpPr>
+        <p:spPr>
+          <a:xfrm>
+            <a:off x="3538851" y="5572609"/>
+            <a:ext cx="7282927" cy="940360"/>
+          </a:xfrm>
+          <a:prstGeom prst="rect">
+            <a:avLst/>
+          </a:prstGeom>
+          <a:solidFill>
+            <a:schemeClr val="bg1"/>
+          </a:solidFill>
+          <a:ln w="28575" cap="flat" cmpd="sng">
+            <a:solidFill>
+              <a:schemeClr val="tx1"/>
+            </a:solidFill>
+            <a:prstDash val="solid"/>
+            <a:miter lim="800000"/>
+            <a:headEnd type="none" w="sm" len="sm"/>
+            <a:tailEnd type="none" w="sm" len="sm"/>
+          </a:ln>
+        </p:spPr>
+        <p:txBody>
+          <a:bodyPr spcFirstLastPara="1" wrap="square" lIns="91425" tIns="45700" rIns="91425" bIns="45700" anchor="ctr" anchorCtr="0">
+            <a:noAutofit/>
+          </a:bodyPr>
+          <a:lstStyle/>
+          <a:p>
+            <a:pPr algn="ctr">
+              <a:lnSpc>
+                <a:spcPct val="150000"/>
+              </a:lnSpc>
+              <a:spcAft>
+                <a:spcPts val="600"/>
+              </a:spcAft>
+            </a:pPr>
+            <a:r>
+              <a:rPr lang="en-US" sz="2200" dirty="0">
+                <a:solidFill>
+                  <a:srgbClr val="A3003C"/>
+                </a:solidFill>
+                <a:latin typeface="Bahnschrift SemiBold SemiConden" panose="020B0502040204020203" pitchFamily="34" charset="0"/>
+              </a:rPr>
+              <a:t>Topic 5</a:t>
+            </a:r>
+            <a:r>
+              <a:rPr lang="en-US" sz="2200" dirty="0">
+                <a:solidFill>
+                  <a:schemeClr val="tx1"/>
+                </a:solidFill>
+                <a:latin typeface="Bahnschrift SemiBold SemiConden" panose="020B0502040204020203" pitchFamily="34" charset="0"/>
+              </a:rPr>
+              <a:t>: senpai, ayanokouji, beach, win, flag, …</a:t>
+            </a:r>
+          </a:p>
+        </p:txBody>
+      </p:sp>
+      <p:sp>
+        <p:nvSpPr>
+          <p:cNvPr id="14" name="Google Shape;106;p2">
+            <a:extLst>
+              <a:ext uri="{FF2B5EF4-FFF2-40B4-BE49-F238E27FC236}">
+                <a16:creationId xmlns:a16="http://schemas.microsoft.com/office/drawing/2014/main" id="{EBACA58E-1256-46A7-A19B-9357228BE569}"/>
+              </a:ext>
+            </a:extLst>
+          </p:cNvPr>
+          <p:cNvSpPr txBox="1"/>
+          <p:nvPr/>
+        </p:nvSpPr>
+        <p:spPr>
+          <a:xfrm>
+            <a:off x="3538851" y="2120797"/>
+            <a:ext cx="7282927" cy="898800"/>
+          </a:xfrm>
+          <a:prstGeom prst="rect">
+            <a:avLst/>
+          </a:prstGeom>
+          <a:solidFill>
+            <a:schemeClr val="bg1"/>
+          </a:solidFill>
+          <a:ln w="28575" cap="flat" cmpd="sng">
+            <a:solidFill>
+              <a:schemeClr val="tx1"/>
+            </a:solidFill>
+            <a:prstDash val="solid"/>
+            <a:miter lim="800000"/>
+            <a:headEnd type="none" w="sm" len="sm"/>
+            <a:tailEnd type="none" w="sm" len="sm"/>
+          </a:ln>
+        </p:spPr>
+        <p:txBody>
+          <a:bodyPr spcFirstLastPara="1" wrap="square" lIns="91425" tIns="45700" rIns="91425" bIns="45700" anchor="ctr" anchorCtr="0">
+            <a:noAutofit/>
+          </a:bodyPr>
+          <a:lstStyle/>
+          <a:p>
+            <a:pPr algn="ctr">
+              <a:lnSpc>
+                <a:spcPct val="150000"/>
+              </a:lnSpc>
+              <a:spcAft>
+                <a:spcPts val="600"/>
+              </a:spcAft>
+            </a:pPr>
+            <a:r>
+              <a:rPr lang="en-US" sz="2200" dirty="0">
+                <a:solidFill>
+                  <a:srgbClr val="A3003C"/>
+                </a:solidFill>
+                <a:latin typeface="Bahnschrift SemiBold SemiConden" panose="020B0502040204020203" pitchFamily="34" charset="0"/>
+              </a:rPr>
+              <a:t>Topic 57</a:t>
+            </a:r>
+            <a:r>
+              <a:rPr lang="en-US" sz="2200" dirty="0">
+                <a:solidFill>
+                  <a:schemeClr val="tx1"/>
+                </a:solidFill>
+                <a:latin typeface="Bahnschrift SemiBold SemiConden" panose="020B0502040204020203" pitchFamily="34" charset="0"/>
+              </a:rPr>
+              <a:t>: senpai, ayanokouji, answering, partners, okay, …</a:t>
+            </a:r>
+          </a:p>
+        </p:txBody>
+      </p:sp>
+      <p:sp>
+        <p:nvSpPr>
+          <p:cNvPr id="15" name="Google Shape;106;p2">
+            <a:extLst>
+              <a:ext uri="{FF2B5EF4-FFF2-40B4-BE49-F238E27FC236}">
+                <a16:creationId xmlns:a16="http://schemas.microsoft.com/office/drawing/2014/main" id="{A4F1565C-CBDE-48D2-9629-1D300BB6168F}"/>
+              </a:ext>
+            </a:extLst>
+          </p:cNvPr>
+          <p:cNvSpPr txBox="1"/>
+          <p:nvPr/>
+        </p:nvSpPr>
+        <p:spPr>
+          <a:xfrm>
+            <a:off x="3538851" y="3271401"/>
+            <a:ext cx="7282927" cy="898800"/>
+          </a:xfrm>
+          <a:prstGeom prst="rect">
+            <a:avLst/>
+          </a:prstGeom>
+          <a:solidFill>
+            <a:schemeClr val="bg1"/>
+          </a:solidFill>
+          <a:ln w="28575" cap="flat" cmpd="sng">
+            <a:solidFill>
+              <a:schemeClr val="tx1"/>
+            </a:solidFill>
+            <a:prstDash val="solid"/>
+            <a:miter lim="800000"/>
+            <a:headEnd type="none" w="sm" len="sm"/>
+            <a:tailEnd type="none" w="sm" len="sm"/>
+          </a:ln>
+        </p:spPr>
+        <p:txBody>
+          <a:bodyPr spcFirstLastPara="1" wrap="square" lIns="91425" tIns="45700" rIns="91425" bIns="45700" anchor="ctr" anchorCtr="0">
+            <a:noAutofit/>
+          </a:bodyPr>
+          <a:lstStyle/>
+          <a:p>
+            <a:pPr algn="ctr">
+              <a:lnSpc>
+                <a:spcPct val="150000"/>
+              </a:lnSpc>
+              <a:spcAft>
+                <a:spcPts val="600"/>
+              </a:spcAft>
+            </a:pPr>
+            <a:r>
+              <a:rPr lang="en-US" sz="2200" dirty="0">
+                <a:solidFill>
+                  <a:srgbClr val="A3003C"/>
+                </a:solidFill>
+                <a:latin typeface="Bahnschrift SemiBold SemiConden" panose="020B0502040204020203" pitchFamily="34" charset="0"/>
+              </a:rPr>
+              <a:t>Topic 55</a:t>
+            </a:r>
+            <a:r>
+              <a:rPr lang="en-US" sz="2200" dirty="0">
+                <a:solidFill>
+                  <a:schemeClr val="tx1"/>
+                </a:solidFill>
+                <a:latin typeface="Bahnschrift SemiBold SemiConden" panose="020B0502040204020203" pitchFamily="34" charset="0"/>
+              </a:rPr>
+              <a:t>: </a:t>
+            </a:r>
+            <a:r>
+              <a:rPr lang="en-GB" sz="2200" dirty="0">
+                <a:solidFill>
+                  <a:schemeClr val="tx1"/>
+                </a:solidFill>
+                <a:latin typeface="Bahnschrift SemiBold SemiConden" panose="020B0502040204020203" pitchFamily="34" charset="0"/>
+              </a:rPr>
+              <a:t>council, </a:t>
+            </a:r>
+            <a:r>
+              <a:rPr lang="en-GB" sz="2200" dirty="0" err="1">
+                <a:solidFill>
+                  <a:schemeClr val="tx1"/>
+                </a:solidFill>
+                <a:latin typeface="Bahnschrift SemiBold SemiConden" panose="020B0502040204020203" pitchFamily="34" charset="0"/>
+              </a:rPr>
+              <a:t>nagumo</a:t>
+            </a:r>
+            <a:r>
+              <a:rPr lang="en-GB" sz="2200" dirty="0">
+                <a:solidFill>
+                  <a:schemeClr val="tx1"/>
+                </a:solidFill>
+                <a:latin typeface="Bahnschrift SemiBold SemiConden" panose="020B0502040204020203" pitchFamily="34" charset="0"/>
+              </a:rPr>
+              <a:t>, brother, join, president, … </a:t>
+            </a:r>
+            <a:endParaRPr lang="en-US" sz="2200" dirty="0">
+              <a:solidFill>
+                <a:schemeClr val="tx1"/>
+              </a:solidFill>
+              <a:latin typeface="Bahnschrift SemiBold SemiConden" panose="020B0502040204020203" pitchFamily="34" charset="0"/>
+            </a:endParaRPr>
+          </a:p>
+        </p:txBody>
+      </p:sp>
+      <p:sp>
+        <p:nvSpPr>
+          <p:cNvPr id="16" name="Google Shape;106;p2">
+            <a:extLst>
+              <a:ext uri="{FF2B5EF4-FFF2-40B4-BE49-F238E27FC236}">
+                <a16:creationId xmlns:a16="http://schemas.microsoft.com/office/drawing/2014/main" id="{522027D1-58C3-4EC3-AB51-7ED7CF236577}"/>
+              </a:ext>
+            </a:extLst>
+          </p:cNvPr>
+          <p:cNvSpPr txBox="1"/>
+          <p:nvPr/>
+        </p:nvSpPr>
+        <p:spPr>
+          <a:xfrm>
+            <a:off x="3538851" y="4422005"/>
+            <a:ext cx="7282927" cy="898800"/>
+          </a:xfrm>
+          <a:prstGeom prst="rect">
+            <a:avLst/>
+          </a:prstGeom>
+          <a:solidFill>
+            <a:schemeClr val="bg1"/>
+          </a:solidFill>
+          <a:ln w="28575" cap="flat" cmpd="sng">
+            <a:solidFill>
+              <a:schemeClr val="tx1"/>
+            </a:solidFill>
+            <a:prstDash val="solid"/>
+            <a:miter lim="800000"/>
+            <a:headEnd type="none" w="sm" len="sm"/>
+            <a:tailEnd type="none" w="sm" len="sm"/>
+          </a:ln>
+        </p:spPr>
+        <p:txBody>
+          <a:bodyPr spcFirstLastPara="1" wrap="square" lIns="91425" tIns="45700" rIns="91425" bIns="45700" anchor="ctr" anchorCtr="0">
+            <a:noAutofit/>
+          </a:bodyPr>
+          <a:lstStyle/>
+          <a:p>
+            <a:pPr algn="ctr">
+              <a:lnSpc>
+                <a:spcPct val="150000"/>
+              </a:lnSpc>
+              <a:spcAft>
+                <a:spcPts val="600"/>
+              </a:spcAft>
+            </a:pPr>
+            <a:r>
+              <a:rPr lang="en-US" sz="2200" dirty="0">
+                <a:solidFill>
+                  <a:srgbClr val="A3003C"/>
+                </a:solidFill>
+                <a:latin typeface="Bahnschrift SemiBold SemiConden" panose="020B0502040204020203" pitchFamily="34" charset="0"/>
+              </a:rPr>
+              <a:t>Topic </a:t>
+            </a:r>
+            <a:r>
+              <a:rPr lang="en-GB" sz="2200" dirty="0">
+                <a:solidFill>
+                  <a:srgbClr val="A3003C"/>
+                </a:solidFill>
+                <a:latin typeface="Bahnschrift SemiBold SemiConden" panose="020B0502040204020203" pitchFamily="34" charset="0"/>
+              </a:rPr>
+              <a:t>48</a:t>
+            </a:r>
+            <a:r>
+              <a:rPr lang="en-GB" sz="2200" dirty="0">
+                <a:solidFill>
+                  <a:schemeClr val="tx1"/>
+                </a:solidFill>
+                <a:latin typeface="Bahnschrift SemiBold SemiConden" panose="020B0502040204020203" pitchFamily="34" charset="0"/>
+              </a:rPr>
+              <a:t>: senpai, climbing, catch, definitely, ayanokouji, …</a:t>
+            </a:r>
+            <a:endParaRPr lang="en-US" sz="2200" dirty="0">
+              <a:solidFill>
+                <a:schemeClr val="tx1"/>
+              </a:solidFill>
+              <a:latin typeface="Bahnschrift SemiBold SemiConden" panose="020B0502040204020203" pitchFamily="34" charset="0"/>
+            </a:endParaRPr>
+          </a:p>
+        </p:txBody>
+      </p:sp>
+    </p:spTree>
+    <p:extLst>
+      <p:ext uri="{BB962C8B-B14F-4D97-AF65-F5344CB8AC3E}">
+        <p14:creationId xmlns:p14="http://schemas.microsoft.com/office/powerpoint/2010/main" val="878143556"/>
+      </p:ext>
+    </p:extLst>
+  </p:cSld>
+  <p:clrMapOvr>
+    <a:masterClrMapping/>
+  </p:clrMapOvr>
 </p:sld>
 </file>
 
@@ -29562,7 +29562,16 @@
                 </a:solidFill>
                 <a:latin typeface="Bahnschrift SemiBold SemiConden" panose="020B0502040204020203" pitchFamily="34" charset="0"/>
               </a:rPr>
-              <a:t>ub Volumes, Bonus Chapters and Epilogues</a:t>
+              <a:t>ub Volumes, Bonus Chapters and </a:t>
+            </a:r>
+            <a:r>
+              <a:rPr lang="en-GB" sz="2200" dirty="0" err="1">
+                <a:solidFill>
+                  <a:schemeClr val="tx1"/>
+                </a:solidFill>
+                <a:latin typeface="Bahnschrift SemiBold SemiConden" panose="020B0502040204020203" pitchFamily="34" charset="0"/>
+              </a:rPr>
+              <a:t>Afterwords</a:t>
             </a:r>
             <a:endParaRPr lang="en-US" sz="2200" dirty="0">
               <a:solidFill>
